--- a/teach/fall_22/slides/ds_4_old.pptx
+++ b/teach/fall_22/slides/ds_4_old.pptx
@@ -146,6 +146,1322 @@
 </p:presentation>
 </file>
 
+<file path=ppt/ink/ink1.xml><?xml version="1.0" encoding="utf-8"?>
+<inkml:ink xmlns:inkml="http://www.w3.org/2003/InkML">
+  <inkml:definitions>
+    <inkml:context xml:id="ctx0">
+      <inkml:inkSource xml:id="inkSrc0">
+        <inkml:traceFormat>
+          <inkml:channel name="X" type="integer" min="-2.14748E9" max="2.14748E9" units="cm"/>
+          <inkml:channel name="Y" type="integer" min="-2.14748E9" max="2.14748E9" units="cm"/>
+          <inkml:channel name="F" type="integer" max="32767" units="dev"/>
+        </inkml:traceFormat>
+        <inkml:channelProperties>
+          <inkml:channelProperty channel="X" name="resolution" value="1000" units="1/cm"/>
+          <inkml:channelProperty channel="Y" name="resolution" value="1000" units="1/cm"/>
+          <inkml:channelProperty channel="F" name="resolution" value="0" units="1/dev"/>
+        </inkml:channelProperties>
+      </inkml:inkSource>
+      <inkml:timestamp xml:id="ts0" timeString="2022-09-12T18:08:09.987"/>
+    </inkml:context>
+    <inkml:brush xml:id="br0">
+      <inkml:brushProperty name="width" value="0.1" units="cm"/>
+      <inkml:brushProperty name="height" value="0.1" units="cm"/>
+      <inkml:brushProperty name="color" value="#F6630D"/>
+    </inkml:brush>
+  </inkml:definitions>
+  <inkml:trace contextRef="#ctx0" brushRef="#br0">0 1 24575,'7'6'0,"3"2"0,0 0 0,7 5 0,-3-2 0,3 2 0,-5-3 0,0 0 0,0 0 0,-1 0 0,3 2 0,3 3 0,-1-2 0,-1 0 0,-3-1 0,-5-4 0,5 4 0,3 4 0,3 3 0,9 4 0,-6-3 0,1 1 0,-3-3 0,-2 1 0,3 4 0,0 0 0,9 12 0,1-1 0,4 5 0,4 3 0,-9-7 0,2 3 0,-4-6 0,-2-1 0,4 2 0,-8-7 0,7 5 0,-5-6 0,-1 0 0,-2-1 0,-4-3 0,1 0 0,0 1 0,-1-2 0,4 2 0,-4-4 0,2 1 0,1 3 0,1 0 0,7 12 0,3-2 0,-1 2 0,3-1 0,-9-8 0,3 3 0,0 5 0,0-1 0,6 7 0,-1-1 0,0-1 0,0 3 0,-4-8 0,3 4 0,-2-1 0,4 3 0,2 6 0,-3-8 0,2 8 0,0-5 0,-6-4 0,6 2 0,-7-7 0,8 6 0,-3-2 0,3 2 0,2 3 0,-2-4 0,7 8 0,-1-2 0,-3-2 0,2 5 0,-1-4 0,1 8 0,11 11 0,-8-10 0,9 8 0,-15-16 0,-2-6 0,-9-4 0,-7-11 0,-3-1 0,-5-7 0,-4-3 0,-2-5 0,-2-1 0,3 2 0,1 4 0,3 2 0,2 1 0,0 0 0,2 2 0,2 1 0,3 4 0,2 0 0,1 0 0,0 0 0,-4-6 0,-2-1 0,0 0 0,2-1 0,8 6 0,4-1 0,9 4 0,-1-2 0,-4-3 0,-7-2 0,-11-5 0,-4-2 0,-4-2 0,2 2 0,6 3 0,2 2 0,6 3 0,-6-6 0,-3-2 0,-8-3 0,-8-2 0,-1 0 0</inkml:trace>
+</inkml:ink>
+</file>
+
+<file path=ppt/ink/ink10.xml><?xml version="1.0" encoding="utf-8"?>
+<inkml:ink xmlns:inkml="http://www.w3.org/2003/InkML">
+  <inkml:definitions>
+    <inkml:context xml:id="ctx0">
+      <inkml:inkSource xml:id="inkSrc0">
+        <inkml:traceFormat>
+          <inkml:channel name="X" type="integer" min="-2.14748E9" max="2.14748E9" units="cm"/>
+          <inkml:channel name="Y" type="integer" min="-2.14748E9" max="2.14748E9" units="cm"/>
+          <inkml:channel name="F" type="integer" max="32767" units="dev"/>
+        </inkml:traceFormat>
+        <inkml:channelProperties>
+          <inkml:channelProperty channel="X" name="resolution" value="1000" units="1/cm"/>
+          <inkml:channelProperty channel="Y" name="resolution" value="1000" units="1/cm"/>
+          <inkml:channelProperty channel="F" name="resolution" value="0" units="1/dev"/>
+        </inkml:channelProperties>
+      </inkml:inkSource>
+      <inkml:timestamp xml:id="ts0" timeString="2022-09-12T18:10:15.315"/>
+    </inkml:context>
+    <inkml:brush xml:id="br0">
+      <inkml:brushProperty name="width" value="0.1" units="cm"/>
+      <inkml:brushProperty name="height" value="0.1" units="cm"/>
+      <inkml:brushProperty name="color" value="#F6630D"/>
+    </inkml:brush>
+  </inkml:definitions>
+  <inkml:trace contextRef="#ctx0" brushRef="#br0">82 0 24575,'-13'14'0,"-4"1"0,3-1 0,-1 0 0,7 1 0,3-4 0,2 3 0,2-6 0,0-2 0,-1-1 0,0-4 0,1 0 0</inkml:trace>
+</inkml:ink>
+</file>
+
+<file path=ppt/ink/ink11.xml><?xml version="1.0" encoding="utf-8"?>
+<inkml:ink xmlns:inkml="http://www.w3.org/2003/InkML">
+  <inkml:definitions>
+    <inkml:context xml:id="ctx0">
+      <inkml:inkSource xml:id="inkSrc0">
+        <inkml:traceFormat>
+          <inkml:channel name="X" type="integer" min="-2.14748E9" max="2.14748E9" units="cm"/>
+          <inkml:channel name="Y" type="integer" min="-2.14748E9" max="2.14748E9" units="cm"/>
+          <inkml:channel name="F" type="integer" max="32767" units="dev"/>
+        </inkml:traceFormat>
+        <inkml:channelProperties>
+          <inkml:channelProperty channel="X" name="resolution" value="1000" units="1/cm"/>
+          <inkml:channelProperty channel="Y" name="resolution" value="1000" units="1/cm"/>
+          <inkml:channelProperty channel="F" name="resolution" value="0" units="1/dev"/>
+        </inkml:channelProperties>
+      </inkml:inkSource>
+      <inkml:timestamp xml:id="ts0" timeString="2022-09-12T18:10:16.079"/>
+    </inkml:context>
+    <inkml:brush xml:id="br0">
+      <inkml:brushProperty name="width" value="0.1" units="cm"/>
+      <inkml:brushProperty name="height" value="0.1" units="cm"/>
+      <inkml:brushProperty name="color" value="#F6630D"/>
+    </inkml:brush>
+  </inkml:definitions>
+  <inkml:trace contextRef="#ctx0" brushRef="#br0">42 323 21364,'2'43'0,"0"-12"1537,2-18-1537,-1-8 542,0-4-542,1-1 277,1-3-277,5-8 855,7-9-855,8-11 0,17-17 0,-1 2 0,11-13 0,-21 11 0,-9 7 0,-21 6 0,-18 7 0,-5 6 0,-3 6 0,9 10 0,5 4 0,2 2 0,-1 1 0,-8 2 0,1 0 0,-8 2 0,2 2 0,1 1 0,-1 6 0,5-1 0,-1 4 0,6-3 0,2-3 0,7-4 0,1-3 0,3-2 0,5 2 0,-3-2 0,3 1 0</inkml:trace>
+</inkml:ink>
+</file>
+
+<file path=ppt/ink/ink12.xml><?xml version="1.0" encoding="utf-8"?>
+<inkml:ink xmlns:inkml="http://www.w3.org/2003/InkML">
+  <inkml:definitions>
+    <inkml:context xml:id="ctx0">
+      <inkml:inkSource xml:id="inkSrc0">
+        <inkml:traceFormat>
+          <inkml:channel name="X" type="integer" min="-2.14748E9" max="2.14748E9" units="cm"/>
+          <inkml:channel name="Y" type="integer" min="-2.14748E9" max="2.14748E9" units="cm"/>
+          <inkml:channel name="F" type="integer" max="32767" units="dev"/>
+        </inkml:traceFormat>
+        <inkml:channelProperties>
+          <inkml:channelProperty channel="X" name="resolution" value="1000" units="1/cm"/>
+          <inkml:channelProperty channel="Y" name="resolution" value="1000" units="1/cm"/>
+          <inkml:channelProperty channel="F" name="resolution" value="0" units="1/dev"/>
+        </inkml:channelProperties>
+      </inkml:inkSource>
+      <inkml:timestamp xml:id="ts0" timeString="2022-09-12T18:10:16.832"/>
+    </inkml:context>
+    <inkml:brush xml:id="br0">
+      <inkml:brushProperty name="width" value="0.1" units="cm"/>
+      <inkml:brushProperty name="height" value="0.1" units="cm"/>
+      <inkml:brushProperty name="color" value="#F6630D"/>
+    </inkml:brush>
+  </inkml:definitions>
+  <inkml:trace contextRef="#ctx0" brushRef="#br0">0 0 24575,'34'8'0,"11"2"0,3 4 0,-1 0 0,-4 5 0,-18-4 0,-5 4 0,-1 8 0,3 39 0,-2 1 0,-1 23 0,-12-20 0,-4-23 0,-7 0 0,0-11 0,-4-1 0,0 3 0,-2-7 0,0 2 0,-1-11 0,3-4 0,-3-9 0,2-3 0,-4 0 0,0 2 0,-1 1 0,0 2 0,4-5 0,1-1 0,2-3 0,4-1 0,0-1 0</inkml:trace>
+</inkml:ink>
+</file>
+
+<file path=ppt/ink/ink13.xml><?xml version="1.0" encoding="utf-8"?>
+<inkml:ink xmlns:inkml="http://www.w3.org/2003/InkML">
+  <inkml:definitions>
+    <inkml:context xml:id="ctx0">
+      <inkml:inkSource xml:id="inkSrc0">
+        <inkml:traceFormat>
+          <inkml:channel name="X" type="integer" min="-2.14748E9" max="2.14748E9" units="cm"/>
+          <inkml:channel name="Y" type="integer" min="-2.14748E9" max="2.14748E9" units="cm"/>
+          <inkml:channel name="F" type="integer" max="32767" units="dev"/>
+        </inkml:traceFormat>
+        <inkml:channelProperties>
+          <inkml:channelProperty channel="X" name="resolution" value="1000" units="1/cm"/>
+          <inkml:channelProperty channel="Y" name="resolution" value="1000" units="1/cm"/>
+          <inkml:channelProperty channel="F" name="resolution" value="0" units="1/dev"/>
+        </inkml:channelProperties>
+      </inkml:inkSource>
+      <inkml:timestamp xml:id="ts0" timeString="2022-09-12T18:10:03.749"/>
+    </inkml:context>
+    <inkml:brush xml:id="br0">
+      <inkml:brushProperty name="width" value="0.1" units="cm"/>
+      <inkml:brushProperty name="height" value="0.1" units="cm"/>
+      <inkml:brushProperty name="color" value="#F6630D"/>
+    </inkml:brush>
+  </inkml:definitions>
+  <inkml:trace contextRef="#ctx0" brushRef="#br0">455 1 24575,'-4'33'0,"-4"28"0,-6 36 0,3-15 0,0 5-1115,2-4 1,0 4 1114,1-14 0,1 5 0,0-4 0,-1 20 0,0-4 0,0-9 0,0-4 357,2-14 1,0-6-358,-5 18 367,0-2-367,2-11 0,1-1 0,1 0 1147,2-17-1147,2-6 0,1-19 0,1-10 0,1-13 0,1-26 0,-1 3 0,1-15 0,-2 12 0,0 6 0,-1 6 0,1 8 0,-1 8 0,1 1 0,-5 1 0,1-1 0,-5 0 0,1-2 0,-4-2 0,1-2 0,-1-1 0,1-2 0,0-1 0,-3-8 0,-2 0 0,-1-5 0,2 4 0,1 1 0,0 2 0,3 3 0,-3-2 0,4 3 0,1 1 0,4 4 0,2 5 0,3 3 0,-1 6 0,-1 0 0,0 2 0,0-4 0,2 0 0,0-2 0,1-1 0</inkml:trace>
+</inkml:ink>
+</file>
+
+<file path=ppt/ink/ink14.xml><?xml version="1.0" encoding="utf-8"?>
+<inkml:ink xmlns:inkml="http://www.w3.org/2003/InkML">
+  <inkml:definitions>
+    <inkml:context xml:id="ctx0">
+      <inkml:inkSource xml:id="inkSrc0">
+        <inkml:traceFormat>
+          <inkml:channel name="X" type="integer" min="-2.14748E9" max="2.14748E9" units="cm"/>
+          <inkml:channel name="Y" type="integer" min="-2.14748E9" max="2.14748E9" units="cm"/>
+          <inkml:channel name="F" type="integer" max="32767" units="dev"/>
+        </inkml:traceFormat>
+        <inkml:channelProperties>
+          <inkml:channelProperty channel="X" name="resolution" value="1000" units="1/cm"/>
+          <inkml:channelProperty channel="Y" name="resolution" value="1000" units="1/cm"/>
+          <inkml:channelProperty channel="F" name="resolution" value="0" units="1/dev"/>
+        </inkml:channelProperties>
+      </inkml:inkSource>
+      <inkml:timestamp xml:id="ts0" timeString="2022-09-12T18:10:04.975"/>
+    </inkml:context>
+    <inkml:brush xml:id="br0">
+      <inkml:brushProperty name="width" value="0.1" units="cm"/>
+      <inkml:brushProperty name="height" value="0.1" units="cm"/>
+      <inkml:brushProperty name="color" value="#F6630D"/>
+    </inkml:brush>
+  </inkml:definitions>
+  <inkml:trace contextRef="#ctx0" brushRef="#br0">0 73 24575,'22'2'0,"10"2"0,8 0 0,14 2 0,26-3 0,-26-2 0,4 1 0,2-2 0,5 0-478,24 1 1,3 0 477,-16-3 0,1 0 0,-11 1 0,2 1 0,0-1 0,24 0 0,0 0 0,1-1 0,3 0-499,-23 2 0,1 0 0,-1-1 499,21 0 0,1-1 0,-19 0 0,2 0 0,-1-1 0,-7 1 0,-2-1 0,-1-1 0,29-1 0,-1-1-439,4 1 1,-3 0 438,-24 1 0,1 1 0,25-2 0,4 1-727,-4 3 0,2 0 727,-29 0 0,1 1 0,3-1-356,13 2 1,3 0-1,-1 0 356,-11 0 0,-2-1 0,4 1-321,-3-1 0,5 0 0,0 0 0,-1 0 321,-3-1 0,0 0 0,-1-1 0,-1 1 0,22-1 0,-1 1 0,0-1-221,1 0 1,-2-1 0,-5 0 220,-23 1 0,-4 0 0,2 0 0,9 1 0,2 0 0,-1 1 142,23-1 1,-2 0-143,0 1 0,0 0 0,4 1 0,-4 0 0,-20 0 0,-4 0 813,-7 0 0,-6 0-813,16 0 683,-48-1 0,-18 0 1,-10 0-1</inkml:trace>
+</inkml:ink>
+</file>
+
+<file path=ppt/ink/ink15.xml><?xml version="1.0" encoding="utf-8"?>
+<inkml:ink xmlns:inkml="http://www.w3.org/2003/InkML">
+  <inkml:definitions>
+    <inkml:context xml:id="ctx0">
+      <inkml:inkSource xml:id="inkSrc0">
+        <inkml:traceFormat>
+          <inkml:channel name="X" type="integer" min="-2.14748E9" max="2.14748E9" units="cm"/>
+          <inkml:channel name="Y" type="integer" min="-2.14748E9" max="2.14748E9" units="cm"/>
+          <inkml:channel name="F" type="integer" max="32767" units="dev"/>
+        </inkml:traceFormat>
+        <inkml:channelProperties>
+          <inkml:channelProperty channel="X" name="resolution" value="1000" units="1/cm"/>
+          <inkml:channelProperty channel="Y" name="resolution" value="1000" units="1/cm"/>
+          <inkml:channelProperty channel="F" name="resolution" value="0" units="1/dev"/>
+        </inkml:channelProperties>
+      </inkml:inkSource>
+      <inkml:timestamp xml:id="ts0" timeString="2022-09-12T18:10:25.743"/>
+    </inkml:context>
+    <inkml:brush xml:id="br0">
+      <inkml:brushProperty name="width" value="0.1" units="cm"/>
+      <inkml:brushProperty name="height" value="0.1" units="cm"/>
+      <inkml:brushProperty name="color" value="#F6630D"/>
+    </inkml:brush>
+  </inkml:definitions>
+  <inkml:trace contextRef="#ctx0" brushRef="#br0">0 196 24575,'12'-16'0,"5"-5"0,4-4 0,9-5 0,-4 6 0,19-2 0,10 6 0,12 4 0,14 7 0,-21 3 0,-7 5 0,-27-1 0,-12 3 0,-3 4 0,2 7 0,2 5 0,-2 4 0,-5 3 0,-4 6 0,-3 2 0,-3 16 0,-8-3 0,-3 4 0,-8 2 0,3-9 0,-8 9 0,-4-4 0,-4-3 0,-8-2 0,1-7 0,1-3 0,-1 2 0,10-9 0,-4 3 0,10-7 0,2-2 0,3-3 0,7-5 0,0 3 0,7-5 0,2 0 0,3-1 0,3-1 0,3 3 0,7 3 0,7 3 0,13 5 0,3-1 0,28 2 0,13-9 0,10-4 0,-9-6 0,-30-4 0,-25 1 0,-16-2 0,-3-3 0,6-7 0,-6 5 0,4-3 0</inkml:trace>
+</inkml:ink>
+</file>
+
+<file path=ppt/ink/ink16.xml><?xml version="1.0" encoding="utf-8"?>
+<inkml:ink xmlns:inkml="http://www.w3.org/2003/InkML">
+  <inkml:definitions>
+    <inkml:context xml:id="ctx0">
+      <inkml:inkSource xml:id="inkSrc0">
+        <inkml:traceFormat>
+          <inkml:channel name="X" type="integer" min="-2.14748E9" max="2.14748E9" units="cm"/>
+          <inkml:channel name="Y" type="integer" min="-2.14748E9" max="2.14748E9" units="cm"/>
+          <inkml:channel name="F" type="integer" max="32767" units="dev"/>
+        </inkml:traceFormat>
+        <inkml:channelProperties>
+          <inkml:channelProperty channel="X" name="resolution" value="1000" units="1/cm"/>
+          <inkml:channelProperty channel="Y" name="resolution" value="1000" units="1/cm"/>
+          <inkml:channelProperty channel="F" name="resolution" value="0" units="1/dev"/>
+        </inkml:channelProperties>
+      </inkml:inkSource>
+      <inkml:timestamp xml:id="ts0" timeString="2022-09-12T18:10:26.552"/>
+    </inkml:context>
+    <inkml:brush xml:id="br0">
+      <inkml:brushProperty name="width" value="0.1" units="cm"/>
+      <inkml:brushProperty name="height" value="0.1" units="cm"/>
+      <inkml:brushProperty name="color" value="#F6630D"/>
+    </inkml:brush>
+  </inkml:definitions>
+  <inkml:trace contextRef="#ctx0" brushRef="#br0">133 1 24575,'30'3'0,"-1"-1"0,-9-1 0,3 0 0,15 3 0,0 4 0,17 5 0,-14 3 0,-9-1 0,-14-1 0,-11-3 0,-8 1 0,-10 6 0,-9 5 0,-27 21 0,-9 2 0,-13 7 0,-10-3 0,21-15 0,-5 0 0,30-16 0,10-5 0,20-6 0,26-2 0,5-2 0,25 4 0,17-4 0,12 3 0,-29-5 0,0 1 0,27 0 0,-16-1 0,-36-2 0,-15 0 0,-10 0 0,6 0 0,-5 0 0,4 0 0</inkml:trace>
+</inkml:ink>
+</file>
+
+<file path=ppt/ink/ink17.xml><?xml version="1.0" encoding="utf-8"?>
+<inkml:ink xmlns:inkml="http://www.w3.org/2003/InkML">
+  <inkml:definitions>
+    <inkml:context xml:id="ctx0">
+      <inkml:inkSource xml:id="inkSrc0">
+        <inkml:traceFormat>
+          <inkml:channel name="X" type="integer" min="-2.14748E9" max="2.14748E9" units="cm"/>
+          <inkml:channel name="Y" type="integer" min="-2.14748E9" max="2.14748E9" units="cm"/>
+          <inkml:channel name="F" type="integer" max="32767" units="dev"/>
+        </inkml:traceFormat>
+        <inkml:channelProperties>
+          <inkml:channelProperty channel="X" name="resolution" value="1000" units="1/cm"/>
+          <inkml:channelProperty channel="Y" name="resolution" value="1000" units="1/cm"/>
+          <inkml:channelProperty channel="F" name="resolution" value="0" units="1/dev"/>
+        </inkml:channelProperties>
+      </inkml:inkSource>
+      <inkml:timestamp xml:id="ts0" timeString="2022-09-12T18:10:27.050"/>
+    </inkml:context>
+    <inkml:brush xml:id="br0">
+      <inkml:brushProperty name="width" value="0.1" units="cm"/>
+      <inkml:brushProperty name="height" value="0.1" units="cm"/>
+      <inkml:brushProperty name="color" value="#F6630D"/>
+    </inkml:brush>
+  </inkml:definitions>
+  <inkml:trace contextRef="#ctx0" brushRef="#br0">1 89 13627,'74'-8'0,"0"1"0,0 0 0,2 0 1675,11-3 1,0 0-1676,-10 2 0,-3 2 1076,-12 0 1,-5 1-1077,31 1 1207,-52 4-1207,-8 0 3423,-19 0-3423,-3 0 814,-2 0-814,-2-2 0,-2-1 0,0 0 0,0 1 0</inkml:trace>
+</inkml:ink>
+</file>
+
+<file path=ppt/ink/ink18.xml><?xml version="1.0" encoding="utf-8"?>
+<inkml:ink xmlns:inkml="http://www.w3.org/2003/InkML">
+  <inkml:definitions>
+    <inkml:context xml:id="ctx0">
+      <inkml:inkSource xml:id="inkSrc0">
+        <inkml:traceFormat>
+          <inkml:channel name="X" type="integer" min="-2.14748E9" max="2.14748E9" units="cm"/>
+          <inkml:channel name="Y" type="integer" min="-2.14748E9" max="2.14748E9" units="cm"/>
+          <inkml:channel name="F" type="integer" max="32767" units="dev"/>
+        </inkml:traceFormat>
+        <inkml:channelProperties>
+          <inkml:channelProperty channel="X" name="resolution" value="1000" units="1/cm"/>
+          <inkml:channelProperty channel="Y" name="resolution" value="1000" units="1/cm"/>
+          <inkml:channelProperty channel="F" name="resolution" value="0" units="1/dev"/>
+        </inkml:channelProperties>
+      </inkml:inkSource>
+      <inkml:timestamp xml:id="ts0" timeString="2022-09-12T18:10:27.621"/>
+    </inkml:context>
+    <inkml:brush xml:id="br0">
+      <inkml:brushProperty name="width" value="0.1" units="cm"/>
+      <inkml:brushProperty name="height" value="0.1" units="cm"/>
+      <inkml:brushProperty name="color" value="#F6630D"/>
+    </inkml:brush>
+  </inkml:definitions>
+  <inkml:trace contextRef="#ctx0" brushRef="#br0">181 0 24575,'-7'37'0,"-2"5"0,-4 11 0,-5 17 0,2-3 0,-5 18 0,4-14 0,-1-3 0,4-15 0,3-13 0,3-8 0,1-1 0,4-9 0,-3 1 0,3-5 0,-1-4 0,1 0 0,2-5 0,0-3 0,0-4 0,2-14 0,9-16 0,-7 9 0,7-5 0</inkml:trace>
+</inkml:ink>
+</file>
+
+<file path=ppt/ink/ink19.xml><?xml version="1.0" encoding="utf-8"?>
+<inkml:ink xmlns:inkml="http://www.w3.org/2003/InkML">
+  <inkml:definitions>
+    <inkml:context xml:id="ctx0">
+      <inkml:inkSource xml:id="inkSrc0">
+        <inkml:traceFormat>
+          <inkml:channel name="X" type="integer" min="-2.14748E9" max="2.14748E9" units="cm"/>
+          <inkml:channel name="Y" type="integer" min="-2.14748E9" max="2.14748E9" units="cm"/>
+          <inkml:channel name="F" type="integer" max="32767" units="dev"/>
+        </inkml:traceFormat>
+        <inkml:channelProperties>
+          <inkml:channelProperty channel="X" name="resolution" value="1000" units="1/cm"/>
+          <inkml:channelProperty channel="Y" name="resolution" value="1000" units="1/cm"/>
+          <inkml:channelProperty channel="F" name="resolution" value="0" units="1/dev"/>
+        </inkml:channelProperties>
+      </inkml:inkSource>
+      <inkml:timestamp xml:id="ts0" timeString="2022-09-12T18:10:32.943"/>
+    </inkml:context>
+    <inkml:brush xml:id="br0">
+      <inkml:brushProperty name="width" value="0.1" units="cm"/>
+      <inkml:brushProperty name="height" value="0.1" units="cm"/>
+      <inkml:brushProperty name="color" value="#F6630D"/>
+    </inkml:brush>
+  </inkml:definitions>
+  <inkml:trace contextRef="#ctx0" brushRef="#br0">0 99 24575,'17'-10'0,"4"-1"0,14-5 0,3 2 0,13-5 0,-1 7 0,-5 2 0,-8 4 0,-15 5 0,-7 1 0,-8 0 0,-2 3 0,-1 3 0,4 8 0,2 7 0,2 11 0,-4-1 0,-3 15 0,-11 1 0,-4 7 0,-11 9 0,-3-1 0,-5 16 0,-3 0 0,5-10 0,2-13 0,13-28 0,2-11 0,8-10 0,0-3 0,3-1 0,3-1 0,9-1 0,8-1 0,19-2 0,9 2 0,5-1 0,8 1 0,-9 1 0,-5-1 0,-7 1 0,-17-1 0,-5 0 0,-11 0 0,-3 0 0,1-2 0,-3 1 0,1-2 0</inkml:trace>
+</inkml:ink>
+</file>
+
+<file path=ppt/ink/ink2.xml><?xml version="1.0" encoding="utf-8"?>
+<inkml:ink xmlns:inkml="http://www.w3.org/2003/InkML">
+  <inkml:definitions>
+    <inkml:context xml:id="ctx0">
+      <inkml:inkSource xml:id="inkSrc0">
+        <inkml:traceFormat>
+          <inkml:channel name="X" type="integer" min="-2.14748E9" max="2.14748E9" units="cm"/>
+          <inkml:channel name="Y" type="integer" min="-2.14748E9" max="2.14748E9" units="cm"/>
+          <inkml:channel name="F" type="integer" max="32767" units="dev"/>
+        </inkml:traceFormat>
+        <inkml:channelProperties>
+          <inkml:channelProperty channel="X" name="resolution" value="1000" units="1/cm"/>
+          <inkml:channelProperty channel="Y" name="resolution" value="1000" units="1/cm"/>
+          <inkml:channelProperty channel="F" name="resolution" value="0" units="1/dev"/>
+        </inkml:channelProperties>
+      </inkml:inkSource>
+      <inkml:timestamp xml:id="ts0" timeString="2022-09-12T18:10:06.867"/>
+    </inkml:context>
+    <inkml:brush xml:id="br0">
+      <inkml:brushProperty name="width" value="0.1" units="cm"/>
+      <inkml:brushProperty name="height" value="0.1" units="cm"/>
+      <inkml:brushProperty name="color" value="#F6630D"/>
+    </inkml:brush>
+  </inkml:definitions>
+  <inkml:trace contextRef="#ctx0" brushRef="#br0">72 0 24575,'-13'7'0,"1"-1"0,3 4 0,1 2 0,-1 7 0,1 3 0,1 3 0,3 5 0,2-3 0,6 7 0,4 4 0,2-2 0,7 6 0,-5-17 0,3 0 0,-1-13 0,-3-5 0,-1-3 0,-1-3 0,5-1 0,-5 0 0,3 0 0</inkml:trace>
+</inkml:ink>
+</file>
+
+<file path=ppt/ink/ink20.xml><?xml version="1.0" encoding="utf-8"?>
+<inkml:ink xmlns:inkml="http://www.w3.org/2003/InkML">
+  <inkml:definitions>
+    <inkml:context xml:id="ctx0">
+      <inkml:inkSource xml:id="inkSrc0">
+        <inkml:traceFormat>
+          <inkml:channel name="X" type="integer" min="-2.14748E9" max="2.14748E9" units="cm"/>
+          <inkml:channel name="Y" type="integer" min="-2.14748E9" max="2.14748E9" units="cm"/>
+          <inkml:channel name="F" type="integer" max="32767" units="dev"/>
+        </inkml:traceFormat>
+        <inkml:channelProperties>
+          <inkml:channelProperty channel="X" name="resolution" value="1000" units="1/cm"/>
+          <inkml:channelProperty channel="Y" name="resolution" value="1000" units="1/cm"/>
+          <inkml:channelProperty channel="F" name="resolution" value="0" units="1/dev"/>
+        </inkml:channelProperties>
+      </inkml:inkSource>
+      <inkml:timestamp xml:id="ts0" timeString="2022-09-12T18:10:33.752"/>
+    </inkml:context>
+    <inkml:brush xml:id="br0">
+      <inkml:brushProperty name="width" value="0.1" units="cm"/>
+      <inkml:brushProperty name="height" value="0.1" units="cm"/>
+      <inkml:brushProperty name="color" value="#F6630D"/>
+    </inkml:brush>
+  </inkml:definitions>
+  <inkml:trace contextRef="#ctx0" brushRef="#br0">1 70 24575,'30'-19'0,"5"-1"0,-5 6 0,-2 4 0,-5 4 0,-11 5 0,-2 3 0,-2 2 0,2 2 0,4 8 0,0 1 0,2 9 0,-7 1 0,-2-1 0,-11 1 0,-5-7 0,-12 10 0,-5 1 0,-1 2 0,2-2 0,10-12 0,6-6 0,5-5 0,4-4 0,0 0 0,3 1 0,6 0 0,7-1 0,3-1 0,4-1 0,-5 0 0,5-2 0,0-2 0,1 0 0,-1-4 0,-8 2 0,-3 1 0,-9 2 0,-1 2 0</inkml:trace>
+</inkml:ink>
+</file>
+
+<file path=ppt/ink/ink21.xml><?xml version="1.0" encoding="utf-8"?>
+<inkml:ink xmlns:inkml="http://www.w3.org/2003/InkML">
+  <inkml:definitions>
+    <inkml:context xml:id="ctx0">
+      <inkml:inkSource xml:id="inkSrc0">
+        <inkml:traceFormat>
+          <inkml:channel name="X" type="integer" min="-2.14748E9" max="2.14748E9" units="cm"/>
+          <inkml:channel name="Y" type="integer" min="-2.14748E9" max="2.14748E9" units="cm"/>
+          <inkml:channel name="F" type="integer" max="32767" units="dev"/>
+        </inkml:traceFormat>
+        <inkml:channelProperties>
+          <inkml:channelProperty channel="X" name="resolution" value="1000" units="1/cm"/>
+          <inkml:channelProperty channel="Y" name="resolution" value="1000" units="1/cm"/>
+          <inkml:channelProperty channel="F" name="resolution" value="0" units="1/dev"/>
+        </inkml:channelProperties>
+      </inkml:inkSource>
+      <inkml:timestamp xml:id="ts0" timeString="2022-09-12T18:10:34.574"/>
+    </inkml:context>
+    <inkml:brush xml:id="br0">
+      <inkml:brushProperty name="width" value="0.1" units="cm"/>
+      <inkml:brushProperty name="height" value="0.1" units="cm"/>
+      <inkml:brushProperty name="color" value="#F6630D"/>
+    </inkml:brush>
+  </inkml:definitions>
+  <inkml:trace contextRef="#ctx0" brushRef="#br0">1 13 24575,'52'0'0,"5"0"0,36-2 0,-3-1 0,-5 1 0,-14-2 0,-26 3 0,-19 0 0,-17 1 0,-9 0 0,-4 0 0</inkml:trace>
+</inkml:ink>
+</file>
+
+<file path=ppt/ink/ink22.xml><?xml version="1.0" encoding="utf-8"?>
+<inkml:ink xmlns:inkml="http://www.w3.org/2003/InkML">
+  <inkml:definitions>
+    <inkml:context xml:id="ctx0">
+      <inkml:inkSource xml:id="inkSrc0">
+        <inkml:traceFormat>
+          <inkml:channel name="X" type="integer" min="-2.14748E9" max="2.14748E9" units="cm"/>
+          <inkml:channel name="Y" type="integer" min="-2.14748E9" max="2.14748E9" units="cm"/>
+          <inkml:channel name="F" type="integer" max="32767" units="dev"/>
+        </inkml:traceFormat>
+        <inkml:channelProperties>
+          <inkml:channelProperty channel="X" name="resolution" value="1000" units="1/cm"/>
+          <inkml:channelProperty channel="Y" name="resolution" value="1000" units="1/cm"/>
+          <inkml:channelProperty channel="F" name="resolution" value="0" units="1/dev"/>
+        </inkml:channelProperties>
+      </inkml:inkSource>
+      <inkml:timestamp xml:id="ts0" timeString="2022-09-12T18:10:35.024"/>
+    </inkml:context>
+    <inkml:brush xml:id="br0">
+      <inkml:brushProperty name="width" value="0.1" units="cm"/>
+      <inkml:brushProperty name="height" value="0.1" units="cm"/>
+      <inkml:brushProperty name="color" value="#F6630D"/>
+    </inkml:brush>
+  </inkml:definitions>
+  <inkml:trace contextRef="#ctx0" brushRef="#br0">1 1 24575,'18'2'0,"4"0"0,8-1 0,8 0 0,29 1 0,13-2 0,-29 2 0,-1-1 0,31 0 0,-26 0 0,-29 0 0,-22-1 0,-1 1 0</inkml:trace>
+</inkml:ink>
+</file>
+
+<file path=ppt/ink/ink23.xml><?xml version="1.0" encoding="utf-8"?>
+<inkml:ink xmlns:inkml="http://www.w3.org/2003/InkML">
+  <inkml:definitions>
+    <inkml:context xml:id="ctx0">
+      <inkml:inkSource xml:id="inkSrc0">
+        <inkml:traceFormat>
+          <inkml:channel name="X" type="integer" min="-2.14748E9" max="2.14748E9" units="cm"/>
+          <inkml:channel name="Y" type="integer" min="-2.14748E9" max="2.14748E9" units="cm"/>
+          <inkml:channel name="F" type="integer" max="32767" units="dev"/>
+        </inkml:traceFormat>
+        <inkml:channelProperties>
+          <inkml:channelProperty channel="X" name="resolution" value="1000" units="1/cm"/>
+          <inkml:channelProperty channel="Y" name="resolution" value="1000" units="1/cm"/>
+          <inkml:channelProperty channel="F" name="resolution" value="0" units="1/dev"/>
+        </inkml:channelProperties>
+      </inkml:inkSource>
+      <inkml:timestamp xml:id="ts0" timeString="2022-09-12T18:10:35.835"/>
+    </inkml:context>
+    <inkml:brush xml:id="br0">
+      <inkml:brushProperty name="width" value="0.1" units="cm"/>
+      <inkml:brushProperty name="height" value="0.1" units="cm"/>
+      <inkml:brushProperty name="color" value="#F6630D"/>
+    </inkml:brush>
+  </inkml:definitions>
+  <inkml:trace contextRef="#ctx0" brushRef="#br0">0 82 24575,'11'-4'0,"1"0"0,2 0 0,7-1 0,4-2 0,23-5 0,10 0 0,32-4 0,-9 6 0,-15 4 0,-28 4 0,-28 4 0,-6 1 0,-2 7 0,-1 7 0,0 14 0,-2 14 0,-7 4 0,-11 10 0,-9-5 0,-14 13 0,-6 1 0,5-3 0,1-1 0,21-28 0,6-6 0,11-20 0,2-4 0,3-5 0,1 1 0,11-1 0,8 1 0,23 2 0,2-2 0,8 0 0,-15-2 0,-11 0 0,-11 0 0,-3 0 0,0 0 0,8-2 0,-2 0 0,5 0 0,-6-1 0,-6 1 0,-5 1 0,-3-2 0,-3 2 0,1-1 0,-2 1 0</inkml:trace>
+</inkml:ink>
+</file>
+
+<file path=ppt/ink/ink24.xml><?xml version="1.0" encoding="utf-8"?>
+<inkml:ink xmlns:inkml="http://www.w3.org/2003/InkML">
+  <inkml:definitions>
+    <inkml:context xml:id="ctx0">
+      <inkml:inkSource xml:id="inkSrc0">
+        <inkml:traceFormat>
+          <inkml:channel name="X" type="integer" min="-2.14748E9" max="2.14748E9" units="cm"/>
+          <inkml:channel name="Y" type="integer" min="-2.14748E9" max="2.14748E9" units="cm"/>
+          <inkml:channel name="F" type="integer" max="32767" units="dev"/>
+        </inkml:traceFormat>
+        <inkml:channelProperties>
+          <inkml:channelProperty channel="X" name="resolution" value="1000" units="1/cm"/>
+          <inkml:channelProperty channel="Y" name="resolution" value="1000" units="1/cm"/>
+          <inkml:channelProperty channel="F" name="resolution" value="0" units="1/dev"/>
+        </inkml:channelProperties>
+      </inkml:inkSource>
+      <inkml:timestamp xml:id="ts0" timeString="2022-09-12T18:10:36.610"/>
+    </inkml:context>
+    <inkml:brush xml:id="br0">
+      <inkml:brushProperty name="width" value="0.1" units="cm"/>
+      <inkml:brushProperty name="height" value="0.1" units="cm"/>
+      <inkml:brushProperty name="color" value="#F6630D"/>
+    </inkml:brush>
+  </inkml:definitions>
+  <inkml:trace contextRef="#ctx0" brushRef="#br0">142 1 24575,'-6'20'0,"3"16"0,7 21 0,3 12 0,1 26 0,-3-18-6784,-1 6 6784,-1-22 0,0-13 0,-1-13 0,-1-14 0,-1-7 0,-1-8 0,-2-5 6784,-2-4-6784,-3-3 0,-8-5 0,-2 1 0,-3-3 0,6 8 0,6 1 0,5 4 0,2 0 0,-3 0 0,0 2 0,-3 1 0,-2 5 0,1 1 0,0 5 0,0-2 0,3-2 0,0-3 0,6-6 0,6-6 0,5-6 0,-1 3 0,-3 0 0</inkml:trace>
+</inkml:ink>
+</file>
+
+<file path=ppt/ink/ink25.xml><?xml version="1.0" encoding="utf-8"?>
+<inkml:ink xmlns:inkml="http://www.w3.org/2003/InkML">
+  <inkml:definitions>
+    <inkml:context xml:id="ctx0">
+      <inkml:inkSource xml:id="inkSrc0">
+        <inkml:traceFormat>
+          <inkml:channel name="X" type="integer" min="-2.14748E9" max="2.14748E9" units="cm"/>
+          <inkml:channel name="Y" type="integer" min="-2.14748E9" max="2.14748E9" units="cm"/>
+          <inkml:channel name="F" type="integer" max="32767" units="dev"/>
+        </inkml:traceFormat>
+        <inkml:channelProperties>
+          <inkml:channelProperty channel="X" name="resolution" value="1000" units="1/cm"/>
+          <inkml:channelProperty channel="Y" name="resolution" value="1000" units="1/cm"/>
+          <inkml:channelProperty channel="F" name="resolution" value="0" units="1/dev"/>
+        </inkml:channelProperties>
+      </inkml:inkSource>
+      <inkml:timestamp xml:id="ts0" timeString="2022-09-12T18:10:37.128"/>
+    </inkml:context>
+    <inkml:brush xml:id="br0">
+      <inkml:brushProperty name="width" value="0.1" units="cm"/>
+      <inkml:brushProperty name="height" value="0.1" units="cm"/>
+      <inkml:brushProperty name="color" value="#F6630D"/>
+    </inkml:brush>
+  </inkml:definitions>
+  <inkml:trace contextRef="#ctx0" brushRef="#br0">1 124 24575,'23'-3'0,"17"-2"0,8-3 0,16-5 0,12-6 0,11 3 0,-1-2 0,7 5 0,-26 4 0,-5 0 0,-22 4 0,-12 2 0,-11 0 0,-13 4 0,-6 6 0,-1-5 0,0 6 0</inkml:trace>
+</inkml:ink>
+</file>
+
+<file path=ppt/ink/ink26.xml><?xml version="1.0" encoding="utf-8"?>
+<inkml:ink xmlns:inkml="http://www.w3.org/2003/InkML">
+  <inkml:definitions>
+    <inkml:context xml:id="ctx0">
+      <inkml:inkSource xml:id="inkSrc0">
+        <inkml:traceFormat>
+          <inkml:channel name="X" type="integer" min="-2.14748E9" max="2.14748E9" units="cm"/>
+          <inkml:channel name="Y" type="integer" min="-2.14748E9" max="2.14748E9" units="cm"/>
+          <inkml:channel name="F" type="integer" max="32767" units="dev"/>
+        </inkml:traceFormat>
+        <inkml:channelProperties>
+          <inkml:channelProperty channel="X" name="resolution" value="1000" units="1/cm"/>
+          <inkml:channelProperty channel="Y" name="resolution" value="1000" units="1/cm"/>
+          <inkml:channelProperty channel="F" name="resolution" value="0" units="1/dev"/>
+        </inkml:channelProperties>
+      </inkml:inkSource>
+      <inkml:timestamp xml:id="ts0" timeString="2022-09-12T18:10:38.152"/>
+    </inkml:context>
+    <inkml:brush xml:id="br0">
+      <inkml:brushProperty name="width" value="0.1" units="cm"/>
+      <inkml:brushProperty name="height" value="0.1" units="cm"/>
+      <inkml:brushProperty name="color" value="#F6630D"/>
+    </inkml:brush>
+  </inkml:definitions>
+  <inkml:trace contextRef="#ctx0" brushRef="#br0">184 3 24575,'7'-1'0,"0"0"0,-5 2 0,0 2 0,-1 1 0,0 6 0,0 0 0,3 8 0,-1 2 0,1 3 0,-4 1 0,-2-4 0,-8 1 0,-5 1 0,-8 5 0,-5 10 0,-1 0 0,-1 5 0,6-11 0,6-7 0,6-10 0,4-7 0,1-1 0,2-4 0,2 1 0,2-2 0,12 0 0,7-1 0,28 0 0,3 0 0,22 1 0,-16 0 0,-11 0 0,-19 0 0,-17-1 0,-6-1 0,-3-1 0</inkml:trace>
+</inkml:ink>
+</file>
+
+<file path=ppt/ink/ink27.xml><?xml version="1.0" encoding="utf-8"?>
+<inkml:ink xmlns:inkml="http://www.w3.org/2003/InkML">
+  <inkml:definitions>
+    <inkml:context xml:id="ctx0">
+      <inkml:inkSource xml:id="inkSrc0">
+        <inkml:traceFormat>
+          <inkml:channel name="X" type="integer" min="-2.14748E9" max="2.14748E9" units="cm"/>
+          <inkml:channel name="Y" type="integer" min="-2.14748E9" max="2.14748E9" units="cm"/>
+          <inkml:channel name="F" type="integer" max="32767" units="dev"/>
+        </inkml:traceFormat>
+        <inkml:channelProperties>
+          <inkml:channelProperty channel="X" name="resolution" value="1000" units="1/cm"/>
+          <inkml:channelProperty channel="Y" name="resolution" value="1000" units="1/cm"/>
+          <inkml:channelProperty channel="F" name="resolution" value="0" units="1/dev"/>
+        </inkml:channelProperties>
+      </inkml:inkSource>
+      <inkml:timestamp xml:id="ts0" timeString="2022-09-12T18:10:38.784"/>
+    </inkml:context>
+    <inkml:brush xml:id="br0">
+      <inkml:brushProperty name="width" value="0.1" units="cm"/>
+      <inkml:brushProperty name="height" value="0.1" units="cm"/>
+      <inkml:brushProperty name="color" value="#F6630D"/>
+    </inkml:brush>
+  </inkml:definitions>
+  <inkml:trace contextRef="#ctx0" brushRef="#br0">0 14 24575,'17'0'0,"5"-1"0,1 0 0,8-2 0,-10 1 0,1 1 0,-8-1 0,-1 2 0,-1-1 0,1 1 0,1 0 0,-2-1 0,-1 0 0,-4 1 0,-5 0 0,2 0 0</inkml:trace>
+</inkml:ink>
+</file>
+
+<file path=ppt/ink/ink28.xml><?xml version="1.0" encoding="utf-8"?>
+<inkml:ink xmlns:inkml="http://www.w3.org/2003/InkML">
+  <inkml:definitions>
+    <inkml:context xml:id="ctx0">
+      <inkml:inkSource xml:id="inkSrc0">
+        <inkml:traceFormat>
+          <inkml:channel name="X" type="integer" min="-2.14748E9" max="2.14748E9" units="cm"/>
+          <inkml:channel name="Y" type="integer" min="-2.14748E9" max="2.14748E9" units="cm"/>
+          <inkml:channel name="F" type="integer" max="32767" units="dev"/>
+        </inkml:traceFormat>
+        <inkml:channelProperties>
+          <inkml:channelProperty channel="X" name="resolution" value="1000" units="1/cm"/>
+          <inkml:channelProperty channel="Y" name="resolution" value="1000" units="1/cm"/>
+          <inkml:channelProperty channel="F" name="resolution" value="0" units="1/dev"/>
+        </inkml:channelProperties>
+      </inkml:inkSource>
+      <inkml:timestamp xml:id="ts0" timeString="2022-09-12T18:10:39.243"/>
+    </inkml:context>
+    <inkml:brush xml:id="br0">
+      <inkml:brushProperty name="width" value="0.1" units="cm"/>
+      <inkml:brushProperty name="height" value="0.1" units="cm"/>
+      <inkml:brushProperty name="color" value="#F6630D"/>
+    </inkml:brush>
+  </inkml:definitions>
+  <inkml:trace contextRef="#ctx0" brushRef="#br0">0 77 24575,'21'-8'0,"0"1"0,9-4 0,12 0 0,10-1 0,10 1 0,-13 3 0,-6 3 0,-21 2 0,-8 2 0,-11 1 0,-4 0 0,-7 8 0,-10 14 0,8-9 0,-5 7 0</inkml:trace>
+</inkml:ink>
+</file>
+
+<file path=ppt/ink/ink29.xml><?xml version="1.0" encoding="utf-8"?>
+<inkml:ink xmlns:inkml="http://www.w3.org/2003/InkML">
+  <inkml:definitions>
+    <inkml:context xml:id="ctx0">
+      <inkml:inkSource xml:id="inkSrc0">
+        <inkml:traceFormat>
+          <inkml:channel name="X" type="integer" min="-2.14748E9" max="2.14748E9" units="cm"/>
+          <inkml:channel name="Y" type="integer" min="-2.14748E9" max="2.14748E9" units="cm"/>
+          <inkml:channel name="F" type="integer" max="32767" units="dev"/>
+        </inkml:traceFormat>
+        <inkml:channelProperties>
+          <inkml:channelProperty channel="X" name="resolution" value="1000" units="1/cm"/>
+          <inkml:channelProperty channel="Y" name="resolution" value="1000" units="1/cm"/>
+          <inkml:channelProperty channel="F" name="resolution" value="0" units="1/dev"/>
+        </inkml:channelProperties>
+      </inkml:inkSource>
+      <inkml:timestamp xml:id="ts0" timeString="2022-09-12T18:10:39.709"/>
+    </inkml:context>
+    <inkml:brush xml:id="br0">
+      <inkml:brushProperty name="width" value="0.1" units="cm"/>
+      <inkml:brushProperty name="height" value="0.1" units="cm"/>
+      <inkml:brushProperty name="color" value="#F6630D"/>
+    </inkml:brush>
+  </inkml:definitions>
+  <inkml:trace contextRef="#ctx0" brushRef="#br0">1 34 24575,'12'0'0,"8"-3"0,0 0 0,20-2 0,5-2 0,7 2 0,3-1 0,-17 4 0,-7-1 0,-18 3 0,-8 0 0</inkml:trace>
+</inkml:ink>
+</file>
+
+<file path=ppt/ink/ink3.xml><?xml version="1.0" encoding="utf-8"?>
+<inkml:ink xmlns:inkml="http://www.w3.org/2003/InkML">
+  <inkml:definitions>
+    <inkml:context xml:id="ctx0">
+      <inkml:inkSource xml:id="inkSrc0">
+        <inkml:traceFormat>
+          <inkml:channel name="X" type="integer" min="-2.14748E9" max="2.14748E9" units="cm"/>
+          <inkml:channel name="Y" type="integer" min="-2.14748E9" max="2.14748E9" units="cm"/>
+          <inkml:channel name="F" type="integer" max="32767" units="dev"/>
+        </inkml:traceFormat>
+        <inkml:channelProperties>
+          <inkml:channelProperty channel="X" name="resolution" value="1000" units="1/cm"/>
+          <inkml:channelProperty channel="Y" name="resolution" value="1000" units="1/cm"/>
+          <inkml:channelProperty channel="F" name="resolution" value="0" units="1/dev"/>
+        </inkml:channelProperties>
+      </inkml:inkSource>
+      <inkml:timestamp xml:id="ts0" timeString="2022-09-12T18:10:09.712"/>
+    </inkml:context>
+    <inkml:brush xml:id="br0">
+      <inkml:brushProperty name="width" value="0.1" units="cm"/>
+      <inkml:brushProperty name="height" value="0.1" units="cm"/>
+      <inkml:brushProperty name="color" value="#F6630D"/>
+    </inkml:brush>
+  </inkml:definitions>
+  <inkml:trace contextRef="#ctx0" brushRef="#br0">62 97 24575,'-16'17'0,"2"6"0,-1 8 0,7 6 0,1-2 0,6-1 0,4 5 0,5-7 0,14 10 0,16-7 0,4-6 0,10-10 0,-12-12 0,0-8 0,-1-8 0,-8-4 0,1-11 0,-15 0 0,-2-16 0,-8-6 0,-4-8 0,-6-2 0,-2 11 0,-6 0 0,-2 13 0,-5 1 0,-1 8 0,2 6 0,3 6 0,6 7 0,2 3 0,2 1 0,-1 0 0,0 0 0,1 0 0,2 0 0,1 0 0</inkml:trace>
+</inkml:ink>
+</file>
+
+<file path=ppt/ink/ink30.xml><?xml version="1.0" encoding="utf-8"?>
+<inkml:ink xmlns:inkml="http://www.w3.org/2003/InkML">
+  <inkml:definitions>
+    <inkml:context xml:id="ctx0">
+      <inkml:inkSource xml:id="inkSrc0">
+        <inkml:traceFormat>
+          <inkml:channel name="X" type="integer" min="-2.14748E9" max="2.14748E9" units="cm"/>
+          <inkml:channel name="Y" type="integer" min="-2.14748E9" max="2.14748E9" units="cm"/>
+          <inkml:channel name="F" type="integer" max="32767" units="dev"/>
+        </inkml:traceFormat>
+        <inkml:channelProperties>
+          <inkml:channelProperty channel="X" name="resolution" value="1000" units="1/cm"/>
+          <inkml:channelProperty channel="Y" name="resolution" value="1000" units="1/cm"/>
+          <inkml:channelProperty channel="F" name="resolution" value="0" units="1/dev"/>
+        </inkml:channelProperties>
+      </inkml:inkSource>
+      <inkml:timestamp xml:id="ts0" timeString="2022-09-12T18:10:40.143"/>
+    </inkml:context>
+    <inkml:brush xml:id="br0">
+      <inkml:brushProperty name="width" value="0.1" units="cm"/>
+      <inkml:brushProperty name="height" value="0.1" units="cm"/>
+      <inkml:brushProperty name="color" value="#F6630D"/>
+    </inkml:brush>
+  </inkml:definitions>
+  <inkml:trace contextRef="#ctx0" brushRef="#br0">1 0 24575,'7'45'0,"-1"17"0,-3 20 0,-1-28 0,-1 0 0,1 33 0,3 5 0,-2-36 0,-1-14 0,0-17 0,-1-12 0,0-7 0,3-22 0,-3 11 0,2-11 0</inkml:trace>
+</inkml:ink>
+</file>
+
+<file path=ppt/ink/ink31.xml><?xml version="1.0" encoding="utf-8"?>
+<inkml:ink xmlns:inkml="http://www.w3.org/2003/InkML">
+  <inkml:definitions>
+    <inkml:context xml:id="ctx0">
+      <inkml:inkSource xml:id="inkSrc0">
+        <inkml:traceFormat>
+          <inkml:channel name="X" type="integer" min="-2.14748E9" max="2.14748E9" units="cm"/>
+          <inkml:channel name="Y" type="integer" min="-2.14748E9" max="2.14748E9" units="cm"/>
+          <inkml:channel name="F" type="integer" max="32767" units="dev"/>
+        </inkml:traceFormat>
+        <inkml:channelProperties>
+          <inkml:channelProperty channel="X" name="resolution" value="1000" units="1/cm"/>
+          <inkml:channelProperty channel="Y" name="resolution" value="1000" units="1/cm"/>
+          <inkml:channelProperty channel="F" name="resolution" value="0" units="1/dev"/>
+        </inkml:channelProperties>
+      </inkml:inkSource>
+      <inkml:timestamp xml:id="ts0" timeString="2022-09-12T18:10:40.515"/>
+    </inkml:context>
+    <inkml:brush xml:id="br0">
+      <inkml:brushProperty name="width" value="0.1" units="cm"/>
+      <inkml:brushProperty name="height" value="0.1" units="cm"/>
+      <inkml:brushProperty name="color" value="#F6630D"/>
+    </inkml:brush>
+  </inkml:definitions>
+  <inkml:trace contextRef="#ctx0" brushRef="#br0">1 1 24575,'8'31'0,"1"3"0,6 7 0,-2-2 0,0-7 0,-4-8 0,-5-11 0,-3-7 0,-6-8 0,1-10 0,5-16 0,0 13 0,4-5 0</inkml:trace>
+</inkml:ink>
+</file>
+
+<file path=ppt/ink/ink32.xml><?xml version="1.0" encoding="utf-8"?>
+<inkml:ink xmlns:inkml="http://www.w3.org/2003/InkML">
+  <inkml:definitions>
+    <inkml:context xml:id="ctx0">
+      <inkml:inkSource xml:id="inkSrc0">
+        <inkml:traceFormat>
+          <inkml:channel name="X" type="integer" min="-2.14748E9" max="2.14748E9" units="cm"/>
+          <inkml:channel name="Y" type="integer" min="-2.14748E9" max="2.14748E9" units="cm"/>
+          <inkml:channel name="F" type="integer" max="32767" units="dev"/>
+        </inkml:traceFormat>
+        <inkml:channelProperties>
+          <inkml:channelProperty channel="X" name="resolution" value="1000" units="1/cm"/>
+          <inkml:channelProperty channel="Y" name="resolution" value="1000" units="1/cm"/>
+          <inkml:channelProperty channel="F" name="resolution" value="0" units="1/dev"/>
+        </inkml:channelProperties>
+      </inkml:inkSource>
+      <inkml:timestamp xml:id="ts0" timeString="2022-09-12T18:10:41.256"/>
+    </inkml:context>
+    <inkml:brush xml:id="br0">
+      <inkml:brushProperty name="width" value="0.1" units="cm"/>
+      <inkml:brushProperty name="height" value="0.1" units="cm"/>
+      <inkml:brushProperty name="color" value="#F6630D"/>
+    </inkml:brush>
+  </inkml:definitions>
+  <inkml:trace contextRef="#ctx0" brushRef="#br0">115 1 24575,'-16'29'0,"-1"12"0,-8 13 0,3 6 0,9-17 0,1-2 0,7-16 0,2-8 0,2-8 0,2-5 0,8-1 0,9-1 0,23 1 0,14-8 0,14-6 0,10-7 0,-6-3 0,-6 0 0,-25 7 0,-16 4 0,-23 7 0,-3 3 0,-2-1 0</inkml:trace>
+</inkml:ink>
+</file>
+
+<file path=ppt/ink/ink33.xml><?xml version="1.0" encoding="utf-8"?>
+<inkml:ink xmlns:inkml="http://www.w3.org/2003/InkML">
+  <inkml:definitions>
+    <inkml:context xml:id="ctx0">
+      <inkml:inkSource xml:id="inkSrc0">
+        <inkml:traceFormat>
+          <inkml:channel name="X" type="integer" min="-2.14748E9" max="2.14748E9" units="cm"/>
+          <inkml:channel name="Y" type="integer" min="-2.14748E9" max="2.14748E9" units="cm"/>
+          <inkml:channel name="F" type="integer" max="32767" units="dev"/>
+        </inkml:traceFormat>
+        <inkml:channelProperties>
+          <inkml:channelProperty channel="X" name="resolution" value="1000" units="1/cm"/>
+          <inkml:channelProperty channel="Y" name="resolution" value="1000" units="1/cm"/>
+          <inkml:channelProperty channel="F" name="resolution" value="0" units="1/dev"/>
+        </inkml:channelProperties>
+      </inkml:inkSource>
+      <inkml:timestamp xml:id="ts0" timeString="2022-09-12T18:10:42.180"/>
+    </inkml:context>
+    <inkml:brush xml:id="br0">
+      <inkml:brushProperty name="width" value="0.1" units="cm"/>
+      <inkml:brushProperty name="height" value="0.1" units="cm"/>
+      <inkml:brushProperty name="color" value="#F6630D"/>
+    </inkml:brush>
+  </inkml:definitions>
+  <inkml:trace contextRef="#ctx0" brushRef="#br0">1 1 24575,'1'36'0,"0"11"0,-1 0 0,0 11 0,4 2 0,2-1 0,3 1 0,-2-12 0,-3-14 0,-2-13 0,-2-10 0,1-5 0,-1-1 0,0-4 0,0 0 0</inkml:trace>
+</inkml:ink>
+</file>
+
+<file path=ppt/ink/ink34.xml><?xml version="1.0" encoding="utf-8"?>
+<inkml:ink xmlns:inkml="http://www.w3.org/2003/InkML">
+  <inkml:definitions>
+    <inkml:context xml:id="ctx0">
+      <inkml:inkSource xml:id="inkSrc0">
+        <inkml:traceFormat>
+          <inkml:channel name="X" type="integer" min="-2.14748E9" max="2.14748E9" units="cm"/>
+          <inkml:channel name="Y" type="integer" min="-2.14748E9" max="2.14748E9" units="cm"/>
+          <inkml:channel name="F" type="integer" max="32767" units="dev"/>
+        </inkml:traceFormat>
+        <inkml:channelProperties>
+          <inkml:channelProperty channel="X" name="resolution" value="1000" units="1/cm"/>
+          <inkml:channelProperty channel="Y" name="resolution" value="1000" units="1/cm"/>
+          <inkml:channelProperty channel="F" name="resolution" value="0" units="1/dev"/>
+        </inkml:channelProperties>
+      </inkml:inkSource>
+      <inkml:timestamp xml:id="ts0" timeString="2022-09-12T18:10:45.576"/>
+    </inkml:context>
+    <inkml:brush xml:id="br0">
+      <inkml:brushProperty name="width" value="0.1" units="cm"/>
+      <inkml:brushProperty name="height" value="0.1" units="cm"/>
+      <inkml:brushProperty name="color" value="#F6630D"/>
+    </inkml:brush>
+  </inkml:definitions>
+  <inkml:trace contextRef="#ctx0" brushRef="#br0">1 1 24575,'0'15'0,"1"-1"0,-1 2 0,1-3 0,-1-3 0,0-1 0,0-1 0,0 0 0,0-2 0,0-2 0,0 0 0,0-2 0,0 1 0,0 0 0,0 1 0,0 0 0,0-1 0,0 0 0,0-1 0,-1 2 0,1 4 0,-1 2 0,1 5 0,0 1 0,5 9 0,-1-1 0,4 5 0,-5-9 0,0-6 0,-2-7 0,0-3 0,-1-2 0,0 0 0,0 3 0,0 1 0,0 3 0,0 0 0,0 1 0,0-1 0,0-2 0,0-2 0,0 0 0,0 0 0,0-1 0,0 1 0,0 0 0,0-1 0,0 0 0,0-2 0,0 1 0,0 0 0,0 2 0,0 0 0,0 0 0,1-1 0,-1-1 0,2-2 0,5-6 0,-4 3 0,4-4 0</inkml:trace>
+</inkml:ink>
+</file>
+
+<file path=ppt/ink/ink35.xml><?xml version="1.0" encoding="utf-8"?>
+<inkml:ink xmlns:inkml="http://www.w3.org/2003/InkML">
+  <inkml:definitions>
+    <inkml:context xml:id="ctx0">
+      <inkml:inkSource xml:id="inkSrc0">
+        <inkml:traceFormat>
+          <inkml:channel name="X" type="integer" min="-2.14748E9" max="2.14748E9" units="cm"/>
+          <inkml:channel name="Y" type="integer" min="-2.14748E9" max="2.14748E9" units="cm"/>
+          <inkml:channel name="F" type="integer" max="32767" units="dev"/>
+        </inkml:traceFormat>
+        <inkml:channelProperties>
+          <inkml:channelProperty channel="X" name="resolution" value="1000" units="1/cm"/>
+          <inkml:channelProperty channel="Y" name="resolution" value="1000" units="1/cm"/>
+          <inkml:channelProperty channel="F" name="resolution" value="0" units="1/dev"/>
+        </inkml:channelProperties>
+      </inkml:inkSource>
+      <inkml:timestamp xml:id="ts0" timeString="2022-09-12T18:10:47.219"/>
+    </inkml:context>
+    <inkml:brush xml:id="br0">
+      <inkml:brushProperty name="width" value="0.1" units="cm"/>
+      <inkml:brushProperty name="height" value="0.1" units="cm"/>
+      <inkml:brushProperty name="color" value="#F6630D"/>
+    </inkml:brush>
+  </inkml:definitions>
+  <inkml:trace contextRef="#ctx0" brushRef="#br0">86 0 24575,'-25'36'0,"3"1"0,3-2 0,7-6 0,7-12 0,3-3 0,1-5 0,1-1 0,0-2 0,1-2 0,0-1 0,6 1 0,7 2 0,13-1 0,5-2 0,18-2 0,1-1 0,6-2 0,0-2 0,-21 0 0,-4 1 0,-24 1 0,-9-5 0,-11-5 0,-6-7 0,3 2 0,5 5 0,8 8 0</inkml:trace>
+</inkml:ink>
+</file>
+
+<file path=ppt/ink/ink36.xml><?xml version="1.0" encoding="utf-8"?>
+<inkml:ink xmlns:inkml="http://www.w3.org/2003/InkML">
+  <inkml:definitions>
+    <inkml:context xml:id="ctx0">
+      <inkml:inkSource xml:id="inkSrc0">
+        <inkml:traceFormat>
+          <inkml:channel name="X" type="integer" min="-2.14748E9" max="2.14748E9" units="cm"/>
+          <inkml:channel name="Y" type="integer" min="-2.14748E9" max="2.14748E9" units="cm"/>
+          <inkml:channel name="F" type="integer" max="32767" units="dev"/>
+        </inkml:traceFormat>
+        <inkml:channelProperties>
+          <inkml:channelProperty channel="X" name="resolution" value="1000" units="1/cm"/>
+          <inkml:channelProperty channel="Y" name="resolution" value="1000" units="1/cm"/>
+          <inkml:channelProperty channel="F" name="resolution" value="0" units="1/dev"/>
+        </inkml:channelProperties>
+      </inkml:inkSource>
+      <inkml:timestamp xml:id="ts0" timeString="2022-09-12T18:10:47.692"/>
+    </inkml:context>
+    <inkml:brush xml:id="br0">
+      <inkml:brushProperty name="width" value="0.1" units="cm"/>
+      <inkml:brushProperty name="height" value="0.1" units="cm"/>
+      <inkml:brushProperty name="color" value="#F6630D"/>
+    </inkml:brush>
+  </inkml:definitions>
+  <inkml:trace contextRef="#ctx0" brushRef="#br0">1 0 24575,'9'18'0,"4"9"0,3 18 0,0 3 0,-3 11 0,-5-12 0,-3-6 0,-3-11 0,-1-12 0,-1-5 0,0-4 0,0-3 0,0-2 0,0-3 0,1 2 0,1-2 0,3 3 0,-3-4 0,1 2 0</inkml:trace>
+</inkml:ink>
+</file>
+
+<file path=ppt/ink/ink37.xml><?xml version="1.0" encoding="utf-8"?>
+<inkml:ink xmlns:inkml="http://www.w3.org/2003/InkML">
+  <inkml:definitions>
+    <inkml:context xml:id="ctx0">
+      <inkml:inkSource xml:id="inkSrc0">
+        <inkml:traceFormat>
+          <inkml:channel name="X" type="integer" min="-2.14748E9" max="2.14748E9" units="cm"/>
+          <inkml:channel name="Y" type="integer" min="-2.14748E9" max="2.14748E9" units="cm"/>
+          <inkml:channel name="F" type="integer" max="32767" units="dev"/>
+        </inkml:traceFormat>
+        <inkml:channelProperties>
+          <inkml:channelProperty channel="X" name="resolution" value="1000" units="1/cm"/>
+          <inkml:channelProperty channel="Y" name="resolution" value="1000" units="1/cm"/>
+          <inkml:channelProperty channel="F" name="resolution" value="0" units="1/dev"/>
+        </inkml:channelProperties>
+      </inkml:inkSource>
+      <inkml:timestamp xml:id="ts0" timeString="2022-09-12T18:10:48.760"/>
+    </inkml:context>
+    <inkml:brush xml:id="br0">
+      <inkml:brushProperty name="width" value="0.1" units="cm"/>
+      <inkml:brushProperty name="height" value="0.1" units="cm"/>
+      <inkml:brushProperty name="color" value="#F6630D"/>
+    </inkml:brush>
+  </inkml:definitions>
+  <inkml:trace contextRef="#ctx0" brushRef="#br0">0 23 24575,'15'0'0,"3"0"0,3 0 0,10 0 0,1 1 0,5-1 0,-9 1 0,-3-1 0,0 0 0,1-1 0,15-2 0,-1-1 0,4-1 0,-10 0 0,-12 2 0,-11 0 0,-4 3 0,-4-1 0,0 1 0,0 0 0</inkml:trace>
+</inkml:ink>
+</file>
+
+<file path=ppt/ink/ink38.xml><?xml version="1.0" encoding="utf-8"?>
+<inkml:ink xmlns:inkml="http://www.w3.org/2003/InkML">
+  <inkml:definitions>
+    <inkml:context xml:id="ctx0">
+      <inkml:inkSource xml:id="inkSrc0">
+        <inkml:traceFormat>
+          <inkml:channel name="X" type="integer" min="-2.14748E9" max="2.14748E9" units="cm"/>
+          <inkml:channel name="Y" type="integer" min="-2.14748E9" max="2.14748E9" units="cm"/>
+          <inkml:channel name="F" type="integer" max="32767" units="dev"/>
+        </inkml:traceFormat>
+        <inkml:channelProperties>
+          <inkml:channelProperty channel="X" name="resolution" value="1000" units="1/cm"/>
+          <inkml:channelProperty channel="Y" name="resolution" value="1000" units="1/cm"/>
+          <inkml:channelProperty channel="F" name="resolution" value="0" units="1/dev"/>
+        </inkml:channelProperties>
+      </inkml:inkSource>
+      <inkml:timestamp xml:id="ts0" timeString="2022-09-12T18:10:49.663"/>
+    </inkml:context>
+    <inkml:brush xml:id="br0">
+      <inkml:brushProperty name="width" value="0.1" units="cm"/>
+      <inkml:brushProperty name="height" value="0.1" units="cm"/>
+      <inkml:brushProperty name="color" value="#F6630D"/>
+    </inkml:brush>
+  </inkml:definitions>
+  <inkml:trace contextRef="#ctx0" brushRef="#br0">80 39 24575,'-10'3'0,"0"0"0,1-1 0,1 1 0,1 0 0,1 0 0,2-1 0,1-1 0,1 0 0,-1-1 0,0 1 0,-1 0 0,-1 1 0,2-1 0,0 0 0,11-1 0,2 1 0,9-2 0,2 1 0,1-2 0,-3 1 0,-4-1 0,-6 1 0,-3 0 0,2 1 0,0 0 0,7 0 0,5 0 0,15 0 0,11-3 0,5-1 0,-4-2 0,-16 1 0,-10 2 0,-4 0 0,2 1 0,9-2 0,25-8 0,-26 6 0,11-4 0</inkml:trace>
+</inkml:ink>
+</file>
+
+<file path=ppt/ink/ink39.xml><?xml version="1.0" encoding="utf-8"?>
+<inkml:ink xmlns:inkml="http://www.w3.org/2003/InkML">
+  <inkml:definitions>
+    <inkml:context xml:id="ctx0">
+      <inkml:inkSource xml:id="inkSrc0">
+        <inkml:traceFormat>
+          <inkml:channel name="X" type="integer" min="-2.14748E9" max="2.14748E9" units="cm"/>
+          <inkml:channel name="Y" type="integer" min="-2.14748E9" max="2.14748E9" units="cm"/>
+          <inkml:channel name="F" type="integer" max="32767" units="dev"/>
+        </inkml:traceFormat>
+        <inkml:channelProperties>
+          <inkml:channelProperty channel="X" name="resolution" value="1000" units="1/cm"/>
+          <inkml:channelProperty channel="Y" name="resolution" value="1000" units="1/cm"/>
+          <inkml:channelProperty channel="F" name="resolution" value="0" units="1/dev"/>
+        </inkml:channelProperties>
+      </inkml:inkSource>
+      <inkml:timestamp xml:id="ts0" timeString="2022-09-12T18:10:51.697"/>
+    </inkml:context>
+    <inkml:brush xml:id="br0">
+      <inkml:brushProperty name="width" value="0.1" units="cm"/>
+      <inkml:brushProperty name="height" value="0.1" units="cm"/>
+      <inkml:brushProperty name="color" value="#F6630D"/>
+    </inkml:brush>
+  </inkml:definitions>
+  <inkml:trace contextRef="#ctx0" brushRef="#br0">1 74 24575,'38'-8'0,"21"-4"0,25-4 0,-35 8 0,3-1 0,11 1 0,0 2 0,31-1 0,4 9 0,-38 8 0,-10 7 0,-20 1 0,-11 2 0,-13-1 0,-6 3 0,-10 4 0,-15 14 0,-19 9 0,5-11 0,-6 3 0,-1 0 0,-2 0 0,-2-1 0,1-2 0,4-4 0,4-4 0,-8 2 0,11-9 0,19-13 0,6-4 0,4-2 0,3 1 0,2-2 0,1 1 0,19-1 0,7 3 0,27 2 0,12 5 0,4-2 0,6-2 0,-28-5 0,-8-3 0,-23-1 0,-7 0 0,-2 0 0,-2 0 0,9-3 0,6-2 0,-3 1 0,0 0 0</inkml:trace>
+</inkml:ink>
+</file>
+
+<file path=ppt/ink/ink4.xml><?xml version="1.0" encoding="utf-8"?>
+<inkml:ink xmlns:inkml="http://www.w3.org/2003/InkML">
+  <inkml:definitions>
+    <inkml:context xml:id="ctx0">
+      <inkml:inkSource xml:id="inkSrc0">
+        <inkml:traceFormat>
+          <inkml:channel name="X" type="integer" min="-2.14748E9" max="2.14748E9" units="cm"/>
+          <inkml:channel name="Y" type="integer" min="-2.14748E9" max="2.14748E9" units="cm"/>
+          <inkml:channel name="F" type="integer" max="32767" units="dev"/>
+        </inkml:traceFormat>
+        <inkml:channelProperties>
+          <inkml:channelProperty channel="X" name="resolution" value="1000" units="1/cm"/>
+          <inkml:channelProperty channel="Y" name="resolution" value="1000" units="1/cm"/>
+          <inkml:channelProperty channel="F" name="resolution" value="0" units="1/dev"/>
+        </inkml:channelProperties>
+      </inkml:inkSource>
+      <inkml:timestamp xml:id="ts0" timeString="2022-09-12T18:10:10.128"/>
+    </inkml:context>
+    <inkml:brush xml:id="br0">
+      <inkml:brushProperty name="width" value="0.1" units="cm"/>
+      <inkml:brushProperty name="height" value="0.1" units="cm"/>
+      <inkml:brushProperty name="color" value="#F6630D"/>
+    </inkml:brush>
+  </inkml:definitions>
+  <inkml:trace contextRef="#ctx0" brushRef="#br0">113 0 24575,'-12'21'0,"-4"8"0,-1 2 0,-2 8 0,2 2 0,3-8 0,4-2 0,3-14 0,11-16 0,-4-1 0,7-9 0</inkml:trace>
+</inkml:ink>
+</file>
+
+<file path=ppt/ink/ink40.xml><?xml version="1.0" encoding="utf-8"?>
+<inkml:ink xmlns:inkml="http://www.w3.org/2003/InkML">
+  <inkml:definitions>
+    <inkml:context xml:id="ctx0">
+      <inkml:inkSource xml:id="inkSrc0">
+        <inkml:traceFormat>
+          <inkml:channel name="X" type="integer" min="-2.14748E9" max="2.14748E9" units="cm"/>
+          <inkml:channel name="Y" type="integer" min="-2.14748E9" max="2.14748E9" units="cm"/>
+          <inkml:channel name="F" type="integer" max="32767" units="dev"/>
+        </inkml:traceFormat>
+        <inkml:channelProperties>
+          <inkml:channelProperty channel="X" name="resolution" value="1000" units="1/cm"/>
+          <inkml:channelProperty channel="Y" name="resolution" value="1000" units="1/cm"/>
+          <inkml:channelProperty channel="F" name="resolution" value="0" units="1/dev"/>
+        </inkml:channelProperties>
+      </inkml:inkSource>
+      <inkml:timestamp xml:id="ts0" timeString="2022-09-12T18:10:52.214"/>
+    </inkml:context>
+    <inkml:brush xml:id="br0">
+      <inkml:brushProperty name="width" value="0.1" units="cm"/>
+      <inkml:brushProperty name="height" value="0.1" units="cm"/>
+      <inkml:brushProperty name="color" value="#F6630D"/>
+    </inkml:brush>
+  </inkml:definitions>
+  <inkml:trace contextRef="#ctx0" brushRef="#br0">0 1 24575,'5'10'0,"1"0"0,-2-1 0,1-2 0,-1 1 0,-1-5 0,-1-1 0</inkml:trace>
+</inkml:ink>
+</file>
+
+<file path=ppt/ink/ink41.xml><?xml version="1.0" encoding="utf-8"?>
+<inkml:ink xmlns:inkml="http://www.w3.org/2003/InkML">
+  <inkml:definitions>
+    <inkml:context xml:id="ctx0">
+      <inkml:inkSource xml:id="inkSrc0">
+        <inkml:traceFormat>
+          <inkml:channel name="X" type="integer" min="-2.14748E9" max="2.14748E9" units="cm"/>
+          <inkml:channel name="Y" type="integer" min="-2.14748E9" max="2.14748E9" units="cm"/>
+          <inkml:channel name="F" type="integer" max="32767" units="dev"/>
+        </inkml:traceFormat>
+        <inkml:channelProperties>
+          <inkml:channelProperty channel="X" name="resolution" value="1000" units="1/cm"/>
+          <inkml:channelProperty channel="Y" name="resolution" value="1000" units="1/cm"/>
+          <inkml:channelProperty channel="F" name="resolution" value="0" units="1/dev"/>
+        </inkml:channelProperties>
+      </inkml:inkSource>
+      <inkml:timestamp xml:id="ts0" timeString="2022-09-12T18:10:53.823"/>
+    </inkml:context>
+    <inkml:brush xml:id="br0">
+      <inkml:brushProperty name="width" value="0.1" units="cm"/>
+      <inkml:brushProperty name="height" value="0.1" units="cm"/>
+      <inkml:brushProperty name="color" value="#F6630D"/>
+    </inkml:brush>
+  </inkml:definitions>
+  <inkml:trace contextRef="#ctx0" brushRef="#br0">231 290 24575,'11'-14'0,"3"-2"0,0 4 0,3-3 0,2-3 0,-4-1 0,-3-2 0,-4 2 0,-3-7 0,-3 10 0,-1-4 0,-1 10 0,-1 2 0,-3-3 0,-3 1 0,-4-2 0,-3 0 0,1 4 0,2 0 0,-1 3 0,2 2 0,-4-1 0,0 3 0,-3 0 0,-6 9 0,-4 7 0,-12 16 0,2 6 0,5 0 0,6-1 0,13-11 0,0 3 0,7-2 0,1 0 0,7-1 0,5-5 0,9-1 0,10-5 0,9-1 0,14-4 0,-2-3 0,14-1 0,-4-1 0,-8-3 0,-6 2 0,-24-3 0,-8 7 0,-14 8 0,-6 10 0,-5 22 0,-3 0 0,-2 8 0,-1-13 0,3-13 0,-3-10 0,4-9 0,-3-4 0,6-3 0,-1-1 0,2-2 0,0-5 0,-11-6 0,1-7 0,-1-2 0,6-4 0,10 3 0,4-6 0,2-2 0,4 0 0,2-2 0,4 6 0,-2 6 0,1 6 0,-4 6 0,2 3 0,2-1 0,1 2 0,5-3 0,-6 1 0,2 0 0,-4-1 0,0 3 0,3-2 0,7 1 0,-7 2 0,3 0 0</inkml:trace>
+</inkml:ink>
+</file>
+
+<file path=ppt/ink/ink42.xml><?xml version="1.0" encoding="utf-8"?>
+<inkml:ink xmlns:inkml="http://www.w3.org/2003/InkML">
+  <inkml:definitions>
+    <inkml:context xml:id="ctx0">
+      <inkml:inkSource xml:id="inkSrc0">
+        <inkml:traceFormat>
+          <inkml:channel name="X" type="integer" min="-2.14748E9" max="2.14748E9" units="cm"/>
+          <inkml:channel name="Y" type="integer" min="-2.14748E9" max="2.14748E9" units="cm"/>
+          <inkml:channel name="F" type="integer" max="32767" units="dev"/>
+        </inkml:traceFormat>
+        <inkml:channelProperties>
+          <inkml:channelProperty channel="X" name="resolution" value="1000" units="1/cm"/>
+          <inkml:channelProperty channel="Y" name="resolution" value="1000" units="1/cm"/>
+          <inkml:channelProperty channel="F" name="resolution" value="0" units="1/dev"/>
+        </inkml:channelProperties>
+      </inkml:inkSource>
+      <inkml:timestamp xml:id="ts0" timeString="2022-09-12T18:10:54.814"/>
+    </inkml:context>
+    <inkml:brush xml:id="br0">
+      <inkml:brushProperty name="width" value="0.1" units="cm"/>
+      <inkml:brushProperty name="height" value="0.1" units="cm"/>
+      <inkml:brushProperty name="color" value="#F6630D"/>
+    </inkml:brush>
+  </inkml:definitions>
+  <inkml:trace contextRef="#ctx0" brushRef="#br0">1 36 24575,'10'-11'0,"-1"1"0,1 4 0,0 2 0,7 2 0,11 1 0,2 0 0,14 3 0,-18 1 0,-1 0 0,-12 4 0,-1 4 0,7 16 0,-1 9 0,-4 6 0,-6 7 0,-13-9 0,-7 7 0,-15 0 0,-4 1 0,-11 6 0,11-16 0,6-9 0,18-17 0,16-9 0,10-5 0,17-1 0,9-5 0,8-2 0,8-5 0,-13-1 0,-7 0 0,-16 3 0,-13 6 0,-7 1 0,-4 4 0,-1 1 0,0 0 0</inkml:trace>
+</inkml:ink>
+</file>
+
+<file path=ppt/ink/ink43.xml><?xml version="1.0" encoding="utf-8"?>
+<inkml:ink xmlns:inkml="http://www.w3.org/2003/InkML">
+  <inkml:definitions>
+    <inkml:context xml:id="ctx0">
+      <inkml:inkSource xml:id="inkSrc0">
+        <inkml:traceFormat>
+          <inkml:channel name="X" type="integer" min="-2.14748E9" max="2.14748E9" units="cm"/>
+          <inkml:channel name="Y" type="integer" min="-2.14748E9" max="2.14748E9" units="cm"/>
+          <inkml:channel name="F" type="integer" max="32767" units="dev"/>
+        </inkml:traceFormat>
+        <inkml:channelProperties>
+          <inkml:channelProperty channel="X" name="resolution" value="1000" units="1/cm"/>
+          <inkml:channelProperty channel="Y" name="resolution" value="1000" units="1/cm"/>
+          <inkml:channelProperty channel="F" name="resolution" value="0" units="1/dev"/>
+        </inkml:channelProperties>
+      </inkml:inkSource>
+      <inkml:timestamp xml:id="ts0" timeString="2022-09-12T18:10:55.859"/>
+    </inkml:context>
+    <inkml:brush xml:id="br0">
+      <inkml:brushProperty name="width" value="0.1" units="cm"/>
+      <inkml:brushProperty name="height" value="0.1" units="cm"/>
+      <inkml:brushProperty name="color" value="#F6630D"/>
+    </inkml:brush>
+  </inkml:definitions>
+  <inkml:trace contextRef="#ctx0" brushRef="#br0">465 252 24575,'38'-36'0,"-9"8"0,-12 1 0,-10 7 0,-7 3 0,-3 0 0,-12-2 0,-14-1 0,-28-5 0,-9 4 0,-11 7 0,-4 7 0,12 8 0,2 4 0,25 2 0,14 0 0,14 0 0,9 0 0,2 5 0,10 6 0,7 5 0,23 8 0,1-4 0,27 5 0,-5-8 0,2-1 0,-8-8 0,-17 0 0,-13-6 0,-4 7 0,-7-3 0,-3 7 0,-4 3 0,-5 3 0,-5 13 0,-4 3 0,-6 22 0,-3 6 0,2-4 0,0-8 0,6-29 0,2-14 0,3-10 0,-6-5 0,-23-6 0,-4 3 0,-8-4 0,15-4 0,18-6 0,6-13 0,16-23 0,8-11 0,4-7 0,1 7 0,-12 21 0,-5 17 0,-5 14 0,2 6 0,3-1 0,8-5 0,14-6 0,2 1 0,11-6 0,-9 7 0,-2-1 0,-6 4 0,-6 5 0,2-1 0,-4 1 0,-3 2 0,-16 2 0,1 3 0,-8 1 0</inkml:trace>
+</inkml:ink>
+</file>
+
+<file path=ppt/ink/ink44.xml><?xml version="1.0" encoding="utf-8"?>
+<inkml:ink xmlns:inkml="http://www.w3.org/2003/InkML">
+  <inkml:definitions>
+    <inkml:context xml:id="ctx0">
+      <inkml:inkSource xml:id="inkSrc0">
+        <inkml:traceFormat>
+          <inkml:channel name="X" type="integer" min="-2.14748E9" max="2.14748E9" units="cm"/>
+          <inkml:channel name="Y" type="integer" min="-2.14748E9" max="2.14748E9" units="cm"/>
+          <inkml:channel name="F" type="integer" max="32767" units="dev"/>
+        </inkml:traceFormat>
+        <inkml:channelProperties>
+          <inkml:channelProperty channel="X" name="resolution" value="1000" units="1/cm"/>
+          <inkml:channelProperty channel="Y" name="resolution" value="1000" units="1/cm"/>
+          <inkml:channelProperty channel="F" name="resolution" value="0" units="1/dev"/>
+        </inkml:channelProperties>
+      </inkml:inkSource>
+      <inkml:timestamp xml:id="ts0" timeString="2022-09-12T18:11:11.544"/>
+    </inkml:context>
+    <inkml:brush xml:id="br0">
+      <inkml:brushProperty name="width" value="0.1" units="cm"/>
+      <inkml:brushProperty name="height" value="0.1" units="cm"/>
+      <inkml:brushProperty name="color" value="#F6630D"/>
+    </inkml:brush>
+  </inkml:definitions>
+  <inkml:trace contextRef="#ctx0" brushRef="#br0">0 0 24575,'11'0'0,"-2"0"0,-1 1 0,5 0 0,5 4 0,6-1 0,-1 0 0,2 0 0,-1 0 0,0 0 0,2 2 0,-6-1 0,7 2 0,5 4 0,41 12 0,-10-4 0,-14-5 0,2 0 0,21 6 0,0-1 0,1 2 0,-16-7 0,7 6 0,5 0 0,-3 1 0,16 4 0,-14-3 0,15 4 0,-11-4 0,0 1 0,-7-2 0,-8-3 0,-1 1 0,4 1 0,-13-5 0,5 3 0,-7-4 0,3 2 0,4 0 0,-1-3 0,10 2 0,-2-3 0,-5 3 0,8-2 0,-13 3 0,25 4 0,7 2 0,8 3 0,-36-11 0,-1-1 0,35 7 0,-37-7 0,-2 0 0,29 3 0,-8 4 0,-1-3 0,-8 0 0,26 5 0,4-1 0,1-3 0,3 3 0,-20-6 0,-12 0 0,-8 3 0,-16-5 0,19 12 0,12 4 0,15 3 0,-29-12 0,1-2 0,35 7 0,-37-9 0,-1-1 0,29 8 0,-8 0 0,-3 1 0,-12-2 0,26 5 0,-3-3 0,1 0 0,-5-4 0,-24-5 0,-9-1 0,-11-4 0,-14-4 0,8 5 0,5 1 0,25 8 0,16 2 0,2 1 0,13-2 0,-19-2 0,9 1 0,-12 0 0,-3 1 0,12 3 0,6 1 0,14-1 0,-40-11 0,0-1 0,36 7 0,3 0 0,-32-7 0,-18-3 0,-14-3 0,-8-2 0,9 4 0,4 1 0,4-1 0,4 1 0,-11-4 0,5 2 0,-8-1 0,1 2 0,10 4 0,1 1 0,17 6 0,6 2 0,1-2 0,13 6 0,-17-7 0,11 4 0,-16-3 0,-4-1 0,-4 0 0,-6-1 0,-3-1 0,0 0 0,-9-4 0,1 0 0,-3-2 0,-2 0 0,8 1 0,21 9 0,1 0 0,17 6 0,7 3 0,5 0 0,-22-8 0,3 1-342,6 0 0,0-1 342,1 1 0,1-1 0,4 1 0,-3-2 0,-21-5 0,-2-1 0,1 0 0,-3 0 0,22 9 0,-9-1 0,15 14 0,1 3 0,-22-11 0,3 0 0,0-2 0,0-1 0,0 1 0,2-2 0,2-2 0,-1-1 0,-8-2 0,0-1 0,-3-1 0,0-1 0,-2 0 0,-2 0 0,31 8 684,13 3-684,-8-4 0,-8-2 0,0-2 0,-23-4 0,9 0 0,-8-1 0,-2 0 0,1 1 0,-5-1 0,10 4 0,1 0 0,1-1 0,4-2 0,-18-6 0,3 0 0,-11-2 0,2 4 0,4 2 0,-5-2 0,8 1 0,2-3 0,-1-1 0,3 2 0,-3 0 0,1 5 0,16 5 0,0 3 0,-19-6 0,3 2 0,7 3 0,1 1 0,7 1 0,4 2-530,20 6 1,1 0 529,-16-7 0,1 0 0,17 4 0,2 1 0,-15-5 0,-3-1 0,-6-1 0,0 0-173,6 0 1,-3-1 172,-19-5 0,1 0 0,12 1 0,1 0 0,-11-3 0,-1 0 0,2-2 0,0 1 0,-1 1 0,-2-1 0,34 6 0,-38-8 0,-1 0 0,33 8 0,-4-2 1040,9 1-1040,-10-4 364,1-3-364,-9-3 0,-29-6 0,-5 2 0,-18-3 0,-5 0 0,-6 0 0,-8-2 0,-1 0 0</inkml:trace>
+</inkml:ink>
+</file>
+
+<file path=ppt/ink/ink45.xml><?xml version="1.0" encoding="utf-8"?>
+<inkml:ink xmlns:inkml="http://www.w3.org/2003/InkML">
+  <inkml:definitions>
+    <inkml:context xml:id="ctx0">
+      <inkml:inkSource xml:id="inkSrc0">
+        <inkml:traceFormat>
+          <inkml:channel name="X" type="integer" min="-2.14748E9" max="2.14748E9" units="cm"/>
+          <inkml:channel name="Y" type="integer" min="-2.14748E9" max="2.14748E9" units="cm"/>
+          <inkml:channel name="F" type="integer" max="32767" units="dev"/>
+        </inkml:traceFormat>
+        <inkml:channelProperties>
+          <inkml:channelProperty channel="X" name="resolution" value="1000" units="1/cm"/>
+          <inkml:channelProperty channel="Y" name="resolution" value="1000" units="1/cm"/>
+          <inkml:channelProperty channel="F" name="resolution" value="0" units="1/dev"/>
+        </inkml:channelProperties>
+      </inkml:inkSource>
+      <inkml:timestamp xml:id="ts0" timeString="2022-09-12T18:11:19.631"/>
+    </inkml:context>
+    <inkml:brush xml:id="br0">
+      <inkml:brushProperty name="width" value="0.1" units="cm"/>
+      <inkml:brushProperty name="height" value="0.1" units="cm"/>
+      <inkml:brushProperty name="color" value="#F6630D"/>
+    </inkml:brush>
+  </inkml:definitions>
+  <inkml:trace contextRef="#ctx0" brushRef="#br0">1864 0 24575,'-9'1'0,"1"0"0,1 1 0,0 1 0,-4 2 0,-6 3 0,-3 1 0,-11 6 0,-2 0 0,-28 13 0,-25 5 0,37-15 0,-2 1 0,-13 2 0,-1 1 0,13-4 0,1 0 0,-8 2 0,1 2 0,10-1 0,2 0 0,-36 18 0,6 4 0,25-13 0,-6 7 0,7-4 0,-2 2 0,-8 0 0,8-4 0,-15 3 0,0 2 0,-5-1 0,-3 3 0,13-9 0,4 2 0,19-11 0,11-4 0,14-7 0,7-5 0,2-1 0,1-1 0,1-1 0,-1 1 0,0-1 0,0 1 0,-2-1 0,1 0 0,-2 1 0,0 0 0,1 0 0,1-2 0,4-1 0,0-2 0,2-2 0,0-3 0,0 0 0,2-3 0,-2 6 0,1 0 0</inkml:trace>
+</inkml:ink>
+</file>
+
+<file path=ppt/ink/ink46.xml><?xml version="1.0" encoding="utf-8"?>
+<inkml:ink xmlns:inkml="http://www.w3.org/2003/InkML">
+  <inkml:definitions>
+    <inkml:context xml:id="ctx0">
+      <inkml:inkSource xml:id="inkSrc0">
+        <inkml:traceFormat>
+          <inkml:channel name="X" type="integer" min="-2.14748E9" max="2.14748E9" units="cm"/>
+          <inkml:channel name="Y" type="integer" min="-2.14748E9" max="2.14748E9" units="cm"/>
+          <inkml:channel name="F" type="integer" max="32767" units="dev"/>
+        </inkml:traceFormat>
+        <inkml:channelProperties>
+          <inkml:channelProperty channel="X" name="resolution" value="1000" units="1/cm"/>
+          <inkml:channelProperty channel="Y" name="resolution" value="1000" units="1/cm"/>
+          <inkml:channelProperty channel="F" name="resolution" value="0" units="1/dev"/>
+        </inkml:channelProperties>
+      </inkml:inkSource>
+      <inkml:timestamp xml:id="ts0" timeString="2022-09-12T18:11:20.609"/>
+    </inkml:context>
+    <inkml:brush xml:id="br0">
+      <inkml:brushProperty name="width" value="0.1" units="cm"/>
+      <inkml:brushProperty name="height" value="0.1" units="cm"/>
+      <inkml:brushProperty name="color" value="#F6630D"/>
+    </inkml:brush>
+  </inkml:definitions>
+  <inkml:trace contextRef="#ctx0" brushRef="#br0">94 1 24575,'-5'36'0,"-2"0"0,-2 17 0,-3-1 0,-2-1 0,-1 1 0,4-19 0,0 1 0,5-12 0,4-8 0,0-4 0,5-6 0,7 0 0,5-1 0,15 2 0,7 3 0,5-1 0,13 3 0,-6 0 0,22 5 0,7-2 0,-9-2 0,-10-5 0,-30-4 0,-14-2 0,-5 0 0,-6 0 0,-2-1 0,-1 0 0</inkml:trace>
+</inkml:ink>
+</file>
+
+<file path=ppt/ink/ink47.xml><?xml version="1.0" encoding="utf-8"?>
+<inkml:ink xmlns:inkml="http://www.w3.org/2003/InkML">
+  <inkml:definitions>
+    <inkml:context xml:id="ctx0">
+      <inkml:inkSource xml:id="inkSrc0">
+        <inkml:traceFormat>
+          <inkml:channel name="X" type="integer" min="-2.14748E9" max="2.14748E9" units="cm"/>
+          <inkml:channel name="Y" type="integer" min="-2.14748E9" max="2.14748E9" units="cm"/>
+          <inkml:channel name="F" type="integer" max="32767" units="dev"/>
+        </inkml:traceFormat>
+        <inkml:channelProperties>
+          <inkml:channelProperty channel="X" name="resolution" value="1000" units="1/cm"/>
+          <inkml:channelProperty channel="Y" name="resolution" value="1000" units="1/cm"/>
+          <inkml:channelProperty channel="F" name="resolution" value="0" units="1/dev"/>
+        </inkml:channelProperties>
+      </inkml:inkSource>
+      <inkml:timestamp xml:id="ts0" timeString="2022-09-12T18:11:21.802"/>
+    </inkml:context>
+    <inkml:brush xml:id="br0">
+      <inkml:brushProperty name="width" value="0.1" units="cm"/>
+      <inkml:brushProperty name="height" value="0.1" units="cm"/>
+      <inkml:brushProperty name="color" value="#F6630D"/>
+    </inkml:brush>
+  </inkml:definitions>
+  <inkml:trace contextRef="#ctx0" brushRef="#br0">0 1 24575,'17'4'0,"3"1"0,5-3 0,6 3 0,0-2 0,-3 0 0,6 1 0,8-1 0,55 6 0,-24-4 0,5 1-403,3 1 1,1-2 402,9 1 0,-5-1 0,-31-2 0,-6-2 0,22-1 0,-43-2 0,-20 0 0,-12 1 0,-3 1 0,-4 0 805,-10 3-805,-3 4 0,-16 8 0,5 0 0,-4 6 0,2 3 0,7-2 0,-4 2 0,11-2 0,2-3 0,7-1 0,4-5 0,4-3 0,4-5 0,-1-1 0,3-2 0,-1 0 0,1-1 0</inkml:trace>
+</inkml:ink>
+</file>
+
+<file path=ppt/ink/ink5.xml><?xml version="1.0" encoding="utf-8"?>
+<inkml:ink xmlns:inkml="http://www.w3.org/2003/InkML">
+  <inkml:definitions>
+    <inkml:context xml:id="ctx0">
+      <inkml:inkSource xml:id="inkSrc0">
+        <inkml:traceFormat>
+          <inkml:channel name="X" type="integer" min="-2.14748E9" max="2.14748E9" units="cm"/>
+          <inkml:channel name="Y" type="integer" min="-2.14748E9" max="2.14748E9" units="cm"/>
+          <inkml:channel name="F" type="integer" max="32767" units="dev"/>
+        </inkml:traceFormat>
+        <inkml:channelProperties>
+          <inkml:channelProperty channel="X" name="resolution" value="1000" units="1/cm"/>
+          <inkml:channelProperty channel="Y" name="resolution" value="1000" units="1/cm"/>
+          <inkml:channelProperty channel="F" name="resolution" value="0" units="1/dev"/>
+        </inkml:channelProperties>
+      </inkml:inkSource>
+      <inkml:timestamp xml:id="ts0" timeString="2022-09-12T18:10:10.849"/>
+    </inkml:context>
+    <inkml:brush xml:id="br0">
+      <inkml:brushProperty name="width" value="0.1" units="cm"/>
+      <inkml:brushProperty name="height" value="0.1" units="cm"/>
+      <inkml:brushProperty name="color" value="#F6630D"/>
+    </inkml:brush>
+  </inkml:definitions>
+  <inkml:trace contextRef="#ctx0" brushRef="#br0">230 0 24575,'20'1'0,"11"2"0,5-1 0,1 1 0,-2 3 0,-13-2 0,4 6 0,-9 0 0,-4 1 0,-4 5 0,-6-1 0,-1 5 0,-7 1 0,-8 4 0,-15 9 0,-12 6 0,-25 22 0,28-29 0,-1 1 0,0 0 0,1 0 0,-38 30 0,28-24 0,12-11 0,18-15 0,12-8 0,6-4 0,6 0 0,10 0 0,31 5 0,36 5 0,-31-6 0,2 0 0,7 1 0,-1-2 0,15 1 0,-24-3 0,-40-5 0,-9-5 0,-2 4 0,0-4 0</inkml:trace>
+</inkml:ink>
+</file>
+
+<file path=ppt/ink/ink6.xml><?xml version="1.0" encoding="utf-8"?>
+<inkml:ink xmlns:inkml="http://www.w3.org/2003/InkML">
+  <inkml:definitions>
+    <inkml:context xml:id="ctx0">
+      <inkml:inkSource xml:id="inkSrc0">
+        <inkml:traceFormat>
+          <inkml:channel name="X" type="integer" min="-2.14748E9" max="2.14748E9" units="cm"/>
+          <inkml:channel name="Y" type="integer" min="-2.14748E9" max="2.14748E9" units="cm"/>
+          <inkml:channel name="F" type="integer" max="32767" units="dev"/>
+        </inkml:traceFormat>
+        <inkml:channelProperties>
+          <inkml:channelProperty channel="X" name="resolution" value="1000" units="1/cm"/>
+          <inkml:channelProperty channel="Y" name="resolution" value="1000" units="1/cm"/>
+          <inkml:channelProperty channel="F" name="resolution" value="0" units="1/dev"/>
+        </inkml:channelProperties>
+      </inkml:inkSource>
+      <inkml:timestamp xml:id="ts0" timeString="2022-09-12T18:10:11.376"/>
+    </inkml:context>
+    <inkml:brush xml:id="br0">
+      <inkml:brushProperty name="width" value="0.1" units="cm"/>
+      <inkml:brushProperty name="height" value="0.1" units="cm"/>
+      <inkml:brushProperty name="color" value="#F6630D"/>
+    </inkml:brush>
+  </inkml:definitions>
+  <inkml:trace contextRef="#ctx0" brushRef="#br0">1 1 24575,'26'9'0,"8"6"0,-4 2 0,6 6 0,-5 4 0,-7 0 0,0 11 0,-4-1 0,-2 5 0,-7 6 0,-8 0 0,-10 8 0,-11 15 0,-10-9 0,-18 11 0,6-21 0,3-13 0,14-16 0,13-14 0,6-5 0,3-3 0,1 0 0</inkml:trace>
+</inkml:ink>
+</file>
+
+<file path=ppt/ink/ink7.xml><?xml version="1.0" encoding="utf-8"?>
+<inkml:ink xmlns:inkml="http://www.w3.org/2003/InkML">
+  <inkml:definitions>
+    <inkml:context xml:id="ctx0">
+      <inkml:inkSource xml:id="inkSrc0">
+        <inkml:traceFormat>
+          <inkml:channel name="X" type="integer" min="-2.14748E9" max="2.14748E9" units="cm"/>
+          <inkml:channel name="Y" type="integer" min="-2.14748E9" max="2.14748E9" units="cm"/>
+          <inkml:channel name="F" type="integer" max="32767" units="dev"/>
+        </inkml:traceFormat>
+        <inkml:channelProperties>
+          <inkml:channelProperty channel="X" name="resolution" value="1000" units="1/cm"/>
+          <inkml:channelProperty channel="Y" name="resolution" value="1000" units="1/cm"/>
+          <inkml:channelProperty channel="F" name="resolution" value="0" units="1/dev"/>
+        </inkml:channelProperties>
+      </inkml:inkSource>
+      <inkml:timestamp xml:id="ts0" timeString="2022-09-12T18:10:13.584"/>
+    </inkml:context>
+    <inkml:brush xml:id="br0">
+      <inkml:brushProperty name="width" value="0.1" units="cm"/>
+      <inkml:brushProperty name="height" value="0.1" units="cm"/>
+      <inkml:brushProperty name="color" value="#F6630D"/>
+    </inkml:brush>
+  </inkml:definitions>
+  <inkml:trace contextRef="#ctx0" brushRef="#br0">108 0 24575,'-10'7'0,"-2"0"0,0 4 0,-2 3 0,-4 19 0,2 11 0,4 12 0,4 9 0,5-11 0,2-8 0,-1-8 0,2-13 0,5 0 0,3 0 0,6 0 0,6 3 0,-2-9 0,0-2 0,-7-8 0,-5-4 0,-3-6 0,0-3 0,-1 1 0,0-1 0</inkml:trace>
+</inkml:ink>
+</file>
+
+<file path=ppt/ink/ink8.xml><?xml version="1.0" encoding="utf-8"?>
+<inkml:ink xmlns:inkml="http://www.w3.org/2003/InkML">
+  <inkml:definitions>
+    <inkml:context xml:id="ctx0">
+      <inkml:inkSource xml:id="inkSrc0">
+        <inkml:traceFormat>
+          <inkml:channel name="X" type="integer" min="-2.14748E9" max="2.14748E9" units="cm"/>
+          <inkml:channel name="Y" type="integer" min="-2.14748E9" max="2.14748E9" units="cm"/>
+          <inkml:channel name="F" type="integer" max="32767" units="dev"/>
+        </inkml:traceFormat>
+        <inkml:channelProperties>
+          <inkml:channelProperty channel="X" name="resolution" value="1000" units="1/cm"/>
+          <inkml:channelProperty channel="Y" name="resolution" value="1000" units="1/cm"/>
+          <inkml:channelProperty channel="F" name="resolution" value="0" units="1/dev"/>
+        </inkml:channelProperties>
+      </inkml:inkSource>
+      <inkml:timestamp xml:id="ts0" timeString="2022-09-12T18:10:13.964"/>
+    </inkml:context>
+    <inkml:brush xml:id="br0">
+      <inkml:brushProperty name="width" value="0.1" units="cm"/>
+      <inkml:brushProperty name="height" value="0.1" units="cm"/>
+      <inkml:brushProperty name="color" value="#F6630D"/>
+    </inkml:brush>
+  </inkml:definitions>
+  <inkml:trace contextRef="#ctx0" brushRef="#br0">89 1 24575,'-16'1'0,"-16"5"0,16-3 0,-9 3 0</inkml:trace>
+</inkml:ink>
+</file>
+
+<file path=ppt/ink/ink9.xml><?xml version="1.0" encoding="utf-8"?>
+<inkml:ink xmlns:inkml="http://www.w3.org/2003/InkML">
+  <inkml:definitions>
+    <inkml:context xml:id="ctx0">
+      <inkml:inkSource xml:id="inkSrc0">
+        <inkml:traceFormat>
+          <inkml:channel name="X" type="integer" min="-2.14748E9" max="2.14748E9" units="cm"/>
+          <inkml:channel name="Y" type="integer" min="-2.14748E9" max="2.14748E9" units="cm"/>
+          <inkml:channel name="F" type="integer" max="32767" units="dev"/>
+        </inkml:traceFormat>
+        <inkml:channelProperties>
+          <inkml:channelProperty channel="X" name="resolution" value="1000" units="1/cm"/>
+          <inkml:channelProperty channel="Y" name="resolution" value="1000" units="1/cm"/>
+          <inkml:channelProperty channel="F" name="resolution" value="0" units="1/dev"/>
+        </inkml:channelProperties>
+      </inkml:inkSource>
+      <inkml:timestamp xml:id="ts0" timeString="2022-09-12T18:10:14.937"/>
+    </inkml:context>
+    <inkml:brush xml:id="br0">
+      <inkml:brushProperty name="width" value="0.1" units="cm"/>
+      <inkml:brushProperty name="height" value="0.1" units="cm"/>
+      <inkml:brushProperty name="color" value="#F6630D"/>
+    </inkml:brush>
+  </inkml:definitions>
+  <inkml:trace contextRef="#ctx0" brushRef="#br0">0 215 24575,'8'-5'0,"0"1"0,-3 0 0,0-1 0,3-1 0,8-7 0,13-5 0,13-6 0,20-14 0,-7 9 0,6-6 0,-24 18 0,-11 5 0,-15 8 0,-7 4 0,2 1 0,-2 2 0,1 1 0,-2 3 0,-2 4 0,0 14 0,-3 11 0,-5 27 0,-6 5 0,-5 0 0,-2-11 0,3-23 0,-4-4 0,-3-5 0,-5 0 0,-3 4 0,7-4 0,3 0 0,6-2 0,4-7 0,4-3 0,4-9 0,2 1 0,2-5 0,8 2 0,1-2 0,6 1 0,0-1 0,4-1 0,3 0 0,4-1 0,-2 2 0,0-2 0,-7 2 0,-3-1 0,-3 1 0,-4 0 0,-1 0 0,-1 0 0,-1 0 0,0 0 0,7 1 0,-7-1 0,6 1 0</inkml:trace>
+</inkml:ink>
+</file>
+
 <file path=ppt/notesMasters/notesMaster1.xml><?xml version="1.0" encoding="utf-8"?>
 <p:notesMaster xmlns:a="http://schemas.openxmlformats.org/drawingml/2006/main" xmlns:r="http://schemas.openxmlformats.org/officeDocument/2006/relationships" xmlns:p="http://schemas.openxmlformats.org/presentationml/2006/main">
   <p:cSld>
@@ -228,7 +1544,7 @@
           <a:p>
             <a:fld id="{3B15A1CC-ACDD-704E-8698-C6E1792162B7}" type="datetimeFigureOut">
               <a:rPr lang="en-US" smtClean="0"/>
-              <a:t>9/8/21</a:t>
+              <a:t>9/12/22</a:t>
             </a:fld>
             <a:endParaRPr lang="en-US"/>
           </a:p>
@@ -1032,7 +2348,7 @@
             <a:fld id="{B61BEF0D-F0BB-DE4B-95CE-6DB70DBA9567}" type="datetimeFigureOut">
               <a:rPr lang="en-US"/>
               <a:pPr/>
-              <a:t>9/8/21</a:t>
+              <a:t>9/12/22</a:t>
             </a:fld>
             <a:endParaRPr lang="en-US" dirty="0"/>
           </a:p>
@@ -1291,7 +2607,7 @@
             <a:fld id="{B61BEF0D-F0BB-DE4B-95CE-6DB70DBA9567}" type="datetimeFigureOut">
               <a:rPr lang="en-US"/>
               <a:pPr/>
-              <a:t>9/8/21</a:t>
+              <a:t>9/12/22</a:t>
             </a:fld>
             <a:endParaRPr lang="en-US" dirty="0"/>
           </a:p>
@@ -1523,7 +2839,7 @@
             <a:fld id="{B61BEF0D-F0BB-DE4B-95CE-6DB70DBA9567}" type="datetimeFigureOut">
               <a:rPr lang="en-US"/>
               <a:pPr/>
-              <a:t>9/8/21</a:t>
+              <a:t>9/12/22</a:t>
             </a:fld>
             <a:endParaRPr lang="en-US" dirty="0"/>
           </a:p>
@@ -1760,7 +3076,7 @@
             <a:fld id="{B61BEF0D-F0BB-DE4B-95CE-6DB70DBA9567}" type="datetimeFigureOut">
               <a:rPr lang="en-US"/>
               <a:pPr/>
-              <a:t>9/8/21</a:t>
+              <a:t>9/12/22</a:t>
             </a:fld>
             <a:endParaRPr lang="en-US" dirty="0"/>
           </a:p>
@@ -2064,7 +3380,7 @@
             <a:fld id="{B61BEF0D-F0BB-DE4B-95CE-6DB70DBA9567}" type="datetimeFigureOut">
               <a:rPr lang="en-US"/>
               <a:pPr/>
-              <a:t>9/8/21</a:t>
+              <a:t>9/12/22</a:t>
             </a:fld>
             <a:endParaRPr lang="en-US" dirty="0"/>
           </a:p>
@@ -2363,7 +3679,7 @@
             <a:fld id="{B61BEF0D-F0BB-DE4B-95CE-6DB70DBA9567}" type="datetimeFigureOut">
               <a:rPr lang="en-US"/>
               <a:pPr/>
-              <a:t>9/8/21</a:t>
+              <a:t>9/12/22</a:t>
             </a:fld>
             <a:endParaRPr lang="en-US" dirty="0"/>
           </a:p>
@@ -2782,7 +4098,7 @@
             <a:fld id="{B61BEF0D-F0BB-DE4B-95CE-6DB70DBA9567}" type="datetimeFigureOut">
               <a:rPr lang="en-US"/>
               <a:pPr/>
-              <a:t>9/8/21</a:t>
+              <a:t>9/12/22</a:t>
             </a:fld>
             <a:endParaRPr lang="en-US" dirty="0"/>
           </a:p>
@@ -2941,7 +4257,7 @@
             <a:fld id="{B61BEF0D-F0BB-DE4B-95CE-6DB70DBA9567}" type="datetimeFigureOut">
               <a:rPr lang="en-US"/>
               <a:pPr/>
-              <a:t>9/8/21</a:t>
+              <a:t>9/12/22</a:t>
             </a:fld>
             <a:endParaRPr lang="en-US" dirty="0"/>
           </a:p>
@@ -3033,7 +4349,7 @@
             <a:fld id="{B61BEF0D-F0BB-DE4B-95CE-6DB70DBA9567}" type="datetimeFigureOut">
               <a:rPr lang="en-US"/>
               <a:pPr/>
-              <a:t>9/8/21</a:t>
+              <a:t>9/12/22</a:t>
             </a:fld>
             <a:endParaRPr lang="en-US" dirty="0"/>
           </a:p>
@@ -3408,7 +4724,7 @@
             <a:fld id="{B61BEF0D-F0BB-DE4B-95CE-6DB70DBA9567}" type="datetimeFigureOut">
               <a:rPr lang="en-US"/>
               <a:pPr/>
-              <a:t>9/8/21</a:t>
+              <a:t>9/12/22</a:t>
             </a:fld>
             <a:endParaRPr lang="en-US" dirty="0"/>
           </a:p>
@@ -3693,7 +5009,7 @@
             <a:fld id="{B61BEF0D-F0BB-DE4B-95CE-6DB70DBA9567}" type="datetimeFigureOut">
               <a:rPr lang="en-US"/>
               <a:pPr/>
-              <a:t>9/8/21</a:t>
+              <a:t>9/12/22</a:t>
             </a:fld>
             <a:endParaRPr lang="en-US" dirty="0"/>
           </a:p>
@@ -3901,7 +5217,7 @@
             <a:fld id="{B61BEF0D-F0BB-DE4B-95CE-6DB70DBA9567}" type="datetimeFigureOut">
               <a:rPr lang="en-US"/>
               <a:pPr/>
-              <a:t>9/8/21</a:t>
+              <a:t>9/12/22</a:t>
             </a:fld>
             <a:endParaRPr lang="en-US" dirty="0"/>
           </a:p>
@@ -4804,12 +6120,12 @@
           <a:graphicData uri="http://schemas.openxmlformats.org/presentationml/2006/ole">
             <mc:AlternateContent xmlns:mc="http://schemas.openxmlformats.org/markup-compatibility/2006">
               <mc:Choice xmlns:v="urn:schemas-microsoft-com:vml" Requires="v">
-                <p:oleObj spid="_x0000_s8337" name="Worksheet" r:id="rId3" imgW="1836725" imgH="846287" progId="Excel.Sheet.8">
+                <p:oleObj name="Worksheet" r:id="rId2" imgW="1836725" imgH="846287" progId="Excel.Sheet.8">
                   <p:embed/>
                 </p:oleObj>
               </mc:Choice>
               <mc:Fallback>
-                <p:oleObj name="Worksheet" r:id="rId3" imgW="1836725" imgH="846287" progId="Excel.Sheet.8">
+                <p:oleObj name="Worksheet" r:id="rId2" imgW="1836725" imgH="846287" progId="Excel.Sheet.8">
                   <p:embed/>
                   <p:pic>
                     <p:nvPicPr>
@@ -4820,7 +6136,7 @@
                       <p:nvPr/>
                     </p:nvPicPr>
                     <p:blipFill>
-                      <a:blip r:embed="rId4">
+                      <a:blip r:embed="rId3">
                         <a:extLst>
                           <a:ext uri="{28A0092B-C50C-407E-A947-70E740481C1C}">
                             <a14:useLocalDpi xmlns:a14="http://schemas.microsoft.com/office/drawing/2010/main" val="0"/>
@@ -4903,12 +6219,12 @@
           <a:graphicData uri="http://schemas.openxmlformats.org/presentationml/2006/ole">
             <mc:AlternateContent xmlns:mc="http://schemas.openxmlformats.org/markup-compatibility/2006">
               <mc:Choice xmlns:v="urn:schemas-microsoft-com:vml" Requires="v">
-                <p:oleObj spid="_x0000_s8338" name="Worksheet" r:id="rId5" imgW="3055925" imgH="846287" progId="Excel.Sheet.8">
+                <p:oleObj name="Worksheet" r:id="rId4" imgW="3055925" imgH="846287" progId="Excel.Sheet.8">
                   <p:embed/>
                 </p:oleObj>
               </mc:Choice>
               <mc:Fallback>
-                <p:oleObj name="Worksheet" r:id="rId5" imgW="3055925" imgH="846287" progId="Excel.Sheet.8">
+                <p:oleObj name="Worksheet" r:id="rId4" imgW="3055925" imgH="846287" progId="Excel.Sheet.8">
                   <p:embed/>
                   <p:pic>
                     <p:nvPicPr>
@@ -4919,7 +6235,7 @@
                       <p:nvPr/>
                     </p:nvPicPr>
                     <p:blipFill>
-                      <a:blip r:embed="rId6">
+                      <a:blip r:embed="rId5">
                         <a:extLst>
                           <a:ext uri="{28A0092B-C50C-407E-A947-70E740481C1C}">
                             <a14:useLocalDpi xmlns:a14="http://schemas.microsoft.com/office/drawing/2010/main" val="0"/>
@@ -5002,12 +6318,12 @@
           <a:graphicData uri="http://schemas.openxmlformats.org/presentationml/2006/ole">
             <mc:AlternateContent xmlns:mc="http://schemas.openxmlformats.org/markup-compatibility/2006">
               <mc:Choice xmlns:v="urn:schemas-microsoft-com:vml" Requires="v">
-                <p:oleObj spid="_x0000_s8339" name="Worksheet" r:id="rId7" imgW="3055925" imgH="846287" progId="Excel.Sheet.8">
+                <p:oleObj name="Worksheet" r:id="rId6" imgW="3055925" imgH="846287" progId="Excel.Sheet.8">
                   <p:embed/>
                 </p:oleObj>
               </mc:Choice>
               <mc:Fallback>
-                <p:oleObj name="Worksheet" r:id="rId7" imgW="3055925" imgH="846287" progId="Excel.Sheet.8">
+                <p:oleObj name="Worksheet" r:id="rId6" imgW="3055925" imgH="846287" progId="Excel.Sheet.8">
                   <p:embed/>
                   <p:pic>
                     <p:nvPicPr>
@@ -5018,7 +6334,7 @@
                       <p:nvPr/>
                     </p:nvPicPr>
                     <p:blipFill>
-                      <a:blip r:embed="rId8">
+                      <a:blip r:embed="rId7">
                         <a:extLst>
                           <a:ext uri="{28A0092B-C50C-407E-A947-70E740481C1C}">
                             <a14:useLocalDpi xmlns:a14="http://schemas.microsoft.com/office/drawing/2010/main" val="0"/>
@@ -5101,12 +6417,12 @@
           <a:graphicData uri="http://schemas.openxmlformats.org/presentationml/2006/ole">
             <mc:AlternateContent xmlns:mc="http://schemas.openxmlformats.org/markup-compatibility/2006">
               <mc:Choice xmlns:v="urn:schemas-microsoft-com:vml" Requires="v">
-                <p:oleObj spid="_x0000_s8340" name="Worksheet" r:id="rId9" imgW="3055925" imgH="861243" progId="Excel.Sheet.8">
+                <p:oleObj name="Worksheet" r:id="rId8" imgW="3055925" imgH="861243" progId="Excel.Sheet.8">
                   <p:embed/>
                 </p:oleObj>
               </mc:Choice>
               <mc:Fallback>
-                <p:oleObj name="Worksheet" r:id="rId9" imgW="3055925" imgH="861243" progId="Excel.Sheet.8">
+                <p:oleObj name="Worksheet" r:id="rId8" imgW="3055925" imgH="861243" progId="Excel.Sheet.8">
                   <p:embed/>
                   <p:pic>
                     <p:nvPicPr>
@@ -5117,7 +6433,7 @@
                       <p:nvPr/>
                     </p:nvPicPr>
                     <p:blipFill>
-                      <a:blip r:embed="rId10">
+                      <a:blip r:embed="rId9">
                         <a:extLst>
                           <a:ext uri="{28A0092B-C50C-407E-A947-70E740481C1C}">
                             <a14:useLocalDpi xmlns:a14="http://schemas.microsoft.com/office/drawing/2010/main" val="0"/>
@@ -8951,12 +10267,12 @@
           <a:graphicData uri="http://schemas.openxmlformats.org/presentationml/2006/ole">
             <mc:AlternateContent xmlns:mc="http://schemas.openxmlformats.org/markup-compatibility/2006">
               <mc:Choice xmlns:v="urn:schemas-microsoft-com:vml" Requires="v">
-                <p:oleObj spid="_x0000_s10277" name="Bitmap Image" r:id="rId3" imgW="7542857" imgH="7228571" progId="Paint.Picture">
+                <p:oleObj name="Bitmap Image" r:id="rId2" imgW="7542857" imgH="7228571" progId="Paint.Picture">
                   <p:embed/>
                 </p:oleObj>
               </mc:Choice>
               <mc:Fallback>
-                <p:oleObj name="Bitmap Image" r:id="rId3" imgW="7542857" imgH="7228571" progId="Paint.Picture">
+                <p:oleObj name="Bitmap Image" r:id="rId2" imgW="7542857" imgH="7228571" progId="Paint.Picture">
                   <p:embed/>
                   <p:pic>
                     <p:nvPicPr>
@@ -8967,7 +10283,7 @@
                       <p:nvPr/>
                     </p:nvPicPr>
                     <p:blipFill>
-                      <a:blip r:embed="rId4">
+                      <a:blip r:embed="rId3">
                         <a:extLst>
                           <a:ext uri="{28A0092B-C50C-407E-A947-70E740481C1C}">
                             <a14:useLocalDpi xmlns:a14="http://schemas.microsoft.com/office/drawing/2010/main" val="0"/>
@@ -10330,12 +11646,12 @@
             <a:graphicData uri="http://schemas.openxmlformats.org/presentationml/2006/ole">
               <mc:AlternateContent xmlns:mc="http://schemas.openxmlformats.org/markup-compatibility/2006">
                 <mc:Choice xmlns:v="urn:schemas-microsoft-com:vml" Requires="v">
-                  <p:oleObj spid="_x0000_s11300" name="Document" r:id="rId4" imgW="5416355" imgH="5776939" progId="Word.Document.8">
+                  <p:oleObj name="Document" r:id="rId3" imgW="5416355" imgH="5776939" progId="Word.Document.8">
                     <p:embed/>
                   </p:oleObj>
                 </mc:Choice>
                 <mc:Fallback>
-                  <p:oleObj name="Document" r:id="rId4" imgW="5416355" imgH="5776939" progId="Word.Document.8">
+                  <p:oleObj name="Document" r:id="rId3" imgW="5416355" imgH="5776939" progId="Word.Document.8">
                     <p:embed/>
                     <p:pic>
                       <p:nvPicPr>
@@ -10346,7 +11662,7 @@
                         <p:nvPr/>
                       </p:nvPicPr>
                       <p:blipFill>
-                        <a:blip r:embed="rId5"/>
+                        <a:blip r:embed="rId4"/>
                         <a:srcRect/>
                         <a:stretch>
                           <a:fillRect/>
@@ -13383,8 +14699,8 @@
           </a:p>
         </p:txBody>
       </p:sp>
-      <mc:AlternateContent xmlns:mc="http://schemas.openxmlformats.org/markup-compatibility/2006">
-        <mc:Choice xmlns:a14="http://schemas.microsoft.com/office/drawing/2010/main" Requires="a14">
+      <mc:AlternateContent xmlns:mc="http://schemas.openxmlformats.org/markup-compatibility/2006" xmlns:a14="http://schemas.microsoft.com/office/drawing/2010/main">
+        <mc:Choice Requires="a14">
           <p:sp>
             <p:nvSpPr>
               <p:cNvPr id="3" name="Content Placeholder 2"/>
@@ -14031,7 +15347,7 @@
             </p:txBody>
           </p:sp>
         </mc:Choice>
-        <mc:Fallback>
+        <mc:Fallback xmlns="">
           <p:sp>
             <p:nvSpPr>
               <p:cNvPr id="3" name="Content Placeholder 2"/>
@@ -17848,12 +19164,12 @@
           <a:graphicData uri="http://schemas.openxmlformats.org/presentationml/2006/ole">
             <mc:AlternateContent xmlns:mc="http://schemas.openxmlformats.org/markup-compatibility/2006">
               <mc:Choice xmlns:v="urn:schemas-microsoft-com:vml" Requires="v">
-                <p:oleObj spid="_x0000_s7277" name="VISIO" r:id="rId3" imgW="3631692" imgH="2656332" progId="Visio.Drawing.6">
+                <p:oleObj name="VISIO" r:id="rId2" imgW="3631692" imgH="2656332" progId="Visio.Drawing.6">
                   <p:embed/>
                 </p:oleObj>
               </mc:Choice>
               <mc:Fallback>
-                <p:oleObj name="VISIO" r:id="rId3" imgW="3631692" imgH="2656332" progId="Visio.Drawing.6">
+                <p:oleObj name="VISIO" r:id="rId2" imgW="3631692" imgH="2656332" progId="Visio.Drawing.6">
                   <p:embed/>
                   <p:pic>
                     <p:nvPicPr>
@@ -17864,7 +19180,7 @@
                       <p:nvPr/>
                     </p:nvPicPr>
                     <p:blipFill>
-                      <a:blip r:embed="rId4">
+                      <a:blip r:embed="rId3">
                         <a:extLst>
                           <a:ext uri="{28A0092B-C50C-407E-A947-70E740481C1C}">
                             <a14:useLocalDpi xmlns:a14="http://schemas.microsoft.com/office/drawing/2010/main" val="0"/>
@@ -17919,12 +19235,12 @@
           <a:graphicData uri="http://schemas.openxmlformats.org/presentationml/2006/ole">
             <mc:AlternateContent xmlns:mc="http://schemas.openxmlformats.org/markup-compatibility/2006">
               <mc:Choice xmlns:v="urn:schemas-microsoft-com:vml" Requires="v">
-                <p:oleObj spid="_x0000_s7278" name="Worksheet" r:id="rId5" imgW="1836725" imgH="846287" progId="Excel.Sheet.8">
+                <p:oleObj name="Worksheet" r:id="rId4" imgW="1836725" imgH="846287" progId="Excel.Sheet.8">
                   <p:embed/>
                 </p:oleObj>
               </mc:Choice>
               <mc:Fallback>
-                <p:oleObj name="Worksheet" r:id="rId5" imgW="1836725" imgH="846287" progId="Excel.Sheet.8">
+                <p:oleObj name="Worksheet" r:id="rId4" imgW="1836725" imgH="846287" progId="Excel.Sheet.8">
                   <p:embed/>
                   <p:pic>
                     <p:nvPicPr>
@@ -17935,7 +19251,7 @@
                       <p:nvPr/>
                     </p:nvPicPr>
                     <p:blipFill>
-                      <a:blip r:embed="rId6">
+                      <a:blip r:embed="rId5">
                         <a:extLst>
                           <a:ext uri="{28A0092B-C50C-407E-A947-70E740481C1C}">
                             <a14:useLocalDpi xmlns:a14="http://schemas.microsoft.com/office/drawing/2010/main" val="0"/>
@@ -18173,12 +19489,12 @@
           <a:graphicData uri="http://schemas.openxmlformats.org/presentationml/2006/ole">
             <mc:AlternateContent xmlns:mc="http://schemas.openxmlformats.org/markup-compatibility/2006">
               <mc:Choice xmlns:v="urn:schemas-microsoft-com:vml" Requires="v">
-                <p:oleObj spid="_x0000_s7279" name="Worksheet" r:id="rId7" imgW="3055925" imgH="846287" progId="Excel.Sheet.8">
+                <p:oleObj name="Worksheet" r:id="rId6" imgW="3055925" imgH="846287" progId="Excel.Sheet.8">
                   <p:embed/>
                 </p:oleObj>
               </mc:Choice>
               <mc:Fallback>
-                <p:oleObj name="Worksheet" r:id="rId7" imgW="3055925" imgH="846287" progId="Excel.Sheet.8">
+                <p:oleObj name="Worksheet" r:id="rId6" imgW="3055925" imgH="846287" progId="Excel.Sheet.8">
                   <p:embed/>
                   <p:pic>
                     <p:nvPicPr>
@@ -18189,7 +19505,7 @@
                       <p:nvPr/>
                     </p:nvPicPr>
                     <p:blipFill>
-                      <a:blip r:embed="rId8">
+                      <a:blip r:embed="rId7">
                         <a:extLst>
                           <a:ext uri="{28A0092B-C50C-407E-A947-70E740481C1C}">
                             <a14:useLocalDpi xmlns:a14="http://schemas.microsoft.com/office/drawing/2010/main" val="0"/>
@@ -18250,6 +19566,2529 @@
           </a:graphicData>
         </a:graphic>
       </p:graphicFrame>
+      <mc:AlternateContent xmlns:mc="http://schemas.openxmlformats.org/markup-compatibility/2006">
+        <mc:Choice xmlns:p14="http://schemas.microsoft.com/office/powerpoint/2010/main" Requires="p14">
+          <p:contentPart p14:bwMode="auto" r:id="rId8">
+            <p14:nvContentPartPr>
+              <p14:cNvPr id="3" name="Ink 2">
+                <a:extLst>
+                  <a:ext uri="{FF2B5EF4-FFF2-40B4-BE49-F238E27FC236}">
+                    <a16:creationId xmlns:a16="http://schemas.microsoft.com/office/drawing/2014/main" id="{AE4B5D59-F03D-4131-5C3A-3CDCC410F779}"/>
+                  </a:ext>
+                </a:extLst>
+              </p14:cNvPr>
+              <p14:cNvContentPartPr/>
+              <p14:nvPr/>
+            </p14:nvContentPartPr>
+            <p14:xfrm>
+              <a:off x="1693337" y="2802977"/>
+              <a:ext cx="1026000" cy="1068120"/>
+            </p14:xfrm>
+          </p:contentPart>
+        </mc:Choice>
+        <mc:Fallback>
+          <p:pic>
+            <p:nvPicPr>
+              <p:cNvPr id="3" name="Ink 2">
+                <a:extLst>
+                  <a:ext uri="{FF2B5EF4-FFF2-40B4-BE49-F238E27FC236}">
+                    <a16:creationId xmlns:a16="http://schemas.microsoft.com/office/drawing/2014/main" id="{AE4B5D59-F03D-4131-5C3A-3CDCC410F779}"/>
+                  </a:ext>
+                </a:extLst>
+              </p:cNvPr>
+              <p:cNvPicPr/>
+              <p:nvPr/>
+            </p:nvPicPr>
+            <p:blipFill>
+              <a:blip r:embed="rId9"/>
+              <a:stretch>
+                <a:fillRect/>
+              </a:stretch>
+            </p:blipFill>
+            <p:spPr>
+              <a:xfrm>
+                <a:off x="1675337" y="2785337"/>
+                <a:ext cx="1061640" cy="1103760"/>
+              </a:xfrm>
+              <a:prstGeom prst="rect">
+                <a:avLst/>
+              </a:prstGeom>
+            </p:spPr>
+          </p:pic>
+        </mc:Fallback>
+      </mc:AlternateContent>
+      <p:grpSp>
+        <p:nvGrpSpPr>
+          <p:cNvPr id="12" name="Group 11">
+            <a:extLst>
+              <a:ext uri="{FF2B5EF4-FFF2-40B4-BE49-F238E27FC236}">
+                <a16:creationId xmlns:a16="http://schemas.microsoft.com/office/drawing/2014/main" id="{B298E79F-BE24-9505-0058-B46255A9F612}"/>
+              </a:ext>
+            </a:extLst>
+          </p:cNvPr>
+          <p:cNvGrpSpPr/>
+          <p:nvPr/>
+        </p:nvGrpSpPr>
+        <p:grpSpPr>
+          <a:xfrm>
+            <a:off x="1886297" y="2355857"/>
+            <a:ext cx="921600" cy="295200"/>
+            <a:chOff x="1886297" y="2355857"/>
+            <a:chExt cx="921600" cy="295200"/>
+          </a:xfrm>
+        </p:grpSpPr>
+        <mc:AlternateContent xmlns:mc="http://schemas.openxmlformats.org/markup-compatibility/2006">
+          <mc:Choice xmlns:p14="http://schemas.microsoft.com/office/powerpoint/2010/main" Requires="p14">
+            <p:contentPart p14:bwMode="auto" r:id="rId10">
+              <p14:nvContentPartPr>
+                <p14:cNvPr id="7" name="Ink 6">
+                  <a:extLst>
+                    <a:ext uri="{FF2B5EF4-FFF2-40B4-BE49-F238E27FC236}">
+                      <a16:creationId xmlns:a16="http://schemas.microsoft.com/office/drawing/2014/main" id="{B87B816D-1BFC-1B70-318F-96470591C642}"/>
+                    </a:ext>
+                  </a:extLst>
+                </p14:cNvPr>
+                <p14:cNvContentPartPr/>
+                <p14:nvPr/>
+              </p14:nvContentPartPr>
+              <p14:xfrm>
+                <a:off x="1886297" y="2386817"/>
+                <a:ext cx="52560" cy="137880"/>
+              </p14:xfrm>
+            </p:contentPart>
+          </mc:Choice>
+          <mc:Fallback>
+            <p:pic>
+              <p:nvPicPr>
+                <p:cNvPr id="7" name="Ink 6">
+                  <a:extLst>
+                    <a:ext uri="{FF2B5EF4-FFF2-40B4-BE49-F238E27FC236}">
+                      <a16:creationId xmlns:a16="http://schemas.microsoft.com/office/drawing/2014/main" id="{B87B816D-1BFC-1B70-318F-96470591C642}"/>
+                    </a:ext>
+                  </a:extLst>
+                </p:cNvPr>
+                <p:cNvPicPr/>
+                <p:nvPr/>
+              </p:nvPicPr>
+              <p:blipFill>
+                <a:blip r:embed="rId11"/>
+                <a:stretch>
+                  <a:fillRect/>
+                </a:stretch>
+              </p:blipFill>
+              <p:spPr>
+                <a:xfrm>
+                  <a:off x="1868297" y="2368817"/>
+                  <a:ext cx="88200" cy="173520"/>
+                </a:xfrm>
+                <a:prstGeom prst="rect">
+                  <a:avLst/>
+                </a:prstGeom>
+              </p:spPr>
+            </p:pic>
+          </mc:Fallback>
+        </mc:AlternateContent>
+        <mc:AlternateContent xmlns:mc="http://schemas.openxmlformats.org/markup-compatibility/2006">
+          <mc:Choice xmlns:p14="http://schemas.microsoft.com/office/powerpoint/2010/main" Requires="p14">
+            <p:contentPart p14:bwMode="auto" r:id="rId12">
+              <p14:nvContentPartPr>
+                <p14:cNvPr id="8" name="Ink 7">
+                  <a:extLst>
+                    <a:ext uri="{FF2B5EF4-FFF2-40B4-BE49-F238E27FC236}">
+                      <a16:creationId xmlns:a16="http://schemas.microsoft.com/office/drawing/2014/main" id="{0977F9AE-A86F-4FB1-3184-8651E8532D16}"/>
+                    </a:ext>
+                  </a:extLst>
+                </p14:cNvPr>
+                <p14:cNvContentPartPr/>
+                <p14:nvPr/>
+              </p14:nvContentPartPr>
+              <p14:xfrm>
+                <a:off x="2052617" y="2405537"/>
+                <a:ext cx="140760" cy="171720"/>
+              </p14:xfrm>
+            </p:contentPart>
+          </mc:Choice>
+          <mc:Fallback>
+            <p:pic>
+              <p:nvPicPr>
+                <p:cNvPr id="8" name="Ink 7">
+                  <a:extLst>
+                    <a:ext uri="{FF2B5EF4-FFF2-40B4-BE49-F238E27FC236}">
+                      <a16:creationId xmlns:a16="http://schemas.microsoft.com/office/drawing/2014/main" id="{0977F9AE-A86F-4FB1-3184-8651E8532D16}"/>
+                    </a:ext>
+                  </a:extLst>
+                </p:cNvPr>
+                <p:cNvPicPr/>
+                <p:nvPr/>
+              </p:nvPicPr>
+              <p:blipFill>
+                <a:blip r:embed="rId13"/>
+                <a:stretch>
+                  <a:fillRect/>
+                </a:stretch>
+              </p:blipFill>
+              <p:spPr>
+                <a:xfrm>
+                  <a:off x="2034977" y="2387897"/>
+                  <a:ext cx="176400" cy="207360"/>
+                </a:xfrm>
+                <a:prstGeom prst="rect">
+                  <a:avLst/>
+                </a:prstGeom>
+              </p:spPr>
+            </p:pic>
+          </mc:Fallback>
+        </mc:AlternateContent>
+        <mc:AlternateContent xmlns:mc="http://schemas.openxmlformats.org/markup-compatibility/2006">
+          <mc:Choice xmlns:p14="http://schemas.microsoft.com/office/powerpoint/2010/main" Requires="p14">
+            <p:contentPart p14:bwMode="auto" r:id="rId14">
+              <p14:nvContentPartPr>
+                <p14:cNvPr id="9" name="Ink 8">
+                  <a:extLst>
+                    <a:ext uri="{FF2B5EF4-FFF2-40B4-BE49-F238E27FC236}">
+                      <a16:creationId xmlns:a16="http://schemas.microsoft.com/office/drawing/2014/main" id="{A5924F5F-6275-EA01-62E2-4A3F2B58FC3E}"/>
+                    </a:ext>
+                  </a:extLst>
+                </p14:cNvPr>
+                <p14:cNvContentPartPr/>
+                <p14:nvPr/>
+              </p14:nvContentPartPr>
+              <p14:xfrm>
+                <a:off x="2302097" y="2563217"/>
+                <a:ext cx="40680" cy="87840"/>
+              </p14:xfrm>
+            </p:contentPart>
+          </mc:Choice>
+          <mc:Fallback>
+            <p:pic>
+              <p:nvPicPr>
+                <p:cNvPr id="9" name="Ink 8">
+                  <a:extLst>
+                    <a:ext uri="{FF2B5EF4-FFF2-40B4-BE49-F238E27FC236}">
+                      <a16:creationId xmlns:a16="http://schemas.microsoft.com/office/drawing/2014/main" id="{A5924F5F-6275-EA01-62E2-4A3F2B58FC3E}"/>
+                    </a:ext>
+                  </a:extLst>
+                </p:cNvPr>
+                <p:cNvPicPr/>
+                <p:nvPr/>
+              </p:nvPicPr>
+              <p:blipFill>
+                <a:blip r:embed="rId15"/>
+                <a:stretch>
+                  <a:fillRect/>
+                </a:stretch>
+              </p:blipFill>
+              <p:spPr>
+                <a:xfrm>
+                  <a:off x="2284457" y="2545217"/>
+                  <a:ext cx="76320" cy="123480"/>
+                </a:xfrm>
+                <a:prstGeom prst="rect">
+                  <a:avLst/>
+                </a:prstGeom>
+              </p:spPr>
+            </p:pic>
+          </mc:Fallback>
+        </mc:AlternateContent>
+        <mc:AlternateContent xmlns:mc="http://schemas.openxmlformats.org/markup-compatibility/2006">
+          <mc:Choice xmlns:p14="http://schemas.microsoft.com/office/powerpoint/2010/main" Requires="p14">
+            <p:contentPart p14:bwMode="auto" r:id="rId16">
+              <p14:nvContentPartPr>
+                <p14:cNvPr id="10" name="Ink 9">
+                  <a:extLst>
+                    <a:ext uri="{FF2B5EF4-FFF2-40B4-BE49-F238E27FC236}">
+                      <a16:creationId xmlns:a16="http://schemas.microsoft.com/office/drawing/2014/main" id="{0F2B7C4A-BC79-9E71-C0CE-FDF069FD1FDC}"/>
+                    </a:ext>
+                  </a:extLst>
+                </p14:cNvPr>
+                <p14:cNvContentPartPr/>
+                <p14:nvPr/>
+              </p14:nvContentPartPr>
+              <p14:xfrm>
+                <a:off x="2434217" y="2355857"/>
+                <a:ext cx="192240" cy="226800"/>
+              </p14:xfrm>
+            </p:contentPart>
+          </mc:Choice>
+          <mc:Fallback>
+            <p:pic>
+              <p:nvPicPr>
+                <p:cNvPr id="10" name="Ink 9">
+                  <a:extLst>
+                    <a:ext uri="{FF2B5EF4-FFF2-40B4-BE49-F238E27FC236}">
+                      <a16:creationId xmlns:a16="http://schemas.microsoft.com/office/drawing/2014/main" id="{0F2B7C4A-BC79-9E71-C0CE-FDF069FD1FDC}"/>
+                    </a:ext>
+                  </a:extLst>
+                </p:cNvPr>
+                <p:cNvPicPr/>
+                <p:nvPr/>
+              </p:nvPicPr>
+              <p:blipFill>
+                <a:blip r:embed="rId17"/>
+                <a:stretch>
+                  <a:fillRect/>
+                </a:stretch>
+              </p:blipFill>
+              <p:spPr>
+                <a:xfrm>
+                  <a:off x="2416577" y="2337857"/>
+                  <a:ext cx="227880" cy="262440"/>
+                </a:xfrm>
+                <a:prstGeom prst="rect">
+                  <a:avLst/>
+                </a:prstGeom>
+              </p:spPr>
+            </p:pic>
+          </mc:Fallback>
+        </mc:AlternateContent>
+        <mc:AlternateContent xmlns:mc="http://schemas.openxmlformats.org/markup-compatibility/2006">
+          <mc:Choice xmlns:p14="http://schemas.microsoft.com/office/powerpoint/2010/main" Requires="p14">
+            <p:contentPart p14:bwMode="auto" r:id="rId18">
+              <p14:nvContentPartPr>
+                <p14:cNvPr id="11" name="Ink 10">
+                  <a:extLst>
+                    <a:ext uri="{FF2B5EF4-FFF2-40B4-BE49-F238E27FC236}">
+                      <a16:creationId xmlns:a16="http://schemas.microsoft.com/office/drawing/2014/main" id="{FC479C2E-0F8E-884D-29BE-3B92E9973547}"/>
+                    </a:ext>
+                  </a:extLst>
+                </p14:cNvPr>
+                <p14:cNvContentPartPr/>
+                <p14:nvPr/>
+              </p14:nvContentPartPr>
+              <p14:xfrm>
+                <a:off x="2715017" y="2370257"/>
+                <a:ext cx="92880" cy="260280"/>
+              </p14:xfrm>
+            </p:contentPart>
+          </mc:Choice>
+          <mc:Fallback>
+            <p:pic>
+              <p:nvPicPr>
+                <p:cNvPr id="11" name="Ink 10">
+                  <a:extLst>
+                    <a:ext uri="{FF2B5EF4-FFF2-40B4-BE49-F238E27FC236}">
+                      <a16:creationId xmlns:a16="http://schemas.microsoft.com/office/drawing/2014/main" id="{FC479C2E-0F8E-884D-29BE-3B92E9973547}"/>
+                    </a:ext>
+                  </a:extLst>
+                </p:cNvPr>
+                <p:cNvPicPr/>
+                <p:nvPr/>
+              </p:nvPicPr>
+              <p:blipFill>
+                <a:blip r:embed="rId19"/>
+                <a:stretch>
+                  <a:fillRect/>
+                </a:stretch>
+              </p:blipFill>
+              <p:spPr>
+                <a:xfrm>
+                  <a:off x="2697377" y="2352617"/>
+                  <a:ext cx="128520" cy="295920"/>
+                </a:xfrm>
+                <a:prstGeom prst="rect">
+                  <a:avLst/>
+                </a:prstGeom>
+              </p:spPr>
+            </p:pic>
+          </mc:Fallback>
+        </mc:AlternateContent>
+      </p:grpSp>
+      <p:grpSp>
+        <p:nvGrpSpPr>
+          <p:cNvPr id="19" name="Group 18">
+            <a:extLst>
+              <a:ext uri="{FF2B5EF4-FFF2-40B4-BE49-F238E27FC236}">
+                <a16:creationId xmlns:a16="http://schemas.microsoft.com/office/drawing/2014/main" id="{0EE1EC02-8C21-4468-1D7A-51FF6C57D179}"/>
+              </a:ext>
+            </a:extLst>
+          </p:cNvPr>
+          <p:cNvGrpSpPr/>
+          <p:nvPr/>
+        </p:nvGrpSpPr>
+        <p:grpSpPr>
+          <a:xfrm>
+            <a:off x="3019217" y="3473657"/>
+            <a:ext cx="934560" cy="380880"/>
+            <a:chOff x="3019217" y="3473657"/>
+            <a:chExt cx="934560" cy="380880"/>
+          </a:xfrm>
+        </p:grpSpPr>
+        <mc:AlternateContent xmlns:mc="http://schemas.openxmlformats.org/markup-compatibility/2006">
+          <mc:Choice xmlns:p14="http://schemas.microsoft.com/office/powerpoint/2010/main" Requires="p14">
+            <p:contentPart p14:bwMode="auto" r:id="rId20">
+              <p14:nvContentPartPr>
+                <p14:cNvPr id="13" name="Ink 12">
+                  <a:extLst>
+                    <a:ext uri="{FF2B5EF4-FFF2-40B4-BE49-F238E27FC236}">
+                      <a16:creationId xmlns:a16="http://schemas.microsoft.com/office/drawing/2014/main" id="{12124813-3379-78F6-E954-59996130FBEA}"/>
+                    </a:ext>
+                  </a:extLst>
+                </p14:cNvPr>
+                <p14:cNvContentPartPr/>
+                <p14:nvPr/>
+              </p14:nvContentPartPr>
+              <p14:xfrm>
+                <a:off x="3019217" y="3655097"/>
+                <a:ext cx="39960" cy="199440"/>
+              </p14:xfrm>
+            </p:contentPart>
+          </mc:Choice>
+          <mc:Fallback>
+            <p:pic>
+              <p:nvPicPr>
+                <p:cNvPr id="13" name="Ink 12">
+                  <a:extLst>
+                    <a:ext uri="{FF2B5EF4-FFF2-40B4-BE49-F238E27FC236}">
+                      <a16:creationId xmlns:a16="http://schemas.microsoft.com/office/drawing/2014/main" id="{12124813-3379-78F6-E954-59996130FBEA}"/>
+                    </a:ext>
+                  </a:extLst>
+                </p:cNvPr>
+                <p:cNvPicPr/>
+                <p:nvPr/>
+              </p:nvPicPr>
+              <p:blipFill>
+                <a:blip r:embed="rId21"/>
+                <a:stretch>
+                  <a:fillRect/>
+                </a:stretch>
+              </p:blipFill>
+              <p:spPr>
+                <a:xfrm>
+                  <a:off x="3001217" y="3637097"/>
+                  <a:ext cx="75600" cy="235080"/>
+                </a:xfrm>
+                <a:prstGeom prst="rect">
+                  <a:avLst/>
+                </a:prstGeom>
+              </p:spPr>
+            </p:pic>
+          </mc:Fallback>
+        </mc:AlternateContent>
+        <mc:AlternateContent xmlns:mc="http://schemas.openxmlformats.org/markup-compatibility/2006">
+          <mc:Choice xmlns:p14="http://schemas.microsoft.com/office/powerpoint/2010/main" Requires="p14">
+            <p:contentPart p14:bwMode="auto" r:id="rId22">
+              <p14:nvContentPartPr>
+                <p14:cNvPr id="14" name="Ink 13">
+                  <a:extLst>
+                    <a:ext uri="{FF2B5EF4-FFF2-40B4-BE49-F238E27FC236}">
+                      <a16:creationId xmlns:a16="http://schemas.microsoft.com/office/drawing/2014/main" id="{7458BCE4-5EC6-F592-9145-DE54C9091A77}"/>
+                    </a:ext>
+                  </a:extLst>
+                </p14:cNvPr>
+                <p14:cNvContentPartPr/>
+                <p14:nvPr/>
+              </p14:nvContentPartPr>
+              <p14:xfrm>
+                <a:off x="3288857" y="3587777"/>
+                <a:ext cx="32400" cy="6120"/>
+              </p14:xfrm>
+            </p:contentPart>
+          </mc:Choice>
+          <mc:Fallback>
+            <p:pic>
+              <p:nvPicPr>
+                <p:cNvPr id="14" name="Ink 13">
+                  <a:extLst>
+                    <a:ext uri="{FF2B5EF4-FFF2-40B4-BE49-F238E27FC236}">
+                      <a16:creationId xmlns:a16="http://schemas.microsoft.com/office/drawing/2014/main" id="{7458BCE4-5EC6-F592-9145-DE54C9091A77}"/>
+                    </a:ext>
+                  </a:extLst>
+                </p:cNvPr>
+                <p:cNvPicPr/>
+                <p:nvPr/>
+              </p:nvPicPr>
+              <p:blipFill>
+                <a:blip r:embed="rId23"/>
+                <a:stretch>
+                  <a:fillRect/>
+                </a:stretch>
+              </p:blipFill>
+              <p:spPr>
+                <a:xfrm>
+                  <a:off x="3270857" y="3570137"/>
+                  <a:ext cx="68040" cy="41760"/>
+                </a:xfrm>
+                <a:prstGeom prst="rect">
+                  <a:avLst/>
+                </a:prstGeom>
+              </p:spPr>
+            </p:pic>
+          </mc:Fallback>
+        </mc:AlternateContent>
+        <mc:AlternateContent xmlns:mc="http://schemas.openxmlformats.org/markup-compatibility/2006">
+          <mc:Choice xmlns:p14="http://schemas.microsoft.com/office/powerpoint/2010/main" Requires="p14">
+            <p:contentPart p14:bwMode="auto" r:id="rId24">
+              <p14:nvContentPartPr>
+                <p14:cNvPr id="15" name="Ink 14">
+                  <a:extLst>
+                    <a:ext uri="{FF2B5EF4-FFF2-40B4-BE49-F238E27FC236}">
+                      <a16:creationId xmlns:a16="http://schemas.microsoft.com/office/drawing/2014/main" id="{DF3D2294-B550-17BC-EEAC-E64039DD9532}"/>
+                    </a:ext>
+                  </a:extLst>
+                </p14:cNvPr>
+                <p14:cNvContentPartPr/>
+                <p14:nvPr/>
+              </p14:nvContentPartPr>
+              <p14:xfrm>
+                <a:off x="3221537" y="3550697"/>
+                <a:ext cx="142920" cy="216360"/>
+              </p14:xfrm>
+            </p:contentPart>
+          </mc:Choice>
+          <mc:Fallback>
+            <p:pic>
+              <p:nvPicPr>
+                <p:cNvPr id="15" name="Ink 14">
+                  <a:extLst>
+                    <a:ext uri="{FF2B5EF4-FFF2-40B4-BE49-F238E27FC236}">
+                      <a16:creationId xmlns:a16="http://schemas.microsoft.com/office/drawing/2014/main" id="{DF3D2294-B550-17BC-EEAC-E64039DD9532}"/>
+                    </a:ext>
+                  </a:extLst>
+                </p:cNvPr>
+                <p:cNvPicPr/>
+                <p:nvPr/>
+              </p:nvPicPr>
+              <p:blipFill>
+                <a:blip r:embed="rId25"/>
+                <a:stretch>
+                  <a:fillRect/>
+                </a:stretch>
+              </p:blipFill>
+              <p:spPr>
+                <a:xfrm>
+                  <a:off x="3203537" y="3533057"/>
+                  <a:ext cx="178560" cy="252000"/>
+                </a:xfrm>
+                <a:prstGeom prst="rect">
+                  <a:avLst/>
+                </a:prstGeom>
+              </p:spPr>
+            </p:pic>
+          </mc:Fallback>
+        </mc:AlternateContent>
+        <mc:AlternateContent xmlns:mc="http://schemas.openxmlformats.org/markup-compatibility/2006">
+          <mc:Choice xmlns:p14="http://schemas.microsoft.com/office/powerpoint/2010/main" Requires="p14">
+            <p:contentPart p14:bwMode="auto" r:id="rId26">
+              <p14:nvContentPartPr>
+                <p14:cNvPr id="16" name="Ink 15">
+                  <a:extLst>
+                    <a:ext uri="{FF2B5EF4-FFF2-40B4-BE49-F238E27FC236}">
+                      <a16:creationId xmlns:a16="http://schemas.microsoft.com/office/drawing/2014/main" id="{273037E9-5460-B6BC-6998-6067D1E6612E}"/>
+                    </a:ext>
+                  </a:extLst>
+                </p14:cNvPr>
+                <p14:cNvContentPartPr/>
+                <p14:nvPr/>
+              </p14:nvContentPartPr>
+              <p14:xfrm>
+                <a:off x="3447617" y="3743657"/>
+                <a:ext cx="29520" cy="42840"/>
+              </p14:xfrm>
+            </p:contentPart>
+          </mc:Choice>
+          <mc:Fallback>
+            <p:pic>
+              <p:nvPicPr>
+                <p:cNvPr id="16" name="Ink 15">
+                  <a:extLst>
+                    <a:ext uri="{FF2B5EF4-FFF2-40B4-BE49-F238E27FC236}">
+                      <a16:creationId xmlns:a16="http://schemas.microsoft.com/office/drawing/2014/main" id="{273037E9-5460-B6BC-6998-6067D1E6612E}"/>
+                    </a:ext>
+                  </a:extLst>
+                </p:cNvPr>
+                <p:cNvPicPr/>
+                <p:nvPr/>
+              </p:nvPicPr>
+              <p:blipFill>
+                <a:blip r:embed="rId27"/>
+                <a:stretch>
+                  <a:fillRect/>
+                </a:stretch>
+              </p:blipFill>
+              <p:spPr>
+                <a:xfrm>
+                  <a:off x="3429617" y="3725657"/>
+                  <a:ext cx="65160" cy="78480"/>
+                </a:xfrm>
+                <a:prstGeom prst="rect">
+                  <a:avLst/>
+                </a:prstGeom>
+              </p:spPr>
+            </p:pic>
+          </mc:Fallback>
+        </mc:AlternateContent>
+        <mc:AlternateContent xmlns:mc="http://schemas.openxmlformats.org/markup-compatibility/2006">
+          <mc:Choice xmlns:p14="http://schemas.microsoft.com/office/powerpoint/2010/main" Requires="p14">
+            <p:contentPart p14:bwMode="auto" r:id="rId28">
+              <p14:nvContentPartPr>
+                <p14:cNvPr id="17" name="Ink 16">
+                  <a:extLst>
+                    <a:ext uri="{FF2B5EF4-FFF2-40B4-BE49-F238E27FC236}">
+                      <a16:creationId xmlns:a16="http://schemas.microsoft.com/office/drawing/2014/main" id="{DAFEECB8-4E6D-7439-F9E5-8CDC5C730B75}"/>
+                    </a:ext>
+                  </a:extLst>
+                </p14:cNvPr>
+                <p14:cNvContentPartPr/>
+                <p14:nvPr/>
+              </p14:nvContentPartPr>
+              <p14:xfrm>
+                <a:off x="3600617" y="3564017"/>
+                <a:ext cx="110520" cy="149760"/>
+              </p14:xfrm>
+            </p:contentPart>
+          </mc:Choice>
+          <mc:Fallback>
+            <p:pic>
+              <p:nvPicPr>
+                <p:cNvPr id="17" name="Ink 16">
+                  <a:extLst>
+                    <a:ext uri="{FF2B5EF4-FFF2-40B4-BE49-F238E27FC236}">
+                      <a16:creationId xmlns:a16="http://schemas.microsoft.com/office/drawing/2014/main" id="{DAFEECB8-4E6D-7439-F9E5-8CDC5C730B75}"/>
+                    </a:ext>
+                  </a:extLst>
+                </p:cNvPr>
+                <p:cNvPicPr/>
+                <p:nvPr/>
+              </p:nvPicPr>
+              <p:blipFill>
+                <a:blip r:embed="rId29"/>
+                <a:stretch>
+                  <a:fillRect/>
+                </a:stretch>
+              </p:blipFill>
+              <p:spPr>
+                <a:xfrm>
+                  <a:off x="3582617" y="3546017"/>
+                  <a:ext cx="146160" cy="185400"/>
+                </a:xfrm>
+                <a:prstGeom prst="rect">
+                  <a:avLst/>
+                </a:prstGeom>
+              </p:spPr>
+            </p:pic>
+          </mc:Fallback>
+        </mc:AlternateContent>
+        <mc:AlternateContent xmlns:mc="http://schemas.openxmlformats.org/markup-compatibility/2006">
+          <mc:Choice xmlns:p14="http://schemas.microsoft.com/office/powerpoint/2010/main" Requires="p14">
+            <p:contentPart p14:bwMode="auto" r:id="rId30">
+              <p14:nvContentPartPr>
+                <p14:cNvPr id="18" name="Ink 17">
+                  <a:extLst>
+                    <a:ext uri="{FF2B5EF4-FFF2-40B4-BE49-F238E27FC236}">
+                      <a16:creationId xmlns:a16="http://schemas.microsoft.com/office/drawing/2014/main" id="{86F719CC-EBDC-CC52-D450-3398211E001E}"/>
+                    </a:ext>
+                  </a:extLst>
+                </p14:cNvPr>
+                <p14:cNvContentPartPr/>
+                <p14:nvPr/>
+              </p14:nvContentPartPr>
+              <p14:xfrm>
+                <a:off x="3826697" y="3473657"/>
+                <a:ext cx="127080" cy="284400"/>
+              </p14:xfrm>
+            </p:contentPart>
+          </mc:Choice>
+          <mc:Fallback>
+            <p:pic>
+              <p:nvPicPr>
+                <p:cNvPr id="18" name="Ink 17">
+                  <a:extLst>
+                    <a:ext uri="{FF2B5EF4-FFF2-40B4-BE49-F238E27FC236}">
+                      <a16:creationId xmlns:a16="http://schemas.microsoft.com/office/drawing/2014/main" id="{86F719CC-EBDC-CC52-D450-3398211E001E}"/>
+                    </a:ext>
+                  </a:extLst>
+                </p:cNvPr>
+                <p:cNvPicPr/>
+                <p:nvPr/>
+              </p:nvPicPr>
+              <p:blipFill>
+                <a:blip r:embed="rId31"/>
+                <a:stretch>
+                  <a:fillRect/>
+                </a:stretch>
+              </p:blipFill>
+              <p:spPr>
+                <a:xfrm>
+                  <a:off x="3808697" y="3455657"/>
+                  <a:ext cx="162720" cy="320040"/>
+                </a:xfrm>
+                <a:prstGeom prst="rect">
+                  <a:avLst/>
+                </a:prstGeom>
+              </p:spPr>
+            </p:pic>
+          </mc:Fallback>
+        </mc:AlternateContent>
+      </p:grpSp>
+      <mc:AlternateContent xmlns:mc="http://schemas.openxmlformats.org/markup-compatibility/2006">
+        <mc:Choice xmlns:p14="http://schemas.microsoft.com/office/powerpoint/2010/main" Requires="p14">
+          <p:contentPart p14:bwMode="auto" r:id="rId32">
+            <p14:nvContentPartPr>
+              <p14:cNvPr id="4" name="Ink 3">
+                <a:extLst>
+                  <a:ext uri="{FF2B5EF4-FFF2-40B4-BE49-F238E27FC236}">
+                    <a16:creationId xmlns:a16="http://schemas.microsoft.com/office/drawing/2014/main" id="{27D26F94-A0CF-8891-61AF-C4D4E9EF957C}"/>
+                  </a:ext>
+                </a:extLst>
+              </p14:cNvPr>
+              <p14:cNvContentPartPr/>
+              <p14:nvPr/>
+            </p14:nvContentPartPr>
+            <p14:xfrm>
+              <a:off x="45257" y="4840937"/>
+              <a:ext cx="164160" cy="597600"/>
+            </p14:xfrm>
+          </p:contentPart>
+        </mc:Choice>
+        <mc:Fallback>
+          <p:pic>
+            <p:nvPicPr>
+              <p:cNvPr id="4" name="Ink 3">
+                <a:extLst>
+                  <a:ext uri="{FF2B5EF4-FFF2-40B4-BE49-F238E27FC236}">
+                    <a16:creationId xmlns:a16="http://schemas.microsoft.com/office/drawing/2014/main" id="{27D26F94-A0CF-8891-61AF-C4D4E9EF957C}"/>
+                  </a:ext>
+                </a:extLst>
+              </p:cNvPr>
+              <p:cNvPicPr/>
+              <p:nvPr/>
+            </p:nvPicPr>
+            <p:blipFill>
+              <a:blip r:embed="rId33"/>
+              <a:stretch>
+                <a:fillRect/>
+              </a:stretch>
+            </p:blipFill>
+            <p:spPr>
+              <a:xfrm>
+                <a:off x="27257" y="4823297"/>
+                <a:ext cx="199800" cy="633240"/>
+              </a:xfrm>
+              <a:prstGeom prst="rect">
+                <a:avLst/>
+              </a:prstGeom>
+            </p:spPr>
+          </p:pic>
+        </mc:Fallback>
+      </mc:AlternateContent>
+      <mc:AlternateContent xmlns:mc="http://schemas.openxmlformats.org/markup-compatibility/2006">
+        <mc:Choice xmlns:p14="http://schemas.microsoft.com/office/powerpoint/2010/main" Requires="p14">
+          <p:contentPart p14:bwMode="auto" r:id="rId34">
+            <p14:nvContentPartPr>
+              <p14:cNvPr id="5" name="Ink 4">
+                <a:extLst>
+                  <a:ext uri="{FF2B5EF4-FFF2-40B4-BE49-F238E27FC236}">
+                    <a16:creationId xmlns:a16="http://schemas.microsoft.com/office/drawing/2014/main" id="{C5F41A4D-7646-9481-AEE4-B05BCCFBEFD0}"/>
+                  </a:ext>
+                </a:extLst>
+              </p14:cNvPr>
+              <p14:cNvContentPartPr/>
+              <p14:nvPr/>
+            </p14:nvContentPartPr>
+            <p14:xfrm>
+              <a:off x="247217" y="4820777"/>
+              <a:ext cx="2346840" cy="34920"/>
+            </p14:xfrm>
+          </p:contentPart>
+        </mc:Choice>
+        <mc:Fallback>
+          <p:pic>
+            <p:nvPicPr>
+              <p:cNvPr id="5" name="Ink 4">
+                <a:extLst>
+                  <a:ext uri="{FF2B5EF4-FFF2-40B4-BE49-F238E27FC236}">
+                    <a16:creationId xmlns:a16="http://schemas.microsoft.com/office/drawing/2014/main" id="{C5F41A4D-7646-9481-AEE4-B05BCCFBEFD0}"/>
+                  </a:ext>
+                </a:extLst>
+              </p:cNvPr>
+              <p:cNvPicPr/>
+              <p:nvPr/>
+            </p:nvPicPr>
+            <p:blipFill>
+              <a:blip r:embed="rId35"/>
+              <a:stretch>
+                <a:fillRect/>
+              </a:stretch>
+            </p:blipFill>
+            <p:spPr>
+              <a:xfrm>
+                <a:off x="229217" y="4803137"/>
+                <a:ext cx="2382480" cy="70560"/>
+              </a:xfrm>
+              <a:prstGeom prst="rect">
+                <a:avLst/>
+              </a:prstGeom>
+            </p:spPr>
+          </p:pic>
+        </mc:Fallback>
+      </mc:AlternateContent>
+      <p:grpSp>
+        <p:nvGrpSpPr>
+          <p:cNvPr id="41" name="Group 40">
+            <a:extLst>
+              <a:ext uri="{FF2B5EF4-FFF2-40B4-BE49-F238E27FC236}">
+                <a16:creationId xmlns:a16="http://schemas.microsoft.com/office/drawing/2014/main" id="{570E01A9-269C-F698-865C-8101FE03BBFF}"/>
+              </a:ext>
+            </a:extLst>
+          </p:cNvPr>
+          <p:cNvGrpSpPr/>
+          <p:nvPr/>
+        </p:nvGrpSpPr>
+        <p:grpSpPr>
+          <a:xfrm>
+            <a:off x="504617" y="4933457"/>
+            <a:ext cx="1651680" cy="491400"/>
+            <a:chOff x="504617" y="4933457"/>
+            <a:chExt cx="1651680" cy="491400"/>
+          </a:xfrm>
+        </p:grpSpPr>
+        <mc:AlternateContent xmlns:mc="http://schemas.openxmlformats.org/markup-compatibility/2006">
+          <mc:Choice xmlns:p14="http://schemas.microsoft.com/office/powerpoint/2010/main" Requires="p14">
+            <p:contentPart p14:bwMode="auto" r:id="rId36">
+              <p14:nvContentPartPr>
+                <p14:cNvPr id="20" name="Ink 19">
+                  <a:extLst>
+                    <a:ext uri="{FF2B5EF4-FFF2-40B4-BE49-F238E27FC236}">
+                      <a16:creationId xmlns:a16="http://schemas.microsoft.com/office/drawing/2014/main" id="{0795E1BF-4ED2-1D2E-D15D-E9EDA451065B}"/>
+                    </a:ext>
+                  </a:extLst>
+                </p14:cNvPr>
+                <p14:cNvContentPartPr/>
+                <p14:nvPr/>
+              </p14:nvContentPartPr>
+              <p14:xfrm>
+                <a:off x="504617" y="5010137"/>
+                <a:ext cx="211680" cy="344520"/>
+              </p14:xfrm>
+            </p:contentPart>
+          </mc:Choice>
+          <mc:Fallback>
+            <p:pic>
+              <p:nvPicPr>
+                <p:cNvPr id="20" name="Ink 19">
+                  <a:extLst>
+                    <a:ext uri="{FF2B5EF4-FFF2-40B4-BE49-F238E27FC236}">
+                      <a16:creationId xmlns:a16="http://schemas.microsoft.com/office/drawing/2014/main" id="{0795E1BF-4ED2-1D2E-D15D-E9EDA451065B}"/>
+                    </a:ext>
+                  </a:extLst>
+                </p:cNvPr>
+                <p:cNvPicPr/>
+                <p:nvPr/>
+              </p:nvPicPr>
+              <p:blipFill>
+                <a:blip r:embed="rId37"/>
+                <a:stretch>
+                  <a:fillRect/>
+                </a:stretch>
+              </p:blipFill>
+              <p:spPr>
+                <a:xfrm>
+                  <a:off x="486617" y="4992137"/>
+                  <a:ext cx="247320" cy="380160"/>
+                </a:xfrm>
+                <a:prstGeom prst="rect">
+                  <a:avLst/>
+                </a:prstGeom>
+              </p:spPr>
+            </p:pic>
+          </mc:Fallback>
+        </mc:AlternateContent>
+        <mc:AlternateContent xmlns:mc="http://schemas.openxmlformats.org/markup-compatibility/2006">
+          <mc:Choice xmlns:p14="http://schemas.microsoft.com/office/powerpoint/2010/main" Requires="p14">
+            <p:contentPart p14:bwMode="auto" r:id="rId38">
+              <p14:nvContentPartPr>
+                <p14:cNvPr id="21" name="Ink 20">
+                  <a:extLst>
+                    <a:ext uri="{FF2B5EF4-FFF2-40B4-BE49-F238E27FC236}">
+                      <a16:creationId xmlns:a16="http://schemas.microsoft.com/office/drawing/2014/main" id="{63597055-418F-6DCA-53C9-1DBAACB051A4}"/>
+                    </a:ext>
+                  </a:extLst>
+                </p14:cNvPr>
+                <p14:cNvContentPartPr/>
+                <p14:nvPr/>
+              </p14:nvContentPartPr>
+              <p14:xfrm>
+                <a:off x="930497" y="4933457"/>
+                <a:ext cx="205920" cy="174600"/>
+              </p14:xfrm>
+            </p:contentPart>
+          </mc:Choice>
+          <mc:Fallback>
+            <p:pic>
+              <p:nvPicPr>
+                <p:cNvPr id="21" name="Ink 20">
+                  <a:extLst>
+                    <a:ext uri="{FF2B5EF4-FFF2-40B4-BE49-F238E27FC236}">
+                      <a16:creationId xmlns:a16="http://schemas.microsoft.com/office/drawing/2014/main" id="{63597055-418F-6DCA-53C9-1DBAACB051A4}"/>
+                    </a:ext>
+                  </a:extLst>
+                </p:cNvPr>
+                <p:cNvPicPr/>
+                <p:nvPr/>
+              </p:nvPicPr>
+              <p:blipFill>
+                <a:blip r:embed="rId39"/>
+                <a:stretch>
+                  <a:fillRect/>
+                </a:stretch>
+              </p:blipFill>
+              <p:spPr>
+                <a:xfrm>
+                  <a:off x="912857" y="4915817"/>
+                  <a:ext cx="241560" cy="210240"/>
+                </a:xfrm>
+                <a:prstGeom prst="rect">
+                  <a:avLst/>
+                </a:prstGeom>
+              </p:spPr>
+            </p:pic>
+          </mc:Fallback>
+        </mc:AlternateContent>
+        <mc:AlternateContent xmlns:mc="http://schemas.openxmlformats.org/markup-compatibility/2006">
+          <mc:Choice xmlns:p14="http://schemas.microsoft.com/office/powerpoint/2010/main" Requires="p14">
+            <p:contentPart p14:bwMode="auto" r:id="rId40">
+              <p14:nvContentPartPr>
+                <p14:cNvPr id="22" name="Ink 21">
+                  <a:extLst>
+                    <a:ext uri="{FF2B5EF4-FFF2-40B4-BE49-F238E27FC236}">
+                      <a16:creationId xmlns:a16="http://schemas.microsoft.com/office/drawing/2014/main" id="{E9DC3DD4-11C7-1F79-C6CB-CBCE1C3F8AC4}"/>
+                    </a:ext>
+                  </a:extLst>
+                </p14:cNvPr>
+                <p14:cNvContentPartPr/>
+                <p14:nvPr/>
+              </p14:nvContentPartPr>
+              <p14:xfrm>
+                <a:off x="1162697" y="5256737"/>
+                <a:ext cx="330120" cy="32040"/>
+              </p14:xfrm>
+            </p:contentPart>
+          </mc:Choice>
+          <mc:Fallback>
+            <p:pic>
+              <p:nvPicPr>
+                <p:cNvPr id="22" name="Ink 21">
+                  <a:extLst>
+                    <a:ext uri="{FF2B5EF4-FFF2-40B4-BE49-F238E27FC236}">
+                      <a16:creationId xmlns:a16="http://schemas.microsoft.com/office/drawing/2014/main" id="{E9DC3DD4-11C7-1F79-C6CB-CBCE1C3F8AC4}"/>
+                    </a:ext>
+                  </a:extLst>
+                </p:cNvPr>
+                <p:cNvPicPr/>
+                <p:nvPr/>
+              </p:nvPicPr>
+              <p:blipFill>
+                <a:blip r:embed="rId41"/>
+                <a:stretch>
+                  <a:fillRect/>
+                </a:stretch>
+              </p:blipFill>
+              <p:spPr>
+                <a:xfrm>
+                  <a:off x="1145057" y="5239097"/>
+                  <a:ext cx="365760" cy="67680"/>
+                </a:xfrm>
+                <a:prstGeom prst="rect">
+                  <a:avLst/>
+                </a:prstGeom>
+              </p:spPr>
+            </p:pic>
+          </mc:Fallback>
+        </mc:AlternateContent>
+        <mc:AlternateContent xmlns:mc="http://schemas.openxmlformats.org/markup-compatibility/2006">
+          <mc:Choice xmlns:p14="http://schemas.microsoft.com/office/powerpoint/2010/main" Requires="p14">
+            <p:contentPart p14:bwMode="auto" r:id="rId42">
+              <p14:nvContentPartPr>
+                <p14:cNvPr id="23" name="Ink 22">
+                  <a:extLst>
+                    <a:ext uri="{FF2B5EF4-FFF2-40B4-BE49-F238E27FC236}">
+                      <a16:creationId xmlns:a16="http://schemas.microsoft.com/office/drawing/2014/main" id="{FB8F9FE1-05B0-4B62-EEB0-484546E1412B}"/>
+                    </a:ext>
+                  </a:extLst>
+                </p14:cNvPr>
+                <p14:cNvContentPartPr/>
+                <p14:nvPr/>
+              </p14:nvContentPartPr>
+              <p14:xfrm>
+                <a:off x="1350257" y="5152337"/>
+                <a:ext cx="65520" cy="272520"/>
+              </p14:xfrm>
+            </p:contentPart>
+          </mc:Choice>
+          <mc:Fallback>
+            <p:pic>
+              <p:nvPicPr>
+                <p:cNvPr id="23" name="Ink 22">
+                  <a:extLst>
+                    <a:ext uri="{FF2B5EF4-FFF2-40B4-BE49-F238E27FC236}">
+                      <a16:creationId xmlns:a16="http://schemas.microsoft.com/office/drawing/2014/main" id="{FB8F9FE1-05B0-4B62-EEB0-484546E1412B}"/>
+                    </a:ext>
+                  </a:extLst>
+                </p:cNvPr>
+                <p:cNvPicPr/>
+                <p:nvPr/>
+              </p:nvPicPr>
+              <p:blipFill>
+                <a:blip r:embed="rId43"/>
+                <a:stretch>
+                  <a:fillRect/>
+                </a:stretch>
+              </p:blipFill>
+              <p:spPr>
+                <a:xfrm>
+                  <a:off x="1332257" y="5134337"/>
+                  <a:ext cx="101160" cy="308160"/>
+                </a:xfrm>
+                <a:prstGeom prst="rect">
+                  <a:avLst/>
+                </a:prstGeom>
+              </p:spPr>
+            </p:pic>
+          </mc:Fallback>
+        </mc:AlternateContent>
+        <mc:AlternateContent xmlns:mc="http://schemas.openxmlformats.org/markup-compatibility/2006">
+          <mc:Choice xmlns:p14="http://schemas.microsoft.com/office/powerpoint/2010/main" Requires="p14">
+            <p:contentPart p14:bwMode="auto" r:id="rId44">
+              <p14:nvContentPartPr>
+                <p14:cNvPr id="25" name="Ink 24">
+                  <a:extLst>
+                    <a:ext uri="{FF2B5EF4-FFF2-40B4-BE49-F238E27FC236}">
+                      <a16:creationId xmlns:a16="http://schemas.microsoft.com/office/drawing/2014/main" id="{E4C1EFBC-00F3-978F-E391-7EA1318B4A61}"/>
+                    </a:ext>
+                  </a:extLst>
+                </p14:cNvPr>
+                <p14:cNvContentPartPr/>
+                <p14:nvPr/>
+              </p14:nvContentPartPr>
+              <p14:xfrm>
+                <a:off x="1681457" y="5054417"/>
+                <a:ext cx="232560" cy="257040"/>
+              </p14:xfrm>
+            </p:contentPart>
+          </mc:Choice>
+          <mc:Fallback>
+            <p:pic>
+              <p:nvPicPr>
+                <p:cNvPr id="25" name="Ink 24">
+                  <a:extLst>
+                    <a:ext uri="{FF2B5EF4-FFF2-40B4-BE49-F238E27FC236}">
+                      <a16:creationId xmlns:a16="http://schemas.microsoft.com/office/drawing/2014/main" id="{E4C1EFBC-00F3-978F-E391-7EA1318B4A61}"/>
+                    </a:ext>
+                  </a:extLst>
+                </p:cNvPr>
+                <p:cNvPicPr/>
+                <p:nvPr/>
+              </p:nvPicPr>
+              <p:blipFill>
+                <a:blip r:embed="rId45"/>
+                <a:stretch>
+                  <a:fillRect/>
+                </a:stretch>
+              </p:blipFill>
+              <p:spPr>
+                <a:xfrm>
+                  <a:off x="1663457" y="5036417"/>
+                  <a:ext cx="268200" cy="292680"/>
+                </a:xfrm>
+                <a:prstGeom prst="rect">
+                  <a:avLst/>
+                </a:prstGeom>
+              </p:spPr>
+            </p:pic>
+          </mc:Fallback>
+        </mc:AlternateContent>
+        <mc:AlternateContent xmlns:mc="http://schemas.openxmlformats.org/markup-compatibility/2006">
+          <mc:Choice xmlns:p14="http://schemas.microsoft.com/office/powerpoint/2010/main" Requires="p14">
+            <p:contentPart p14:bwMode="auto" r:id="rId46">
+              <p14:nvContentPartPr>
+                <p14:cNvPr id="26" name="Ink 25">
+                  <a:extLst>
+                    <a:ext uri="{FF2B5EF4-FFF2-40B4-BE49-F238E27FC236}">
+                      <a16:creationId xmlns:a16="http://schemas.microsoft.com/office/drawing/2014/main" id="{3839F543-0C0D-BFF9-35E8-9FD0FC1FF57C}"/>
+                    </a:ext>
+                  </a:extLst>
+                </p14:cNvPr>
+                <p14:cNvContentPartPr/>
+                <p14:nvPr/>
+              </p14:nvContentPartPr>
+              <p14:xfrm>
+                <a:off x="2041097" y="4976657"/>
+                <a:ext cx="115200" cy="115920"/>
+              </p14:xfrm>
+            </p:contentPart>
+          </mc:Choice>
+          <mc:Fallback>
+            <p:pic>
+              <p:nvPicPr>
+                <p:cNvPr id="26" name="Ink 25">
+                  <a:extLst>
+                    <a:ext uri="{FF2B5EF4-FFF2-40B4-BE49-F238E27FC236}">
+                      <a16:creationId xmlns:a16="http://schemas.microsoft.com/office/drawing/2014/main" id="{3839F543-0C0D-BFF9-35E8-9FD0FC1FF57C}"/>
+                    </a:ext>
+                  </a:extLst>
+                </p:cNvPr>
+                <p:cNvPicPr/>
+                <p:nvPr/>
+              </p:nvPicPr>
+              <p:blipFill>
+                <a:blip r:embed="rId47"/>
+                <a:stretch>
+                  <a:fillRect/>
+                </a:stretch>
+              </p:blipFill>
+              <p:spPr>
+                <a:xfrm>
+                  <a:off x="2023457" y="4958657"/>
+                  <a:ext cx="150840" cy="151560"/>
+                </a:xfrm>
+                <a:prstGeom prst="rect">
+                  <a:avLst/>
+                </a:prstGeom>
+              </p:spPr>
+            </p:pic>
+          </mc:Fallback>
+        </mc:AlternateContent>
+      </p:grpSp>
+      <p:grpSp>
+        <p:nvGrpSpPr>
+          <p:cNvPr id="46" name="Group 45">
+            <a:extLst>
+              <a:ext uri="{FF2B5EF4-FFF2-40B4-BE49-F238E27FC236}">
+                <a16:creationId xmlns:a16="http://schemas.microsoft.com/office/drawing/2014/main" id="{D19EC53B-8319-9F84-F9B5-060C5D041641}"/>
+              </a:ext>
+            </a:extLst>
+          </p:cNvPr>
+          <p:cNvGrpSpPr/>
+          <p:nvPr/>
+        </p:nvGrpSpPr>
+        <p:grpSpPr>
+          <a:xfrm>
+            <a:off x="103577" y="5561657"/>
+            <a:ext cx="1989000" cy="415440"/>
+            <a:chOff x="103577" y="5561657"/>
+            <a:chExt cx="1989000" cy="415440"/>
+          </a:xfrm>
+        </p:grpSpPr>
+        <mc:AlternateContent xmlns:mc="http://schemas.openxmlformats.org/markup-compatibility/2006">
+          <mc:Choice xmlns:p14="http://schemas.microsoft.com/office/powerpoint/2010/main" Requires="p14">
+            <p:contentPart p14:bwMode="auto" r:id="rId48">
+              <p14:nvContentPartPr>
+                <p14:cNvPr id="27" name="Ink 26">
+                  <a:extLst>
+                    <a:ext uri="{FF2B5EF4-FFF2-40B4-BE49-F238E27FC236}">
+                      <a16:creationId xmlns:a16="http://schemas.microsoft.com/office/drawing/2014/main" id="{7339814F-1FB7-2F88-9F58-0C5311F18ADF}"/>
+                    </a:ext>
+                  </a:extLst>
+                </p14:cNvPr>
+                <p14:cNvContentPartPr/>
+                <p14:nvPr/>
+              </p14:nvContentPartPr>
+              <p14:xfrm>
+                <a:off x="103577" y="5688737"/>
+                <a:ext cx="190440" cy="5040"/>
+              </p14:xfrm>
+            </p:contentPart>
+          </mc:Choice>
+          <mc:Fallback>
+            <p:pic>
+              <p:nvPicPr>
+                <p:cNvPr id="27" name="Ink 26">
+                  <a:extLst>
+                    <a:ext uri="{FF2B5EF4-FFF2-40B4-BE49-F238E27FC236}">
+                      <a16:creationId xmlns:a16="http://schemas.microsoft.com/office/drawing/2014/main" id="{7339814F-1FB7-2F88-9F58-0C5311F18ADF}"/>
+                    </a:ext>
+                  </a:extLst>
+                </p:cNvPr>
+                <p:cNvPicPr/>
+                <p:nvPr/>
+              </p:nvPicPr>
+              <p:blipFill>
+                <a:blip r:embed="rId49"/>
+                <a:stretch>
+                  <a:fillRect/>
+                </a:stretch>
+              </p:blipFill>
+              <p:spPr>
+                <a:xfrm>
+                  <a:off x="85937" y="5670737"/>
+                  <a:ext cx="226080" cy="40680"/>
+                </a:xfrm>
+                <a:prstGeom prst="rect">
+                  <a:avLst/>
+                </a:prstGeom>
+              </p:spPr>
+            </p:pic>
+          </mc:Fallback>
+        </mc:AlternateContent>
+        <mc:AlternateContent xmlns:mc="http://schemas.openxmlformats.org/markup-compatibility/2006">
+          <mc:Choice xmlns:p14="http://schemas.microsoft.com/office/powerpoint/2010/main" Requires="p14">
+            <p:contentPart p14:bwMode="auto" r:id="rId50">
+              <p14:nvContentPartPr>
+                <p14:cNvPr id="28" name="Ink 27">
+                  <a:extLst>
+                    <a:ext uri="{FF2B5EF4-FFF2-40B4-BE49-F238E27FC236}">
+                      <a16:creationId xmlns:a16="http://schemas.microsoft.com/office/drawing/2014/main" id="{F80C9D7B-5038-C945-491A-43682D3D71AB}"/>
+                    </a:ext>
+                  </a:extLst>
+                </p14:cNvPr>
+                <p14:cNvContentPartPr/>
+                <p14:nvPr/>
+              </p14:nvContentPartPr>
+              <p14:xfrm>
+                <a:off x="161897" y="5786297"/>
+                <a:ext cx="189720" cy="5760"/>
+              </p14:xfrm>
+            </p:contentPart>
+          </mc:Choice>
+          <mc:Fallback>
+            <p:pic>
+              <p:nvPicPr>
+                <p:cNvPr id="28" name="Ink 27">
+                  <a:extLst>
+                    <a:ext uri="{FF2B5EF4-FFF2-40B4-BE49-F238E27FC236}">
+                      <a16:creationId xmlns:a16="http://schemas.microsoft.com/office/drawing/2014/main" id="{F80C9D7B-5038-C945-491A-43682D3D71AB}"/>
+                    </a:ext>
+                  </a:extLst>
+                </p:cNvPr>
+                <p:cNvPicPr/>
+                <p:nvPr/>
+              </p:nvPicPr>
+              <p:blipFill>
+                <a:blip r:embed="rId51"/>
+                <a:stretch>
+                  <a:fillRect/>
+                </a:stretch>
+              </p:blipFill>
+              <p:spPr>
+                <a:xfrm>
+                  <a:off x="144257" y="5768657"/>
+                  <a:ext cx="225360" cy="41400"/>
+                </a:xfrm>
+                <a:prstGeom prst="rect">
+                  <a:avLst/>
+                </a:prstGeom>
+              </p:spPr>
+            </p:pic>
+          </mc:Fallback>
+        </mc:AlternateContent>
+        <mc:AlternateContent xmlns:mc="http://schemas.openxmlformats.org/markup-compatibility/2006">
+          <mc:Choice xmlns:p14="http://schemas.microsoft.com/office/powerpoint/2010/main" Requires="p14">
+            <p:contentPart p14:bwMode="auto" r:id="rId52">
+              <p14:nvContentPartPr>
+                <p14:cNvPr id="29" name="Ink 28">
+                  <a:extLst>
+                    <a:ext uri="{FF2B5EF4-FFF2-40B4-BE49-F238E27FC236}">
+                      <a16:creationId xmlns:a16="http://schemas.microsoft.com/office/drawing/2014/main" id="{55B3FF90-A5D4-B544-6F4B-BBE96AB49C17}"/>
+                    </a:ext>
+                  </a:extLst>
+                </p14:cNvPr>
+                <p14:cNvContentPartPr/>
+                <p14:nvPr/>
+              </p14:nvContentPartPr>
+              <p14:xfrm>
+                <a:off x="476177" y="5621417"/>
+                <a:ext cx="223200" cy="227160"/>
+              </p14:xfrm>
+            </p:contentPart>
+          </mc:Choice>
+          <mc:Fallback>
+            <p:pic>
+              <p:nvPicPr>
+                <p:cNvPr id="29" name="Ink 28">
+                  <a:extLst>
+                    <a:ext uri="{FF2B5EF4-FFF2-40B4-BE49-F238E27FC236}">
+                      <a16:creationId xmlns:a16="http://schemas.microsoft.com/office/drawing/2014/main" id="{55B3FF90-A5D4-B544-6F4B-BBE96AB49C17}"/>
+                    </a:ext>
+                  </a:extLst>
+                </p:cNvPr>
+                <p:cNvPicPr/>
+                <p:nvPr/>
+              </p:nvPicPr>
+              <p:blipFill>
+                <a:blip r:embed="rId53"/>
+                <a:stretch>
+                  <a:fillRect/>
+                </a:stretch>
+              </p:blipFill>
+              <p:spPr>
+                <a:xfrm>
+                  <a:off x="458177" y="5603417"/>
+                  <a:ext cx="258840" cy="262800"/>
+                </a:xfrm>
+                <a:prstGeom prst="rect">
+                  <a:avLst/>
+                </a:prstGeom>
+              </p:spPr>
+            </p:pic>
+          </mc:Fallback>
+        </mc:AlternateContent>
+        <mc:AlternateContent xmlns:mc="http://schemas.openxmlformats.org/markup-compatibility/2006">
+          <mc:Choice xmlns:p14="http://schemas.microsoft.com/office/powerpoint/2010/main" Requires="p14">
+            <p:contentPart p14:bwMode="auto" r:id="rId54">
+              <p14:nvContentPartPr>
+                <p14:cNvPr id="30" name="Ink 29">
+                  <a:extLst>
+                    <a:ext uri="{FF2B5EF4-FFF2-40B4-BE49-F238E27FC236}">
+                      <a16:creationId xmlns:a16="http://schemas.microsoft.com/office/drawing/2014/main" id="{67B805DD-C915-BC9D-2499-A7D0674CA1EF}"/>
+                    </a:ext>
+                  </a:extLst>
+                </p14:cNvPr>
+                <p14:cNvContentPartPr/>
+                <p14:nvPr/>
+              </p14:nvContentPartPr>
+              <p14:xfrm>
+                <a:off x="789017" y="5579297"/>
+                <a:ext cx="61560" cy="229680"/>
+              </p14:xfrm>
+            </p:contentPart>
+          </mc:Choice>
+          <mc:Fallback>
+            <p:pic>
+              <p:nvPicPr>
+                <p:cNvPr id="30" name="Ink 29">
+                  <a:extLst>
+                    <a:ext uri="{FF2B5EF4-FFF2-40B4-BE49-F238E27FC236}">
+                      <a16:creationId xmlns:a16="http://schemas.microsoft.com/office/drawing/2014/main" id="{67B805DD-C915-BC9D-2499-A7D0674CA1EF}"/>
+                    </a:ext>
+                  </a:extLst>
+                </p:cNvPr>
+                <p:cNvPicPr/>
+                <p:nvPr/>
+              </p:nvPicPr>
+              <p:blipFill>
+                <a:blip r:embed="rId55"/>
+                <a:stretch>
+                  <a:fillRect/>
+                </a:stretch>
+              </p:blipFill>
+              <p:spPr>
+                <a:xfrm>
+                  <a:off x="771377" y="5561657"/>
+                  <a:ext cx="97200" cy="265320"/>
+                </a:xfrm>
+                <a:prstGeom prst="rect">
+                  <a:avLst/>
+                </a:prstGeom>
+              </p:spPr>
+            </p:pic>
+          </mc:Fallback>
+        </mc:AlternateContent>
+        <mc:AlternateContent xmlns:mc="http://schemas.openxmlformats.org/markup-compatibility/2006">
+          <mc:Choice xmlns:p14="http://schemas.microsoft.com/office/powerpoint/2010/main" Requires="p14">
+            <p:contentPart p14:bwMode="auto" r:id="rId56">
+              <p14:nvContentPartPr>
+                <p14:cNvPr id="31" name="Ink 30">
+                  <a:extLst>
+                    <a:ext uri="{FF2B5EF4-FFF2-40B4-BE49-F238E27FC236}">
+                      <a16:creationId xmlns:a16="http://schemas.microsoft.com/office/drawing/2014/main" id="{ADCD8366-D85D-52FC-2434-F7B3FA7C90BC}"/>
+                    </a:ext>
+                  </a:extLst>
+                </p14:cNvPr>
+                <p14:cNvContentPartPr/>
+                <p14:nvPr/>
+              </p14:nvContentPartPr>
+              <p14:xfrm>
+                <a:off x="887657" y="5561657"/>
+                <a:ext cx="264960" cy="45000"/>
+              </p14:xfrm>
+            </p:contentPart>
+          </mc:Choice>
+          <mc:Fallback>
+            <p:pic>
+              <p:nvPicPr>
+                <p:cNvPr id="31" name="Ink 30">
+                  <a:extLst>
+                    <a:ext uri="{FF2B5EF4-FFF2-40B4-BE49-F238E27FC236}">
+                      <a16:creationId xmlns:a16="http://schemas.microsoft.com/office/drawing/2014/main" id="{ADCD8366-D85D-52FC-2434-F7B3FA7C90BC}"/>
+                    </a:ext>
+                  </a:extLst>
+                </p:cNvPr>
+                <p:cNvPicPr/>
+                <p:nvPr/>
+              </p:nvPicPr>
+              <p:blipFill>
+                <a:blip r:embed="rId57"/>
+                <a:stretch>
+                  <a:fillRect/>
+                </a:stretch>
+              </p:blipFill>
+              <p:spPr>
+                <a:xfrm>
+                  <a:off x="870017" y="5543657"/>
+                  <a:ext cx="300600" cy="80640"/>
+                </a:xfrm>
+                <a:prstGeom prst="rect">
+                  <a:avLst/>
+                </a:prstGeom>
+              </p:spPr>
+            </p:pic>
+          </mc:Fallback>
+        </mc:AlternateContent>
+        <mc:AlternateContent xmlns:mc="http://schemas.openxmlformats.org/markup-compatibility/2006">
+          <mc:Choice xmlns:p14="http://schemas.microsoft.com/office/powerpoint/2010/main" Requires="p14">
+            <p:contentPart p14:bwMode="auto" r:id="rId58">
+              <p14:nvContentPartPr>
+                <p14:cNvPr id="32" name="Ink 31">
+                  <a:extLst>
+                    <a:ext uri="{FF2B5EF4-FFF2-40B4-BE49-F238E27FC236}">
+                      <a16:creationId xmlns:a16="http://schemas.microsoft.com/office/drawing/2014/main" id="{23E4A4F4-189C-41C3-F56F-C14097AE7986}"/>
+                    </a:ext>
+                  </a:extLst>
+                </p14:cNvPr>
+                <p14:cNvContentPartPr/>
+                <p14:nvPr/>
+              </p14:nvContentPartPr>
+              <p14:xfrm>
+                <a:off x="978737" y="5683697"/>
+                <a:ext cx="118800" cy="148680"/>
+              </p14:xfrm>
+            </p:contentPart>
+          </mc:Choice>
+          <mc:Fallback>
+            <p:pic>
+              <p:nvPicPr>
+                <p:cNvPr id="32" name="Ink 31">
+                  <a:extLst>
+                    <a:ext uri="{FF2B5EF4-FFF2-40B4-BE49-F238E27FC236}">
+                      <a16:creationId xmlns:a16="http://schemas.microsoft.com/office/drawing/2014/main" id="{23E4A4F4-189C-41C3-F56F-C14097AE7986}"/>
+                    </a:ext>
+                  </a:extLst>
+                </p:cNvPr>
+                <p:cNvPicPr/>
+                <p:nvPr/>
+              </p:nvPicPr>
+              <p:blipFill>
+                <a:blip r:embed="rId59"/>
+                <a:stretch>
+                  <a:fillRect/>
+                </a:stretch>
+              </p:blipFill>
+              <p:spPr>
+                <a:xfrm>
+                  <a:off x="961097" y="5666057"/>
+                  <a:ext cx="154440" cy="184320"/>
+                </a:xfrm>
+                <a:prstGeom prst="rect">
+                  <a:avLst/>
+                </a:prstGeom>
+              </p:spPr>
+            </p:pic>
+          </mc:Fallback>
+        </mc:AlternateContent>
+        <mc:AlternateContent xmlns:mc="http://schemas.openxmlformats.org/markup-compatibility/2006">
+          <mc:Choice xmlns:p14="http://schemas.microsoft.com/office/powerpoint/2010/main" Requires="p14">
+            <p:contentPart p14:bwMode="auto" r:id="rId60">
+              <p14:nvContentPartPr>
+                <p14:cNvPr id="33" name="Ink 32">
+                  <a:extLst>
+                    <a:ext uri="{FF2B5EF4-FFF2-40B4-BE49-F238E27FC236}">
+                      <a16:creationId xmlns:a16="http://schemas.microsoft.com/office/drawing/2014/main" id="{D3FB394E-9168-BF80-FAE6-B3EFBF4E5EED}"/>
+                    </a:ext>
+                  </a:extLst>
+                </p14:cNvPr>
+                <p14:cNvContentPartPr/>
+                <p14:nvPr/>
+              </p14:nvContentPartPr>
+              <p14:xfrm>
+                <a:off x="979817" y="5693777"/>
+                <a:ext cx="85680" cy="5040"/>
+              </p14:xfrm>
+            </p:contentPart>
+          </mc:Choice>
+          <mc:Fallback>
+            <p:pic>
+              <p:nvPicPr>
+                <p:cNvPr id="33" name="Ink 32">
+                  <a:extLst>
+                    <a:ext uri="{FF2B5EF4-FFF2-40B4-BE49-F238E27FC236}">
+                      <a16:creationId xmlns:a16="http://schemas.microsoft.com/office/drawing/2014/main" id="{D3FB394E-9168-BF80-FAE6-B3EFBF4E5EED}"/>
+                    </a:ext>
+                  </a:extLst>
+                </p:cNvPr>
+                <p:cNvPicPr/>
+                <p:nvPr/>
+              </p:nvPicPr>
+              <p:blipFill>
+                <a:blip r:embed="rId61"/>
+                <a:stretch>
+                  <a:fillRect/>
+                </a:stretch>
+              </p:blipFill>
+              <p:spPr>
+                <a:xfrm>
+                  <a:off x="961817" y="5676137"/>
+                  <a:ext cx="121320" cy="40680"/>
+                </a:xfrm>
+                <a:prstGeom prst="rect">
+                  <a:avLst/>
+                </a:prstGeom>
+              </p:spPr>
+            </p:pic>
+          </mc:Fallback>
+        </mc:AlternateContent>
+        <mc:AlternateContent xmlns:mc="http://schemas.openxmlformats.org/markup-compatibility/2006">
+          <mc:Choice xmlns:p14="http://schemas.microsoft.com/office/powerpoint/2010/main" Requires="p14">
+            <p:contentPart p14:bwMode="auto" r:id="rId62">
+              <p14:nvContentPartPr>
+                <p14:cNvPr id="34" name="Ink 33">
+                  <a:extLst>
+                    <a:ext uri="{FF2B5EF4-FFF2-40B4-BE49-F238E27FC236}">
+                      <a16:creationId xmlns:a16="http://schemas.microsoft.com/office/drawing/2014/main" id="{DDCF96A2-56FA-4CEA-1257-0A88A3EC5C8D}"/>
+                    </a:ext>
+                  </a:extLst>
+                </p14:cNvPr>
+                <p14:cNvContentPartPr/>
+                <p14:nvPr/>
+              </p14:nvContentPartPr>
+              <p14:xfrm>
+                <a:off x="1194737" y="5774057"/>
+                <a:ext cx="129600" cy="28080"/>
+              </p14:xfrm>
+            </p:contentPart>
+          </mc:Choice>
+          <mc:Fallback>
+            <p:pic>
+              <p:nvPicPr>
+                <p:cNvPr id="34" name="Ink 33">
+                  <a:extLst>
+                    <a:ext uri="{FF2B5EF4-FFF2-40B4-BE49-F238E27FC236}">
+                      <a16:creationId xmlns:a16="http://schemas.microsoft.com/office/drawing/2014/main" id="{DDCF96A2-56FA-4CEA-1257-0A88A3EC5C8D}"/>
+                    </a:ext>
+                  </a:extLst>
+                </p:cNvPr>
+                <p:cNvPicPr/>
+                <p:nvPr/>
+              </p:nvPicPr>
+              <p:blipFill>
+                <a:blip r:embed="rId63"/>
+                <a:stretch>
+                  <a:fillRect/>
+                </a:stretch>
+              </p:blipFill>
+              <p:spPr>
+                <a:xfrm>
+                  <a:off x="1176737" y="5756057"/>
+                  <a:ext cx="165240" cy="63720"/>
+                </a:xfrm>
+                <a:prstGeom prst="rect">
+                  <a:avLst/>
+                </a:prstGeom>
+              </p:spPr>
+            </p:pic>
+          </mc:Fallback>
+        </mc:AlternateContent>
+        <mc:AlternateContent xmlns:mc="http://schemas.openxmlformats.org/markup-compatibility/2006">
+          <mc:Choice xmlns:p14="http://schemas.microsoft.com/office/powerpoint/2010/main" Requires="p14">
+            <p:contentPart p14:bwMode="auto" r:id="rId64">
+              <p14:nvContentPartPr>
+                <p14:cNvPr id="35" name="Ink 34">
+                  <a:extLst>
+                    <a:ext uri="{FF2B5EF4-FFF2-40B4-BE49-F238E27FC236}">
+                      <a16:creationId xmlns:a16="http://schemas.microsoft.com/office/drawing/2014/main" id="{6FF4FDA3-A588-A2AC-F5F2-691461A24A8C}"/>
+                    </a:ext>
+                  </a:extLst>
+                </p14:cNvPr>
+                <p14:cNvContentPartPr/>
+                <p14:nvPr/>
+              </p14:nvContentPartPr>
+              <p14:xfrm>
+                <a:off x="1215257" y="5847857"/>
+                <a:ext cx="119880" cy="12600"/>
+              </p14:xfrm>
+            </p:contentPart>
+          </mc:Choice>
+          <mc:Fallback>
+            <p:pic>
+              <p:nvPicPr>
+                <p:cNvPr id="35" name="Ink 34">
+                  <a:extLst>
+                    <a:ext uri="{FF2B5EF4-FFF2-40B4-BE49-F238E27FC236}">
+                      <a16:creationId xmlns:a16="http://schemas.microsoft.com/office/drawing/2014/main" id="{6FF4FDA3-A588-A2AC-F5F2-691461A24A8C}"/>
+                    </a:ext>
+                  </a:extLst>
+                </p:cNvPr>
+                <p:cNvPicPr/>
+                <p:nvPr/>
+              </p:nvPicPr>
+              <p:blipFill>
+                <a:blip r:embed="rId65"/>
+                <a:stretch>
+                  <a:fillRect/>
+                </a:stretch>
+              </p:blipFill>
+              <p:spPr>
+                <a:xfrm>
+                  <a:off x="1197617" y="5829857"/>
+                  <a:ext cx="155520" cy="48240"/>
+                </a:xfrm>
+                <a:prstGeom prst="rect">
+                  <a:avLst/>
+                </a:prstGeom>
+              </p:spPr>
+            </p:pic>
+          </mc:Fallback>
+        </mc:AlternateContent>
+        <mc:AlternateContent xmlns:mc="http://schemas.openxmlformats.org/markup-compatibility/2006">
+          <mc:Choice xmlns:p14="http://schemas.microsoft.com/office/powerpoint/2010/main" Requires="p14">
+            <p:contentPart p14:bwMode="auto" r:id="rId66">
+              <p14:nvContentPartPr>
+                <p14:cNvPr id="36" name="Ink 35">
+                  <a:extLst>
+                    <a:ext uri="{FF2B5EF4-FFF2-40B4-BE49-F238E27FC236}">
+                      <a16:creationId xmlns:a16="http://schemas.microsoft.com/office/drawing/2014/main" id="{FBFFA0B2-158A-F755-9BD6-923FE1433DCC}"/>
+                    </a:ext>
+                  </a:extLst>
+                </p14:cNvPr>
+                <p14:cNvContentPartPr/>
+                <p14:nvPr/>
+              </p14:nvContentPartPr>
+              <p14:xfrm>
+                <a:off x="1412537" y="5746697"/>
+                <a:ext cx="15840" cy="222480"/>
+              </p14:xfrm>
+            </p:contentPart>
+          </mc:Choice>
+          <mc:Fallback>
+            <p:pic>
+              <p:nvPicPr>
+                <p:cNvPr id="36" name="Ink 35">
+                  <a:extLst>
+                    <a:ext uri="{FF2B5EF4-FFF2-40B4-BE49-F238E27FC236}">
+                      <a16:creationId xmlns:a16="http://schemas.microsoft.com/office/drawing/2014/main" id="{FBFFA0B2-158A-F755-9BD6-923FE1433DCC}"/>
+                    </a:ext>
+                  </a:extLst>
+                </p:cNvPr>
+                <p:cNvPicPr/>
+                <p:nvPr/>
+              </p:nvPicPr>
+              <p:blipFill>
+                <a:blip r:embed="rId67"/>
+                <a:stretch>
+                  <a:fillRect/>
+                </a:stretch>
+              </p:blipFill>
+              <p:spPr>
+                <a:xfrm>
+                  <a:off x="1394897" y="5728697"/>
+                  <a:ext cx="51480" cy="258120"/>
+                </a:xfrm>
+                <a:prstGeom prst="rect">
+                  <a:avLst/>
+                </a:prstGeom>
+              </p:spPr>
+            </p:pic>
+          </mc:Fallback>
+        </mc:AlternateContent>
+        <mc:AlternateContent xmlns:mc="http://schemas.openxmlformats.org/markup-compatibility/2006">
+          <mc:Choice xmlns:p14="http://schemas.microsoft.com/office/powerpoint/2010/main" Requires="p14">
+            <p:contentPart p14:bwMode="auto" r:id="rId68">
+              <p14:nvContentPartPr>
+                <p14:cNvPr id="37" name="Ink 36">
+                  <a:extLst>
+                    <a:ext uri="{FF2B5EF4-FFF2-40B4-BE49-F238E27FC236}">
+                      <a16:creationId xmlns:a16="http://schemas.microsoft.com/office/drawing/2014/main" id="{0DE49953-4A06-D8BD-46B2-A172490292C3}"/>
+                    </a:ext>
+                  </a:extLst>
+                </p14:cNvPr>
+                <p14:cNvContentPartPr/>
+                <p14:nvPr/>
+              </p14:nvContentPartPr>
+              <p14:xfrm>
+                <a:off x="1533857" y="5896097"/>
+                <a:ext cx="26280" cy="79920"/>
+              </p14:xfrm>
+            </p:contentPart>
+          </mc:Choice>
+          <mc:Fallback>
+            <p:pic>
+              <p:nvPicPr>
+                <p:cNvPr id="37" name="Ink 36">
+                  <a:extLst>
+                    <a:ext uri="{FF2B5EF4-FFF2-40B4-BE49-F238E27FC236}">
+                      <a16:creationId xmlns:a16="http://schemas.microsoft.com/office/drawing/2014/main" id="{0DE49953-4A06-D8BD-46B2-A172490292C3}"/>
+                    </a:ext>
+                  </a:extLst>
+                </p:cNvPr>
+                <p:cNvPicPr/>
+                <p:nvPr/>
+              </p:nvPicPr>
+              <p:blipFill>
+                <a:blip r:embed="rId69"/>
+                <a:stretch>
+                  <a:fillRect/>
+                </a:stretch>
+              </p:blipFill>
+              <p:spPr>
+                <a:xfrm>
+                  <a:off x="1516217" y="5878457"/>
+                  <a:ext cx="61920" cy="115560"/>
+                </a:xfrm>
+                <a:prstGeom prst="rect">
+                  <a:avLst/>
+                </a:prstGeom>
+              </p:spPr>
+            </p:pic>
+          </mc:Fallback>
+        </mc:AlternateContent>
+        <mc:AlternateContent xmlns:mc="http://schemas.openxmlformats.org/markup-compatibility/2006">
+          <mc:Choice xmlns:p14="http://schemas.microsoft.com/office/powerpoint/2010/main" Requires="p14">
+            <p:contentPart p14:bwMode="auto" r:id="rId70">
+              <p14:nvContentPartPr>
+                <p14:cNvPr id="38" name="Ink 37">
+                  <a:extLst>
+                    <a:ext uri="{FF2B5EF4-FFF2-40B4-BE49-F238E27FC236}">
+                      <a16:creationId xmlns:a16="http://schemas.microsoft.com/office/drawing/2014/main" id="{40E4CE7F-85F2-AB08-A943-3D8A03552291}"/>
+                    </a:ext>
+                  </a:extLst>
+                </p14:cNvPr>
+                <p14:cNvContentPartPr/>
+                <p14:nvPr/>
+              </p14:nvContentPartPr>
+              <p14:xfrm>
+                <a:off x="1583177" y="5758937"/>
+                <a:ext cx="174600" cy="119520"/>
+              </p14:xfrm>
+            </p:contentPart>
+          </mc:Choice>
+          <mc:Fallback>
+            <p:pic>
+              <p:nvPicPr>
+                <p:cNvPr id="38" name="Ink 37">
+                  <a:extLst>
+                    <a:ext uri="{FF2B5EF4-FFF2-40B4-BE49-F238E27FC236}">
+                      <a16:creationId xmlns:a16="http://schemas.microsoft.com/office/drawing/2014/main" id="{40E4CE7F-85F2-AB08-A943-3D8A03552291}"/>
+                    </a:ext>
+                  </a:extLst>
+                </p:cNvPr>
+                <p:cNvPicPr/>
+                <p:nvPr/>
+              </p:nvPicPr>
+              <p:blipFill>
+                <a:blip r:embed="rId71"/>
+                <a:stretch>
+                  <a:fillRect/>
+                </a:stretch>
+              </p:blipFill>
+              <p:spPr>
+                <a:xfrm>
+                  <a:off x="1565537" y="5741297"/>
+                  <a:ext cx="210240" cy="155160"/>
+                </a:xfrm>
+                <a:prstGeom prst="rect">
+                  <a:avLst/>
+                </a:prstGeom>
+              </p:spPr>
+            </p:pic>
+          </mc:Fallback>
+        </mc:AlternateContent>
+        <mc:AlternateContent xmlns:mc="http://schemas.openxmlformats.org/markup-compatibility/2006">
+          <mc:Choice xmlns:p14="http://schemas.microsoft.com/office/powerpoint/2010/main" Requires="p14">
+            <p:contentPart p14:bwMode="auto" r:id="rId72">
+              <p14:nvContentPartPr>
+                <p14:cNvPr id="39" name="Ink 38">
+                  <a:extLst>
+                    <a:ext uri="{FF2B5EF4-FFF2-40B4-BE49-F238E27FC236}">
+                      <a16:creationId xmlns:a16="http://schemas.microsoft.com/office/drawing/2014/main" id="{521DA853-0B1C-A6B0-DADE-A406D1444BE8}"/>
+                    </a:ext>
+                  </a:extLst>
+                </p14:cNvPr>
+                <p14:cNvContentPartPr/>
+                <p14:nvPr/>
+              </p14:nvContentPartPr>
+              <p14:xfrm>
+                <a:off x="1709897" y="5798897"/>
+                <a:ext cx="12960" cy="178200"/>
+              </p14:xfrm>
+            </p:contentPart>
+          </mc:Choice>
+          <mc:Fallback>
+            <p:pic>
+              <p:nvPicPr>
+                <p:cNvPr id="39" name="Ink 38">
+                  <a:extLst>
+                    <a:ext uri="{FF2B5EF4-FFF2-40B4-BE49-F238E27FC236}">
+                      <a16:creationId xmlns:a16="http://schemas.microsoft.com/office/drawing/2014/main" id="{521DA853-0B1C-A6B0-DADE-A406D1444BE8}"/>
+                    </a:ext>
+                  </a:extLst>
+                </p:cNvPr>
+                <p:cNvPicPr/>
+                <p:nvPr/>
+              </p:nvPicPr>
+              <p:blipFill>
+                <a:blip r:embed="rId73"/>
+                <a:stretch>
+                  <a:fillRect/>
+                </a:stretch>
+              </p:blipFill>
+              <p:spPr>
+                <a:xfrm>
+                  <a:off x="1692257" y="5781257"/>
+                  <a:ext cx="48600" cy="213840"/>
+                </a:xfrm>
+                <a:prstGeom prst="rect">
+                  <a:avLst/>
+                </a:prstGeom>
+              </p:spPr>
+            </p:pic>
+          </mc:Fallback>
+        </mc:AlternateContent>
+        <mc:AlternateContent xmlns:mc="http://schemas.openxmlformats.org/markup-compatibility/2006">
+          <mc:Choice xmlns:p14="http://schemas.microsoft.com/office/powerpoint/2010/main" Requires="p14">
+            <p:contentPart p14:bwMode="auto" r:id="rId74">
+              <p14:nvContentPartPr>
+                <p14:cNvPr id="42" name="Ink 41">
+                  <a:extLst>
+                    <a:ext uri="{FF2B5EF4-FFF2-40B4-BE49-F238E27FC236}">
+                      <a16:creationId xmlns:a16="http://schemas.microsoft.com/office/drawing/2014/main" id="{BC8B6209-3266-5E19-2D6B-8FCC5EE280D8}"/>
+                    </a:ext>
+                  </a:extLst>
+                </p14:cNvPr>
+                <p14:cNvContentPartPr/>
+                <p14:nvPr/>
+              </p14:nvContentPartPr>
+              <p14:xfrm>
+                <a:off x="1851737" y="5776217"/>
+                <a:ext cx="16560" cy="156960"/>
+              </p14:xfrm>
+            </p:contentPart>
+          </mc:Choice>
+          <mc:Fallback>
+            <p:pic>
+              <p:nvPicPr>
+                <p:cNvPr id="42" name="Ink 41">
+                  <a:extLst>
+                    <a:ext uri="{FF2B5EF4-FFF2-40B4-BE49-F238E27FC236}">
+                      <a16:creationId xmlns:a16="http://schemas.microsoft.com/office/drawing/2014/main" id="{BC8B6209-3266-5E19-2D6B-8FCC5EE280D8}"/>
+                    </a:ext>
+                  </a:extLst>
+                </p:cNvPr>
+                <p:cNvPicPr/>
+                <p:nvPr/>
+              </p:nvPicPr>
+              <p:blipFill>
+                <a:blip r:embed="rId75"/>
+                <a:stretch>
+                  <a:fillRect/>
+                </a:stretch>
+              </p:blipFill>
+              <p:spPr>
+                <a:xfrm>
+                  <a:off x="1834097" y="5758577"/>
+                  <a:ext cx="52200" cy="192600"/>
+                </a:xfrm>
+                <a:prstGeom prst="rect">
+                  <a:avLst/>
+                </a:prstGeom>
+              </p:spPr>
+            </p:pic>
+          </mc:Fallback>
+        </mc:AlternateContent>
+        <mc:AlternateContent xmlns:mc="http://schemas.openxmlformats.org/markup-compatibility/2006">
+          <mc:Choice xmlns:p14="http://schemas.microsoft.com/office/powerpoint/2010/main" Requires="p14">
+            <p:contentPart p14:bwMode="auto" r:id="rId76">
+              <p14:nvContentPartPr>
+                <p14:cNvPr id="44" name="Ink 43">
+                  <a:extLst>
+                    <a:ext uri="{FF2B5EF4-FFF2-40B4-BE49-F238E27FC236}">
+                      <a16:creationId xmlns:a16="http://schemas.microsoft.com/office/drawing/2014/main" id="{09E5A16B-CBBB-DBF2-334A-3D0E8397ED11}"/>
+                    </a:ext>
+                  </a:extLst>
+                </p14:cNvPr>
+                <p14:cNvContentPartPr/>
+                <p14:nvPr/>
+              </p14:nvContentPartPr>
+              <p14:xfrm>
+                <a:off x="1957937" y="5769377"/>
+                <a:ext cx="134640" cy="78480"/>
+              </p14:xfrm>
+            </p:contentPart>
+          </mc:Choice>
+          <mc:Fallback>
+            <p:pic>
+              <p:nvPicPr>
+                <p:cNvPr id="44" name="Ink 43">
+                  <a:extLst>
+                    <a:ext uri="{FF2B5EF4-FFF2-40B4-BE49-F238E27FC236}">
+                      <a16:creationId xmlns:a16="http://schemas.microsoft.com/office/drawing/2014/main" id="{09E5A16B-CBBB-DBF2-334A-3D0E8397ED11}"/>
+                    </a:ext>
+                  </a:extLst>
+                </p:cNvPr>
+                <p:cNvPicPr/>
+                <p:nvPr/>
+              </p:nvPicPr>
+              <p:blipFill>
+                <a:blip r:embed="rId77"/>
+                <a:stretch>
+                  <a:fillRect/>
+                </a:stretch>
+              </p:blipFill>
+              <p:spPr>
+                <a:xfrm>
+                  <a:off x="1939937" y="5751377"/>
+                  <a:ext cx="170280" cy="114120"/>
+                </a:xfrm>
+                <a:prstGeom prst="rect">
+                  <a:avLst/>
+                </a:prstGeom>
+              </p:spPr>
+            </p:pic>
+          </mc:Fallback>
+        </mc:AlternateContent>
+        <mc:AlternateContent xmlns:mc="http://schemas.openxmlformats.org/markup-compatibility/2006">
+          <mc:Choice xmlns:p14="http://schemas.microsoft.com/office/powerpoint/2010/main" Requires="p14">
+            <p:contentPart p14:bwMode="auto" r:id="rId78">
+              <p14:nvContentPartPr>
+                <p14:cNvPr id="45" name="Ink 44">
+                  <a:extLst>
+                    <a:ext uri="{FF2B5EF4-FFF2-40B4-BE49-F238E27FC236}">
+                      <a16:creationId xmlns:a16="http://schemas.microsoft.com/office/drawing/2014/main" id="{4D4F4620-01BB-5474-BCF0-962D7CDA56F8}"/>
+                    </a:ext>
+                  </a:extLst>
+                </p14:cNvPr>
+                <p14:cNvContentPartPr/>
+                <p14:nvPr/>
+              </p14:nvContentPartPr>
+              <p14:xfrm>
+                <a:off x="2040377" y="5770097"/>
+                <a:ext cx="34920" cy="135360"/>
+              </p14:xfrm>
+            </p:contentPart>
+          </mc:Choice>
+          <mc:Fallback>
+            <p:pic>
+              <p:nvPicPr>
+                <p:cNvPr id="45" name="Ink 44">
+                  <a:extLst>
+                    <a:ext uri="{FF2B5EF4-FFF2-40B4-BE49-F238E27FC236}">
+                      <a16:creationId xmlns:a16="http://schemas.microsoft.com/office/drawing/2014/main" id="{4D4F4620-01BB-5474-BCF0-962D7CDA56F8}"/>
+                    </a:ext>
+                  </a:extLst>
+                </p:cNvPr>
+                <p:cNvPicPr/>
+                <p:nvPr/>
+              </p:nvPicPr>
+              <p:blipFill>
+                <a:blip r:embed="rId79"/>
+                <a:stretch>
+                  <a:fillRect/>
+                </a:stretch>
+              </p:blipFill>
+              <p:spPr>
+                <a:xfrm>
+                  <a:off x="2022737" y="5752097"/>
+                  <a:ext cx="70560" cy="171000"/>
+                </a:xfrm>
+                <a:prstGeom prst="rect">
+                  <a:avLst/>
+                </a:prstGeom>
+              </p:spPr>
+            </p:pic>
+          </mc:Fallback>
+        </mc:AlternateContent>
+      </p:grpSp>
+      <p:grpSp>
+        <p:nvGrpSpPr>
+          <p:cNvPr id="56" name="Group 55">
+            <a:extLst>
+              <a:ext uri="{FF2B5EF4-FFF2-40B4-BE49-F238E27FC236}">
+                <a16:creationId xmlns:a16="http://schemas.microsoft.com/office/drawing/2014/main" id="{581FDAC5-700F-391B-776E-0360A1FB4CC4}"/>
+              </a:ext>
+            </a:extLst>
+          </p:cNvPr>
+          <p:cNvGrpSpPr/>
+          <p:nvPr/>
+        </p:nvGrpSpPr>
+        <p:grpSpPr>
+          <a:xfrm>
+            <a:off x="222017" y="6098777"/>
+            <a:ext cx="1628280" cy="312120"/>
+            <a:chOff x="222017" y="6098777"/>
+            <a:chExt cx="1628280" cy="312120"/>
+          </a:xfrm>
+        </p:grpSpPr>
+        <mc:AlternateContent xmlns:mc="http://schemas.openxmlformats.org/markup-compatibility/2006">
+          <mc:Choice xmlns:p14="http://schemas.microsoft.com/office/powerpoint/2010/main" Requires="p14">
+            <p:contentPart p14:bwMode="auto" r:id="rId80">
+              <p14:nvContentPartPr>
+                <p14:cNvPr id="47" name="Ink 46">
+                  <a:extLst>
+                    <a:ext uri="{FF2B5EF4-FFF2-40B4-BE49-F238E27FC236}">
+                      <a16:creationId xmlns:a16="http://schemas.microsoft.com/office/drawing/2014/main" id="{11D82F01-4286-EE98-C56D-C0C104C6E79E}"/>
+                    </a:ext>
+                  </a:extLst>
+                </p14:cNvPr>
+                <p14:cNvContentPartPr/>
+                <p14:nvPr/>
+              </p14:nvContentPartPr>
+              <p14:xfrm>
+                <a:off x="222017" y="6156377"/>
+                <a:ext cx="168120" cy="9360"/>
+              </p14:xfrm>
+            </p:contentPart>
+          </mc:Choice>
+          <mc:Fallback>
+            <p:pic>
+              <p:nvPicPr>
+                <p:cNvPr id="47" name="Ink 46">
+                  <a:extLst>
+                    <a:ext uri="{FF2B5EF4-FFF2-40B4-BE49-F238E27FC236}">
+                      <a16:creationId xmlns:a16="http://schemas.microsoft.com/office/drawing/2014/main" id="{11D82F01-4286-EE98-C56D-C0C104C6E79E}"/>
+                    </a:ext>
+                  </a:extLst>
+                </p:cNvPr>
+                <p:cNvPicPr/>
+                <p:nvPr/>
+              </p:nvPicPr>
+              <p:blipFill>
+                <a:blip r:embed="rId81"/>
+                <a:stretch>
+                  <a:fillRect/>
+                </a:stretch>
+              </p:blipFill>
+              <p:spPr>
+                <a:xfrm>
+                  <a:off x="204017" y="6138377"/>
+                  <a:ext cx="203760" cy="45000"/>
+                </a:xfrm>
+                <a:prstGeom prst="rect">
+                  <a:avLst/>
+                </a:prstGeom>
+              </p:spPr>
+            </p:pic>
+          </mc:Fallback>
+        </mc:AlternateContent>
+        <mc:AlternateContent xmlns:mc="http://schemas.openxmlformats.org/markup-compatibility/2006">
+          <mc:Choice xmlns:p14="http://schemas.microsoft.com/office/powerpoint/2010/main" Requires="p14">
+            <p:contentPart p14:bwMode="auto" r:id="rId82">
+              <p14:nvContentPartPr>
+                <p14:cNvPr id="48" name="Ink 47">
+                  <a:extLst>
+                    <a:ext uri="{FF2B5EF4-FFF2-40B4-BE49-F238E27FC236}">
+                      <a16:creationId xmlns:a16="http://schemas.microsoft.com/office/drawing/2014/main" id="{B21EEB7F-5607-70E4-D2C3-FDE203A7DC2F}"/>
+                    </a:ext>
+                  </a:extLst>
+                </p14:cNvPr>
+                <p14:cNvContentPartPr/>
+                <p14:nvPr/>
+              </p14:nvContentPartPr>
+              <p14:xfrm>
+                <a:off x="326057" y="6185177"/>
+                <a:ext cx="213840" cy="24480"/>
+              </p14:xfrm>
+            </p:contentPart>
+          </mc:Choice>
+          <mc:Fallback>
+            <p:pic>
+              <p:nvPicPr>
+                <p:cNvPr id="48" name="Ink 47">
+                  <a:extLst>
+                    <a:ext uri="{FF2B5EF4-FFF2-40B4-BE49-F238E27FC236}">
+                      <a16:creationId xmlns:a16="http://schemas.microsoft.com/office/drawing/2014/main" id="{B21EEB7F-5607-70E4-D2C3-FDE203A7DC2F}"/>
+                    </a:ext>
+                  </a:extLst>
+                </p:cNvPr>
+                <p:cNvPicPr/>
+                <p:nvPr/>
+              </p:nvPicPr>
+              <p:blipFill>
+                <a:blip r:embed="rId83"/>
+                <a:stretch>
+                  <a:fillRect/>
+                </a:stretch>
+              </p:blipFill>
+              <p:spPr>
+                <a:xfrm>
+                  <a:off x="308057" y="6167537"/>
+                  <a:ext cx="249480" cy="60120"/>
+                </a:xfrm>
+                <a:prstGeom prst="rect">
+                  <a:avLst/>
+                </a:prstGeom>
+              </p:spPr>
+            </p:pic>
+          </mc:Fallback>
+        </mc:AlternateContent>
+        <mc:AlternateContent xmlns:mc="http://schemas.openxmlformats.org/markup-compatibility/2006">
+          <mc:Choice xmlns:p14="http://schemas.microsoft.com/office/powerpoint/2010/main" Requires="p14">
+            <p:contentPart p14:bwMode="auto" r:id="rId84">
+              <p14:nvContentPartPr>
+                <p14:cNvPr id="50" name="Ink 49">
+                  <a:extLst>
+                    <a:ext uri="{FF2B5EF4-FFF2-40B4-BE49-F238E27FC236}">
+                      <a16:creationId xmlns:a16="http://schemas.microsoft.com/office/drawing/2014/main" id="{E96243C8-CB1C-2EA4-A6BC-AD7C1C99E3C0}"/>
+                    </a:ext>
+                  </a:extLst>
+                </p14:cNvPr>
+                <p14:cNvContentPartPr/>
+                <p14:nvPr/>
+              </p14:nvContentPartPr>
+              <p14:xfrm>
+                <a:off x="641417" y="6098777"/>
+                <a:ext cx="275760" cy="240840"/>
+              </p14:xfrm>
+            </p:contentPart>
+          </mc:Choice>
+          <mc:Fallback>
+            <p:pic>
+              <p:nvPicPr>
+                <p:cNvPr id="50" name="Ink 49">
+                  <a:extLst>
+                    <a:ext uri="{FF2B5EF4-FFF2-40B4-BE49-F238E27FC236}">
+                      <a16:creationId xmlns:a16="http://schemas.microsoft.com/office/drawing/2014/main" id="{E96243C8-CB1C-2EA4-A6BC-AD7C1C99E3C0}"/>
+                    </a:ext>
+                  </a:extLst>
+                </p:cNvPr>
+                <p:cNvPicPr/>
+                <p:nvPr/>
+              </p:nvPicPr>
+              <p:blipFill>
+                <a:blip r:embed="rId85"/>
+                <a:stretch>
+                  <a:fillRect/>
+                </a:stretch>
+              </p:blipFill>
+              <p:spPr>
+                <a:xfrm>
+                  <a:off x="623777" y="6080777"/>
+                  <a:ext cx="311400" cy="276480"/>
+                </a:xfrm>
+                <a:prstGeom prst="rect">
+                  <a:avLst/>
+                </a:prstGeom>
+              </p:spPr>
+            </p:pic>
+          </mc:Fallback>
+        </mc:AlternateContent>
+        <mc:AlternateContent xmlns:mc="http://schemas.openxmlformats.org/markup-compatibility/2006">
+          <mc:Choice xmlns:p14="http://schemas.microsoft.com/office/powerpoint/2010/main" Requires="p14">
+            <p:contentPart p14:bwMode="auto" r:id="rId86">
+              <p14:nvContentPartPr>
+                <p14:cNvPr id="51" name="Ink 50">
+                  <a:extLst>
+                    <a:ext uri="{FF2B5EF4-FFF2-40B4-BE49-F238E27FC236}">
+                      <a16:creationId xmlns:a16="http://schemas.microsoft.com/office/drawing/2014/main" id="{79CBF6DF-AAAC-A514-B3BF-25FA8BA307CC}"/>
+                    </a:ext>
+                  </a:extLst>
+                </p14:cNvPr>
+                <p14:cNvContentPartPr/>
+                <p14:nvPr/>
+              </p14:nvContentPartPr>
+              <p14:xfrm>
+                <a:off x="962537" y="6303977"/>
+                <a:ext cx="10800" cy="18360"/>
+              </p14:xfrm>
+            </p:contentPart>
+          </mc:Choice>
+          <mc:Fallback>
+            <p:pic>
+              <p:nvPicPr>
+                <p:cNvPr id="51" name="Ink 50">
+                  <a:extLst>
+                    <a:ext uri="{FF2B5EF4-FFF2-40B4-BE49-F238E27FC236}">
+                      <a16:creationId xmlns:a16="http://schemas.microsoft.com/office/drawing/2014/main" id="{79CBF6DF-AAAC-A514-B3BF-25FA8BA307CC}"/>
+                    </a:ext>
+                  </a:extLst>
+                </p:cNvPr>
+                <p:cNvPicPr/>
+                <p:nvPr/>
+              </p:nvPicPr>
+              <p:blipFill>
+                <a:blip r:embed="rId87"/>
+                <a:stretch>
+                  <a:fillRect/>
+                </a:stretch>
+              </p:blipFill>
+              <p:spPr>
+                <a:xfrm>
+                  <a:off x="944537" y="6286337"/>
+                  <a:ext cx="46440" cy="54000"/>
+                </a:xfrm>
+                <a:prstGeom prst="rect">
+                  <a:avLst/>
+                </a:prstGeom>
+              </p:spPr>
+            </p:pic>
+          </mc:Fallback>
+        </mc:AlternateContent>
+        <mc:AlternateContent xmlns:mc="http://schemas.openxmlformats.org/markup-compatibility/2006">
+          <mc:Choice xmlns:p14="http://schemas.microsoft.com/office/powerpoint/2010/main" Requires="p14">
+            <p:contentPart p14:bwMode="auto" r:id="rId88">
+              <p14:nvContentPartPr>
+                <p14:cNvPr id="53" name="Ink 52">
+                  <a:extLst>
+                    <a:ext uri="{FF2B5EF4-FFF2-40B4-BE49-F238E27FC236}">
+                      <a16:creationId xmlns:a16="http://schemas.microsoft.com/office/drawing/2014/main" id="{B00CEEEA-3AE2-4AF3-469C-90DBFE9A1EF7}"/>
+                    </a:ext>
+                  </a:extLst>
+                </p14:cNvPr>
+                <p14:cNvContentPartPr/>
+                <p14:nvPr/>
+              </p14:nvContentPartPr>
+              <p14:xfrm>
+                <a:off x="1099337" y="6127577"/>
+                <a:ext cx="151920" cy="250560"/>
+              </p14:xfrm>
+            </p:contentPart>
+          </mc:Choice>
+          <mc:Fallback>
+            <p:pic>
+              <p:nvPicPr>
+                <p:cNvPr id="53" name="Ink 52">
+                  <a:extLst>
+                    <a:ext uri="{FF2B5EF4-FFF2-40B4-BE49-F238E27FC236}">
+                      <a16:creationId xmlns:a16="http://schemas.microsoft.com/office/drawing/2014/main" id="{B00CEEEA-3AE2-4AF3-469C-90DBFE9A1EF7}"/>
+                    </a:ext>
+                  </a:extLst>
+                </p:cNvPr>
+                <p:cNvPicPr/>
+                <p:nvPr/>
+              </p:nvPicPr>
+              <p:blipFill>
+                <a:blip r:embed="rId89"/>
+                <a:stretch>
+                  <a:fillRect/>
+                </a:stretch>
+              </p:blipFill>
+              <p:spPr>
+                <a:xfrm>
+                  <a:off x="1081337" y="6109937"/>
+                  <a:ext cx="187560" cy="286200"/>
+                </a:xfrm>
+                <a:prstGeom prst="rect">
+                  <a:avLst/>
+                </a:prstGeom>
+              </p:spPr>
+            </p:pic>
+          </mc:Fallback>
+        </mc:AlternateContent>
+        <mc:AlternateContent xmlns:mc="http://schemas.openxmlformats.org/markup-compatibility/2006">
+          <mc:Choice xmlns:p14="http://schemas.microsoft.com/office/powerpoint/2010/main" Requires="p14">
+            <p:contentPart p14:bwMode="auto" r:id="rId90">
+              <p14:nvContentPartPr>
+                <p14:cNvPr id="54" name="Ink 53">
+                  <a:extLst>
+                    <a:ext uri="{FF2B5EF4-FFF2-40B4-BE49-F238E27FC236}">
+                      <a16:creationId xmlns:a16="http://schemas.microsoft.com/office/drawing/2014/main" id="{E6E4D1BA-774B-3FA3-D1CC-825CE5696FAC}"/>
+                    </a:ext>
+                  </a:extLst>
+                </p14:cNvPr>
+                <p14:cNvContentPartPr/>
+                <p14:nvPr/>
+              </p14:nvContentPartPr>
+              <p14:xfrm>
+                <a:off x="1475897" y="6175457"/>
+                <a:ext cx="168840" cy="179640"/>
+              </p14:xfrm>
+            </p:contentPart>
+          </mc:Choice>
+          <mc:Fallback>
+            <p:pic>
+              <p:nvPicPr>
+                <p:cNvPr id="54" name="Ink 53">
+                  <a:extLst>
+                    <a:ext uri="{FF2B5EF4-FFF2-40B4-BE49-F238E27FC236}">
+                      <a16:creationId xmlns:a16="http://schemas.microsoft.com/office/drawing/2014/main" id="{E6E4D1BA-774B-3FA3-D1CC-825CE5696FAC}"/>
+                    </a:ext>
+                  </a:extLst>
+                </p:cNvPr>
+                <p:cNvPicPr/>
+                <p:nvPr/>
+              </p:nvPicPr>
+              <p:blipFill>
+                <a:blip r:embed="rId91"/>
+                <a:stretch>
+                  <a:fillRect/>
+                </a:stretch>
+              </p:blipFill>
+              <p:spPr>
+                <a:xfrm>
+                  <a:off x="1458257" y="6157817"/>
+                  <a:ext cx="204480" cy="215280"/>
+                </a:xfrm>
+                <a:prstGeom prst="rect">
+                  <a:avLst/>
+                </a:prstGeom>
+              </p:spPr>
+            </p:pic>
+          </mc:Fallback>
+        </mc:AlternateContent>
+        <mc:AlternateContent xmlns:mc="http://schemas.openxmlformats.org/markup-compatibility/2006">
+          <mc:Choice xmlns:p14="http://schemas.microsoft.com/office/powerpoint/2010/main" Requires="p14">
+            <p:contentPart p14:bwMode="auto" r:id="rId92">
+              <p14:nvContentPartPr>
+                <p14:cNvPr id="55" name="Ink 54">
+                  <a:extLst>
+                    <a:ext uri="{FF2B5EF4-FFF2-40B4-BE49-F238E27FC236}">
+                      <a16:creationId xmlns:a16="http://schemas.microsoft.com/office/drawing/2014/main" id="{61494C9F-CF52-D801-E0CE-6D35F8E20257}"/>
+                    </a:ext>
+                  </a:extLst>
+                </p14:cNvPr>
+                <p14:cNvContentPartPr/>
+                <p14:nvPr/>
+              </p14:nvContentPartPr>
+              <p14:xfrm>
+                <a:off x="1649777" y="6140897"/>
+                <a:ext cx="200520" cy="270000"/>
+              </p14:xfrm>
+            </p:contentPart>
+          </mc:Choice>
+          <mc:Fallback>
+            <p:pic>
+              <p:nvPicPr>
+                <p:cNvPr id="55" name="Ink 54">
+                  <a:extLst>
+                    <a:ext uri="{FF2B5EF4-FFF2-40B4-BE49-F238E27FC236}">
+                      <a16:creationId xmlns:a16="http://schemas.microsoft.com/office/drawing/2014/main" id="{61494C9F-CF52-D801-E0CE-6D35F8E20257}"/>
+                    </a:ext>
+                  </a:extLst>
+                </p:cNvPr>
+                <p:cNvPicPr/>
+                <p:nvPr/>
+              </p:nvPicPr>
+              <p:blipFill>
+                <a:blip r:embed="rId93"/>
+                <a:stretch>
+                  <a:fillRect/>
+                </a:stretch>
+              </p:blipFill>
+              <p:spPr>
+                <a:xfrm>
+                  <a:off x="1631777" y="6123257"/>
+                  <a:ext cx="236160" cy="305640"/>
+                </a:xfrm>
+                <a:prstGeom prst="rect">
+                  <a:avLst/>
+                </a:prstGeom>
+              </p:spPr>
+            </p:pic>
+          </mc:Fallback>
+        </mc:AlternateContent>
+      </p:grpSp>
+      <mc:AlternateContent xmlns:mc="http://schemas.openxmlformats.org/markup-compatibility/2006">
+        <mc:Choice xmlns:p14="http://schemas.microsoft.com/office/powerpoint/2010/main" Requires="p14">
+          <p:contentPart p14:bwMode="auto" r:id="rId94">
+            <p14:nvContentPartPr>
+              <p14:cNvPr id="58" name="Ink 57">
+                <a:extLst>
+                  <a:ext uri="{FF2B5EF4-FFF2-40B4-BE49-F238E27FC236}">
+                    <a16:creationId xmlns:a16="http://schemas.microsoft.com/office/drawing/2014/main" id="{A1205171-FD54-DF34-4F9A-7CBC4EEAC16C}"/>
+                  </a:ext>
+                </a:extLst>
+              </p14:cNvPr>
+              <p14:cNvContentPartPr/>
+              <p14:nvPr/>
+            </p14:nvContentPartPr>
+            <p14:xfrm>
+              <a:off x="4391897" y="4978097"/>
+              <a:ext cx="5052960" cy="1465560"/>
+            </p14:xfrm>
+          </p:contentPart>
+        </mc:Choice>
+        <mc:Fallback>
+          <p:pic>
+            <p:nvPicPr>
+              <p:cNvPr id="58" name="Ink 57">
+                <a:extLst>
+                  <a:ext uri="{FF2B5EF4-FFF2-40B4-BE49-F238E27FC236}">
+                    <a16:creationId xmlns:a16="http://schemas.microsoft.com/office/drawing/2014/main" id="{A1205171-FD54-DF34-4F9A-7CBC4EEAC16C}"/>
+                  </a:ext>
+                </a:extLst>
+              </p:cNvPr>
+              <p:cNvPicPr/>
+              <p:nvPr/>
+            </p:nvPicPr>
+            <p:blipFill>
+              <a:blip r:embed="rId95"/>
+              <a:stretch>
+                <a:fillRect/>
+              </a:stretch>
+            </p:blipFill>
+            <p:spPr>
+              <a:xfrm>
+                <a:off x="4373897" y="4960097"/>
+                <a:ext cx="5088600" cy="1501200"/>
+              </a:xfrm>
+              <a:prstGeom prst="rect">
+                <a:avLst/>
+              </a:prstGeom>
+            </p:spPr>
+          </p:pic>
+        </mc:Fallback>
+      </mc:AlternateContent>
+      <p:grpSp>
+        <p:nvGrpSpPr>
+          <p:cNvPr id="62" name="Group 61">
+            <a:extLst>
+              <a:ext uri="{FF2B5EF4-FFF2-40B4-BE49-F238E27FC236}">
+                <a16:creationId xmlns:a16="http://schemas.microsoft.com/office/drawing/2014/main" id="{058147BA-D177-65C6-00EE-F1332C3347A3}"/>
+              </a:ext>
+            </a:extLst>
+          </p:cNvPr>
+          <p:cNvGrpSpPr/>
+          <p:nvPr/>
+        </p:nvGrpSpPr>
+        <p:grpSpPr>
+          <a:xfrm>
+            <a:off x="5183177" y="5131817"/>
+            <a:ext cx="813240" cy="433800"/>
+            <a:chOff x="5183177" y="5131817"/>
+            <a:chExt cx="813240" cy="433800"/>
+          </a:xfrm>
+        </p:grpSpPr>
+        <mc:AlternateContent xmlns:mc="http://schemas.openxmlformats.org/markup-compatibility/2006">
+          <mc:Choice xmlns:p14="http://schemas.microsoft.com/office/powerpoint/2010/main" Requires="p14">
+            <p:contentPart p14:bwMode="auto" r:id="rId96">
+              <p14:nvContentPartPr>
+                <p14:cNvPr id="59" name="Ink 58">
+                  <a:extLst>
+                    <a:ext uri="{FF2B5EF4-FFF2-40B4-BE49-F238E27FC236}">
+                      <a16:creationId xmlns:a16="http://schemas.microsoft.com/office/drawing/2014/main" id="{02C836AB-604F-163D-7F16-665BC8D0FB0E}"/>
+                    </a:ext>
+                  </a:extLst>
+                </p14:cNvPr>
+                <p14:cNvContentPartPr/>
+                <p14:nvPr/>
+              </p14:nvContentPartPr>
+              <p14:xfrm>
+                <a:off x="5202617" y="5157377"/>
+                <a:ext cx="671040" cy="315000"/>
+              </p14:xfrm>
+            </p:contentPart>
+          </mc:Choice>
+          <mc:Fallback>
+            <p:pic>
+              <p:nvPicPr>
+                <p:cNvPr id="59" name="Ink 58">
+                  <a:extLst>
+                    <a:ext uri="{FF2B5EF4-FFF2-40B4-BE49-F238E27FC236}">
+                      <a16:creationId xmlns:a16="http://schemas.microsoft.com/office/drawing/2014/main" id="{02C836AB-604F-163D-7F16-665BC8D0FB0E}"/>
+                    </a:ext>
+                  </a:extLst>
+                </p:cNvPr>
+                <p:cNvPicPr/>
+                <p:nvPr/>
+              </p:nvPicPr>
+              <p:blipFill>
+                <a:blip r:embed="rId97"/>
+                <a:stretch>
+                  <a:fillRect/>
+                </a:stretch>
+              </p:blipFill>
+              <p:spPr>
+                <a:xfrm>
+                  <a:off x="5184617" y="5139377"/>
+                  <a:ext cx="706680" cy="350640"/>
+                </a:xfrm>
+                <a:prstGeom prst="rect">
+                  <a:avLst/>
+                </a:prstGeom>
+              </p:spPr>
+            </p:pic>
+          </mc:Fallback>
+        </mc:AlternateContent>
+        <mc:AlternateContent xmlns:mc="http://schemas.openxmlformats.org/markup-compatibility/2006">
+          <mc:Choice xmlns:p14="http://schemas.microsoft.com/office/powerpoint/2010/main" Requires="p14">
+            <p:contentPart p14:bwMode="auto" r:id="rId98">
+              <p14:nvContentPartPr>
+                <p14:cNvPr id="60" name="Ink 59">
+                  <a:extLst>
+                    <a:ext uri="{FF2B5EF4-FFF2-40B4-BE49-F238E27FC236}">
+                      <a16:creationId xmlns:a16="http://schemas.microsoft.com/office/drawing/2014/main" id="{38B9D4F5-665A-2EE7-A9DA-4E3C1964149A}"/>
+                    </a:ext>
+                  </a:extLst>
+                </p14:cNvPr>
+                <p14:cNvContentPartPr/>
+                <p14:nvPr/>
+              </p14:nvContentPartPr>
+              <p14:xfrm>
+                <a:off x="5183177" y="5388497"/>
+                <a:ext cx="208440" cy="177120"/>
+              </p14:xfrm>
+            </p:contentPart>
+          </mc:Choice>
+          <mc:Fallback>
+            <p:pic>
+              <p:nvPicPr>
+                <p:cNvPr id="60" name="Ink 59">
+                  <a:extLst>
+                    <a:ext uri="{FF2B5EF4-FFF2-40B4-BE49-F238E27FC236}">
+                      <a16:creationId xmlns:a16="http://schemas.microsoft.com/office/drawing/2014/main" id="{38B9D4F5-665A-2EE7-A9DA-4E3C1964149A}"/>
+                    </a:ext>
+                  </a:extLst>
+                </p:cNvPr>
+                <p:cNvPicPr/>
+                <p:nvPr/>
+              </p:nvPicPr>
+              <p:blipFill>
+                <a:blip r:embed="rId99"/>
+                <a:stretch>
+                  <a:fillRect/>
+                </a:stretch>
+              </p:blipFill>
+              <p:spPr>
+                <a:xfrm>
+                  <a:off x="5165177" y="5370857"/>
+                  <a:ext cx="244080" cy="212760"/>
+                </a:xfrm>
+                <a:prstGeom prst="rect">
+                  <a:avLst/>
+                </a:prstGeom>
+              </p:spPr>
+            </p:pic>
+          </mc:Fallback>
+        </mc:AlternateContent>
+        <mc:AlternateContent xmlns:mc="http://schemas.openxmlformats.org/markup-compatibility/2006">
+          <mc:Choice xmlns:p14="http://schemas.microsoft.com/office/powerpoint/2010/main" Requires="p14">
+            <p:contentPart p14:bwMode="auto" r:id="rId100">
+              <p14:nvContentPartPr>
+                <p14:cNvPr id="61" name="Ink 60">
+                  <a:extLst>
+                    <a:ext uri="{FF2B5EF4-FFF2-40B4-BE49-F238E27FC236}">
+                      <a16:creationId xmlns:a16="http://schemas.microsoft.com/office/drawing/2014/main" id="{D4BA0179-4CDD-6141-D50B-84A29F061415}"/>
+                    </a:ext>
+                  </a:extLst>
+                </p14:cNvPr>
+                <p14:cNvContentPartPr/>
+                <p14:nvPr/>
+              </p14:nvContentPartPr>
+              <p14:xfrm>
+                <a:off x="5626697" y="5131817"/>
+                <a:ext cx="369720" cy="108000"/>
+              </p14:xfrm>
+            </p:contentPart>
+          </mc:Choice>
+          <mc:Fallback>
+            <p:pic>
+              <p:nvPicPr>
+                <p:cNvPr id="61" name="Ink 60">
+                  <a:extLst>
+                    <a:ext uri="{FF2B5EF4-FFF2-40B4-BE49-F238E27FC236}">
+                      <a16:creationId xmlns:a16="http://schemas.microsoft.com/office/drawing/2014/main" id="{D4BA0179-4CDD-6141-D50B-84A29F061415}"/>
+                    </a:ext>
+                  </a:extLst>
+                </p:cNvPr>
+                <p:cNvPicPr/>
+                <p:nvPr/>
+              </p:nvPicPr>
+              <p:blipFill>
+                <a:blip r:embed="rId101"/>
+                <a:stretch>
+                  <a:fillRect/>
+                </a:stretch>
+              </p:blipFill>
+              <p:spPr>
+                <a:xfrm>
+                  <a:off x="5608697" y="5114177"/>
+                  <a:ext cx="405360" cy="143640"/>
+                </a:xfrm>
+                <a:prstGeom prst="rect">
+                  <a:avLst/>
+                </a:prstGeom>
+              </p:spPr>
+            </p:pic>
+          </mc:Fallback>
+        </mc:AlternateContent>
+      </p:grpSp>
     </p:spTree>
     <p:extLst>
       <p:ext uri="{BB962C8B-B14F-4D97-AF65-F5344CB8AC3E}">
